--- a/Tps_Stories.pptx
+++ b/Tps_Stories.pptx
@@ -197,7 +197,7 @@
           <a:p>
             <a:fld id="{01C96086-7438-AE46-A320-EFC9ED254481}" type="datetimeFigureOut">
               <a:rPr lang="en-US" smtClean="0"/>
-              <a:t>10/29/18</a:t>
+              <a:t>10/30/18</a:t>
             </a:fld>
             <a:endParaRPr lang="en-US"/>
           </a:p>
@@ -730,7 +730,7 @@
           <a:p>
             <a:fld id="{EE067F8D-EA28-E349-8608-CCDA5E5EBE30}" type="datetimeFigureOut">
               <a:rPr lang="en-US" smtClean="0"/>
-              <a:t>10/29/18</a:t>
+              <a:t>10/30/18</a:t>
             </a:fld>
             <a:endParaRPr lang="en-US"/>
           </a:p>
@@ -900,7 +900,7 @@
           <a:p>
             <a:fld id="{EE067F8D-EA28-E349-8608-CCDA5E5EBE30}" type="datetimeFigureOut">
               <a:rPr lang="en-US" smtClean="0"/>
-              <a:t>10/29/18</a:t>
+              <a:t>10/30/18</a:t>
             </a:fld>
             <a:endParaRPr lang="en-US"/>
           </a:p>
@@ -1080,7 +1080,7 @@
           <a:p>
             <a:fld id="{EE067F8D-EA28-E349-8608-CCDA5E5EBE30}" type="datetimeFigureOut">
               <a:rPr lang="en-US" smtClean="0"/>
-              <a:t>10/29/18</a:t>
+              <a:t>10/30/18</a:t>
             </a:fld>
             <a:endParaRPr lang="en-US"/>
           </a:p>
@@ -1250,7 +1250,7 @@
           <a:p>
             <a:fld id="{EE067F8D-EA28-E349-8608-CCDA5E5EBE30}" type="datetimeFigureOut">
               <a:rPr lang="en-US" smtClean="0"/>
-              <a:t>10/29/18</a:t>
+              <a:t>10/30/18</a:t>
             </a:fld>
             <a:endParaRPr lang="en-US"/>
           </a:p>
@@ -1496,7 +1496,7 @@
           <a:p>
             <a:fld id="{EE067F8D-EA28-E349-8608-CCDA5E5EBE30}" type="datetimeFigureOut">
               <a:rPr lang="en-US" smtClean="0"/>
-              <a:t>10/29/18</a:t>
+              <a:t>10/30/18</a:t>
             </a:fld>
             <a:endParaRPr lang="en-US"/>
           </a:p>
@@ -1784,7 +1784,7 @@
           <a:p>
             <a:fld id="{EE067F8D-EA28-E349-8608-CCDA5E5EBE30}" type="datetimeFigureOut">
               <a:rPr lang="en-US" smtClean="0"/>
-              <a:t>10/29/18</a:t>
+              <a:t>10/30/18</a:t>
             </a:fld>
             <a:endParaRPr lang="en-US"/>
           </a:p>
@@ -2206,7 +2206,7 @@
           <a:p>
             <a:fld id="{EE067F8D-EA28-E349-8608-CCDA5E5EBE30}" type="datetimeFigureOut">
               <a:rPr lang="en-US" smtClean="0"/>
-              <a:t>10/29/18</a:t>
+              <a:t>10/30/18</a:t>
             </a:fld>
             <a:endParaRPr lang="en-US"/>
           </a:p>
@@ -2324,7 +2324,7 @@
           <a:p>
             <a:fld id="{EE067F8D-EA28-E349-8608-CCDA5E5EBE30}" type="datetimeFigureOut">
               <a:rPr lang="en-US" smtClean="0"/>
-              <a:t>10/29/18</a:t>
+              <a:t>10/30/18</a:t>
             </a:fld>
             <a:endParaRPr lang="en-US"/>
           </a:p>
@@ -2419,7 +2419,7 @@
           <a:p>
             <a:fld id="{EE067F8D-EA28-E349-8608-CCDA5E5EBE30}" type="datetimeFigureOut">
               <a:rPr lang="en-US" smtClean="0"/>
-              <a:t>10/29/18</a:t>
+              <a:t>10/30/18</a:t>
             </a:fld>
             <a:endParaRPr lang="en-US"/>
           </a:p>
@@ -2696,7 +2696,7 @@
           <a:p>
             <a:fld id="{EE067F8D-EA28-E349-8608-CCDA5E5EBE30}" type="datetimeFigureOut">
               <a:rPr lang="en-US" smtClean="0"/>
-              <a:t>10/29/18</a:t>
+              <a:t>10/30/18</a:t>
             </a:fld>
             <a:endParaRPr lang="en-US"/>
           </a:p>
@@ -2949,7 +2949,7 @@
           <a:p>
             <a:fld id="{EE067F8D-EA28-E349-8608-CCDA5E5EBE30}" type="datetimeFigureOut">
               <a:rPr lang="en-US" smtClean="0"/>
-              <a:t>10/29/18</a:t>
+              <a:t>10/30/18</a:t>
             </a:fld>
             <a:endParaRPr lang="en-US"/>
           </a:p>
@@ -3162,7 +3162,7 @@
           <a:p>
             <a:fld id="{EE067F8D-EA28-E349-8608-CCDA5E5EBE30}" type="datetimeFigureOut">
               <a:rPr lang="en-US" smtClean="0"/>
-              <a:t>10/29/18</a:t>
+              <a:t>10/30/18</a:t>
             </a:fld>
             <a:endParaRPr lang="en-US"/>
           </a:p>
@@ -4372,7 +4372,6 @@
               <a:rPr lang="en-US" dirty="0" smtClean="0"/>
               <a:t>Directory</a:t>
             </a:r>
-            <a:endParaRPr lang="en-US" dirty="0" smtClean="0"/>
           </a:p>
         </p:txBody>
       </p:sp>
@@ -5451,240 +5450,6 @@
       </p:sp>
       <p:sp>
         <p:nvSpPr>
-          <p:cNvPr id="3" name="TextBox 2"/>
-          <p:cNvSpPr txBox="1"/>
-          <p:nvPr/>
-        </p:nvSpPr>
-        <p:spPr>
-          <a:xfrm>
-            <a:off x="183602" y="5477226"/>
-            <a:ext cx="1897199" cy="923330"/>
-          </a:xfrm>
-          <a:prstGeom prst="rect">
-            <a:avLst/>
-          </a:prstGeom>
-          <a:noFill/>
-        </p:spPr>
-        <p:txBody>
-          <a:bodyPr wrap="none" rtlCol="0">
-            <a:spAutoFit/>
-          </a:bodyPr>
-          <a:lstStyle/>
-          <a:p>
-            <a:r>
-              <a:rPr lang="en-US" dirty="0" smtClean="0"/>
-              <a:t>Create new make</a:t>
-            </a:r>
-          </a:p>
-          <a:p>
-            <a:r>
-              <a:rPr lang="en-US" dirty="0"/>
-              <a:t>f</a:t>
-            </a:r>
-            <a:r>
-              <a:rPr lang="en-US" dirty="0" smtClean="0"/>
-              <a:t>ile since modified </a:t>
-            </a:r>
-          </a:p>
-          <a:p>
-            <a:r>
-              <a:rPr lang="en-US" dirty="0" smtClean="0"/>
-              <a:t>file structure</a:t>
-            </a:r>
-            <a:endParaRPr lang="en-US" dirty="0"/>
-          </a:p>
-        </p:txBody>
-      </p:sp>
-      <p:sp>
-        <p:nvSpPr>
-          <p:cNvPr id="5" name="TextBox 4"/>
-          <p:cNvSpPr txBox="1"/>
-          <p:nvPr/>
-        </p:nvSpPr>
-        <p:spPr>
-          <a:xfrm>
-            <a:off x="2157367" y="5752618"/>
-            <a:ext cx="646331" cy="369332"/>
-          </a:xfrm>
-          <a:prstGeom prst="rect">
-            <a:avLst/>
-          </a:prstGeom>
-          <a:noFill/>
-        </p:spPr>
-        <p:txBody>
-          <a:bodyPr wrap="none" rtlCol="0">
-            <a:spAutoFit/>
-          </a:bodyPr>
-          <a:lstStyle/>
-          <a:p>
-            <a:r>
-              <a:rPr lang="en-US" dirty="0" smtClean="0"/>
-              <a:t>1 </a:t>
-            </a:r>
-            <a:r>
-              <a:rPr lang="en-US" dirty="0" err="1" smtClean="0"/>
-              <a:t>hrs</a:t>
-            </a:r>
-            <a:endParaRPr lang="en-US" dirty="0"/>
-          </a:p>
-        </p:txBody>
-      </p:sp>
-      <p:sp>
-        <p:nvSpPr>
-          <p:cNvPr id="19" name="TextBox 18"/>
-          <p:cNvSpPr txBox="1"/>
-          <p:nvPr/>
-        </p:nvSpPr>
-        <p:spPr>
-          <a:xfrm>
-            <a:off x="3274311" y="5783215"/>
-            <a:ext cx="779330" cy="369332"/>
-          </a:xfrm>
-          <a:prstGeom prst="rect">
-            <a:avLst/>
-          </a:prstGeom>
-          <a:noFill/>
-        </p:spPr>
-        <p:txBody>
-          <a:bodyPr wrap="none" rtlCol="0">
-            <a:spAutoFit/>
-          </a:bodyPr>
-          <a:lstStyle/>
-          <a:p>
-            <a:r>
-              <a:rPr lang="en-US" dirty="0" smtClean="0"/>
-              <a:t>Daniel</a:t>
-            </a:r>
-            <a:endParaRPr lang="en-US" dirty="0"/>
-          </a:p>
-        </p:txBody>
-      </p:sp>
-      <p:sp>
-        <p:nvSpPr>
-          <p:cNvPr id="62" name="TextBox 61"/>
-          <p:cNvSpPr txBox="1"/>
-          <p:nvPr/>
-        </p:nvSpPr>
-        <p:spPr>
-          <a:xfrm>
-            <a:off x="4391252" y="5767915"/>
-            <a:ext cx="825867" cy="369332"/>
-          </a:xfrm>
-          <a:prstGeom prst="rect">
-            <a:avLst/>
-          </a:prstGeom>
-          <a:noFill/>
-        </p:spPr>
-        <p:txBody>
-          <a:bodyPr wrap="none" rtlCol="0">
-            <a:spAutoFit/>
-          </a:bodyPr>
-          <a:lstStyle/>
-          <a:p>
-            <a:r>
-              <a:rPr lang="en-US" dirty="0" smtClean="0"/>
-              <a:t>1.5 </a:t>
-            </a:r>
-            <a:r>
-              <a:rPr lang="en-US" dirty="0" err="1" smtClean="0"/>
-              <a:t>hrs</a:t>
-            </a:r>
-            <a:endParaRPr lang="en-US" dirty="0"/>
-          </a:p>
-        </p:txBody>
-      </p:sp>
-      <p:sp>
-        <p:nvSpPr>
-          <p:cNvPr id="63" name="TextBox 62"/>
-          <p:cNvSpPr txBox="1"/>
-          <p:nvPr/>
-        </p:nvSpPr>
-        <p:spPr>
-          <a:xfrm>
-            <a:off x="5920713" y="5783216"/>
-            <a:ext cx="301660" cy="369332"/>
-          </a:xfrm>
-          <a:prstGeom prst="rect">
-            <a:avLst/>
-          </a:prstGeom>
-          <a:noFill/>
-        </p:spPr>
-        <p:txBody>
-          <a:bodyPr wrap="none" rtlCol="0">
-            <a:spAutoFit/>
-          </a:bodyPr>
-          <a:lstStyle/>
-          <a:p>
-            <a:r>
-              <a:rPr lang="en-US" dirty="0" smtClean="0"/>
-              <a:t>0</a:t>
-            </a:r>
-            <a:endParaRPr lang="en-US" dirty="0"/>
-          </a:p>
-        </p:txBody>
-      </p:sp>
-      <p:sp>
-        <p:nvSpPr>
-          <p:cNvPr id="64" name="TextBox 63"/>
-          <p:cNvSpPr txBox="1"/>
-          <p:nvPr/>
-        </p:nvSpPr>
-        <p:spPr>
-          <a:xfrm>
-            <a:off x="6671035" y="5767914"/>
-            <a:ext cx="569387" cy="369332"/>
-          </a:xfrm>
-          <a:prstGeom prst="rect">
-            <a:avLst/>
-          </a:prstGeom>
-          <a:noFill/>
-        </p:spPr>
-        <p:txBody>
-          <a:bodyPr wrap="none" rtlCol="0">
-            <a:spAutoFit/>
-          </a:bodyPr>
-          <a:lstStyle/>
-          <a:p>
-            <a:r>
-              <a:rPr lang="en-US" dirty="0" smtClean="0"/>
-              <a:t>TBD</a:t>
-            </a:r>
-            <a:endParaRPr lang="en-US" dirty="0"/>
-          </a:p>
-        </p:txBody>
-      </p:sp>
-      <p:sp>
-        <p:nvSpPr>
-          <p:cNvPr id="65" name="TextBox 64"/>
-          <p:cNvSpPr txBox="1"/>
-          <p:nvPr/>
-        </p:nvSpPr>
-        <p:spPr>
-          <a:xfrm>
-            <a:off x="7910382" y="5767914"/>
-            <a:ext cx="569387" cy="369332"/>
-          </a:xfrm>
-          <a:prstGeom prst="rect">
-            <a:avLst/>
-          </a:prstGeom>
-          <a:noFill/>
-        </p:spPr>
-        <p:txBody>
-          <a:bodyPr wrap="none" rtlCol="0">
-            <a:spAutoFit/>
-          </a:bodyPr>
-          <a:lstStyle/>
-          <a:p>
-            <a:r>
-              <a:rPr lang="en-US" dirty="0" smtClean="0"/>
-              <a:t>TBD</a:t>
-            </a:r>
-            <a:endParaRPr lang="en-US" dirty="0"/>
-          </a:p>
-        </p:txBody>
-      </p:sp>
-      <p:sp>
-        <p:nvSpPr>
           <p:cNvPr id="66" name="TextBox 65"/>
           <p:cNvSpPr txBox="1"/>
           <p:nvPr/>
@@ -5710,6 +5475,242 @@
               <a:t>Quadratic Solve</a:t>
             </a:r>
             <a:endParaRPr lang="en-US" b="1" dirty="0"/>
+          </a:p>
+        </p:txBody>
+      </p:sp>
+      <p:sp>
+        <p:nvSpPr>
+          <p:cNvPr id="67" name="TextBox 66"/>
+          <p:cNvSpPr txBox="1"/>
+          <p:nvPr/>
+        </p:nvSpPr>
+        <p:spPr>
+          <a:xfrm>
+            <a:off x="182995" y="5476552"/>
+            <a:ext cx="1543511" cy="646331"/>
+          </a:xfrm>
+          <a:prstGeom prst="rect">
+            <a:avLst/>
+          </a:prstGeom>
+          <a:noFill/>
+        </p:spPr>
+        <p:txBody>
+          <a:bodyPr wrap="none" rtlCol="0">
+            <a:spAutoFit/>
+          </a:bodyPr>
+          <a:lstStyle/>
+          <a:p>
+            <a:r>
+              <a:rPr lang="en-US" dirty="0" smtClean="0"/>
+              <a:t>Create parsing</a:t>
+            </a:r>
+          </a:p>
+          <a:p>
+            <a:r>
+              <a:rPr lang="en-US" dirty="0" smtClean="0"/>
+              <a:t>mock </a:t>
+            </a:r>
+            <a:r>
+              <a:rPr lang="en-US" dirty="0" err="1" smtClean="0"/>
+              <a:t>obj</a:t>
+            </a:r>
+            <a:r>
+              <a:rPr lang="en-US" dirty="0" smtClean="0"/>
+              <a:t>(s)</a:t>
+            </a:r>
+            <a:endParaRPr lang="en-US" dirty="0"/>
+          </a:p>
+        </p:txBody>
+      </p:sp>
+      <p:sp>
+        <p:nvSpPr>
+          <p:cNvPr id="68" name="TextBox 67"/>
+          <p:cNvSpPr txBox="1"/>
+          <p:nvPr/>
+        </p:nvSpPr>
+        <p:spPr>
+          <a:xfrm>
+            <a:off x="2172678" y="5676058"/>
+            <a:ext cx="556563" cy="369332"/>
+          </a:xfrm>
+          <a:prstGeom prst="rect">
+            <a:avLst/>
+          </a:prstGeom>
+          <a:noFill/>
+        </p:spPr>
+        <p:txBody>
+          <a:bodyPr wrap="none" rtlCol="0">
+            <a:spAutoFit/>
+          </a:bodyPr>
+          <a:lstStyle/>
+          <a:p>
+            <a:r>
+              <a:rPr lang="en-US" dirty="0" smtClean="0"/>
+              <a:t>1 </a:t>
+            </a:r>
+            <a:r>
+              <a:rPr lang="en-US" dirty="0" err="1" smtClean="0"/>
+              <a:t>hr</a:t>
+            </a:r>
+            <a:endParaRPr lang="en-US" dirty="0"/>
+          </a:p>
+        </p:txBody>
+      </p:sp>
+      <p:sp>
+        <p:nvSpPr>
+          <p:cNvPr id="69" name="TextBox 68"/>
+          <p:cNvSpPr txBox="1"/>
+          <p:nvPr/>
+        </p:nvSpPr>
+        <p:spPr>
+          <a:xfrm>
+            <a:off x="4421863" y="5691357"/>
+            <a:ext cx="556563" cy="369332"/>
+          </a:xfrm>
+          <a:prstGeom prst="rect">
+            <a:avLst/>
+          </a:prstGeom>
+          <a:noFill/>
+        </p:spPr>
+        <p:txBody>
+          <a:bodyPr wrap="none" rtlCol="0">
+            <a:spAutoFit/>
+          </a:bodyPr>
+          <a:lstStyle/>
+          <a:p>
+            <a:r>
+              <a:rPr lang="en-US" dirty="0" smtClean="0"/>
+              <a:t>1 </a:t>
+            </a:r>
+            <a:r>
+              <a:rPr lang="en-US" dirty="0" err="1" smtClean="0"/>
+              <a:t>hr</a:t>
+            </a:r>
+            <a:endParaRPr lang="en-US" dirty="0"/>
+          </a:p>
+        </p:txBody>
+      </p:sp>
+      <p:sp>
+        <p:nvSpPr>
+          <p:cNvPr id="70" name="TextBox 69"/>
+          <p:cNvSpPr txBox="1"/>
+          <p:nvPr/>
+        </p:nvSpPr>
+        <p:spPr>
+          <a:xfrm>
+            <a:off x="3274316" y="5691359"/>
+            <a:ext cx="779330" cy="369332"/>
+          </a:xfrm>
+          <a:prstGeom prst="rect">
+            <a:avLst/>
+          </a:prstGeom>
+          <a:noFill/>
+        </p:spPr>
+        <p:txBody>
+          <a:bodyPr wrap="none" rtlCol="0">
+            <a:spAutoFit/>
+          </a:bodyPr>
+          <a:lstStyle/>
+          <a:p>
+            <a:r>
+              <a:rPr lang="en-US" dirty="0" smtClean="0"/>
+              <a:t>Daniel</a:t>
+            </a:r>
+            <a:endParaRPr lang="en-US" dirty="0"/>
+          </a:p>
+        </p:txBody>
+      </p:sp>
+      <p:sp>
+        <p:nvSpPr>
+          <p:cNvPr id="71" name="TextBox 70"/>
+          <p:cNvSpPr txBox="1"/>
+          <p:nvPr/>
+        </p:nvSpPr>
+        <p:spPr>
+          <a:xfrm>
+            <a:off x="5753008" y="5706661"/>
+            <a:ext cx="535648" cy="369332"/>
+          </a:xfrm>
+          <a:prstGeom prst="rect">
+            <a:avLst/>
+          </a:prstGeom>
+          <a:noFill/>
+        </p:spPr>
+        <p:txBody>
+          <a:bodyPr wrap="none" rtlCol="0">
+            <a:spAutoFit/>
+          </a:bodyPr>
+          <a:lstStyle/>
+          <a:p>
+            <a:r>
+              <a:rPr lang="en-US" dirty="0" smtClean="0"/>
+              <a:t>100</a:t>
+            </a:r>
+            <a:endParaRPr lang="en-US" dirty="0"/>
+          </a:p>
+        </p:txBody>
+      </p:sp>
+      <p:sp>
+        <p:nvSpPr>
+          <p:cNvPr id="72" name="TextBox 71"/>
+          <p:cNvSpPr txBox="1"/>
+          <p:nvPr/>
+        </p:nvSpPr>
+        <p:spPr>
+          <a:xfrm>
+            <a:off x="6701642" y="5706660"/>
+            <a:ext cx="730864" cy="369332"/>
+          </a:xfrm>
+          <a:prstGeom prst="rect">
+            <a:avLst/>
+          </a:prstGeom>
+          <a:noFill/>
+        </p:spPr>
+        <p:txBody>
+          <a:bodyPr wrap="none" rtlCol="0">
+            <a:spAutoFit/>
+          </a:bodyPr>
+          <a:lstStyle/>
+          <a:p>
+            <a:r>
+              <a:rPr lang="en-US" dirty="0" smtClean="0"/>
+              <a:t>1.5 </a:t>
+            </a:r>
+            <a:r>
+              <a:rPr lang="en-US" dirty="0" err="1" smtClean="0"/>
+              <a:t>hr</a:t>
+            </a:r>
+            <a:endParaRPr lang="en-US" dirty="0"/>
+          </a:p>
+        </p:txBody>
+      </p:sp>
+      <p:sp>
+        <p:nvSpPr>
+          <p:cNvPr id="73" name="TextBox 72"/>
+          <p:cNvSpPr txBox="1"/>
+          <p:nvPr/>
+        </p:nvSpPr>
+        <p:spPr>
+          <a:xfrm>
+            <a:off x="7925683" y="5706658"/>
+            <a:ext cx="455398" cy="369332"/>
+          </a:xfrm>
+          <a:prstGeom prst="rect">
+            <a:avLst/>
+          </a:prstGeom>
+          <a:noFill/>
+        </p:spPr>
+        <p:txBody>
+          <a:bodyPr wrap="none" rtlCol="0">
+            <a:spAutoFit/>
+          </a:bodyPr>
+          <a:lstStyle/>
+          <a:p>
+            <a:r>
+              <a:rPr lang="en-US" dirty="0" smtClean="0"/>
+              <a:t>No</a:t>
+            </a:r>
+            <a:endParaRPr lang="en-US" dirty="0"/>
           </a:p>
         </p:txBody>
       </p:sp>
@@ -6329,7 +6330,7 @@
         </p:nvCxnSpPr>
         <p:spPr>
           <a:xfrm>
-            <a:off x="105883" y="5319991"/>
+            <a:off x="105883" y="5427084"/>
             <a:ext cx="9006295" cy="44718"/>
           </a:xfrm>
           <a:prstGeom prst="line">
@@ -6447,7 +6448,10 @@
               <a:rPr lang="en-US" dirty="0" err="1" smtClean="0"/>
               <a:t>obj</a:t>
             </a:r>
-            <a:endParaRPr lang="en-US" dirty="0" smtClean="0"/>
+            <a:r>
+              <a:rPr lang="en-US" dirty="0" smtClean="0"/>
+              <a:t>(s)</a:t>
+            </a:r>
           </a:p>
         </p:txBody>
       </p:sp>
@@ -6926,62 +6930,13 @@
       </p:sp>
       <p:sp>
         <p:nvSpPr>
-          <p:cNvPr id="39" name="TextBox 38"/>
-          <p:cNvSpPr txBox="1"/>
-          <p:nvPr/>
-        </p:nvSpPr>
-        <p:spPr>
-          <a:xfrm>
-            <a:off x="244199" y="3732466"/>
-            <a:ext cx="1543511" cy="646331"/>
-          </a:xfrm>
-          <a:prstGeom prst="rect">
-            <a:avLst/>
-          </a:prstGeom>
-          <a:noFill/>
-        </p:spPr>
-        <p:txBody>
-          <a:bodyPr wrap="none" rtlCol="0">
-            <a:spAutoFit/>
-          </a:bodyPr>
-          <a:lstStyle/>
-          <a:p>
-            <a:r>
-              <a:rPr lang="en-US" dirty="0" smtClean="0"/>
-              <a:t>Create </a:t>
-            </a:r>
-            <a:r>
-              <a:rPr lang="en-US" dirty="0" smtClean="0"/>
-              <a:t>parsing</a:t>
-            </a:r>
-            <a:endParaRPr lang="en-US" dirty="0" smtClean="0"/>
-          </a:p>
-          <a:p>
-            <a:r>
-              <a:rPr lang="en-US" dirty="0" smtClean="0"/>
-              <a:t>mock </a:t>
-            </a:r>
-            <a:r>
-              <a:rPr lang="en-US" dirty="0" err="1" smtClean="0"/>
-              <a:t>obj</a:t>
-            </a:r>
-            <a:r>
-              <a:rPr lang="en-US" dirty="0" smtClean="0"/>
-              <a:t>(s)</a:t>
-            </a:r>
-            <a:endParaRPr lang="en-US" dirty="0"/>
-          </a:p>
-        </p:txBody>
-      </p:sp>
-      <p:sp>
-        <p:nvSpPr>
           <p:cNvPr id="18" name="TextBox 17"/>
           <p:cNvSpPr txBox="1"/>
           <p:nvPr/>
         </p:nvSpPr>
         <p:spPr>
           <a:xfrm>
-            <a:off x="229506" y="5461921"/>
+            <a:off x="229506" y="4498084"/>
             <a:ext cx="1830023" cy="923330"/>
           </a:xfrm>
           <a:prstGeom prst="rect">
@@ -7093,47 +7048,181 @@
       </p:sp>
       <p:sp>
         <p:nvSpPr>
+          <p:cNvPr id="46" name="TextBox 45"/>
+          <p:cNvSpPr txBox="1"/>
+          <p:nvPr/>
+        </p:nvSpPr>
+        <p:spPr>
+          <a:xfrm>
+            <a:off x="229512" y="3755720"/>
+            <a:ext cx="1415772" cy="646331"/>
+          </a:xfrm>
+          <a:prstGeom prst="rect">
+            <a:avLst/>
+          </a:prstGeom>
+          <a:noFill/>
+        </p:spPr>
+        <p:txBody>
+          <a:bodyPr wrap="none" rtlCol="0">
+            <a:spAutoFit/>
+          </a:bodyPr>
+          <a:lstStyle/>
+          <a:p>
+            <a:r>
+              <a:rPr lang="en-US" dirty="0" err="1" smtClean="0"/>
+              <a:t>Makefile</a:t>
+            </a:r>
+            <a:r>
+              <a:rPr lang="en-US" dirty="0" smtClean="0"/>
+              <a:t> for </a:t>
+            </a:r>
+          </a:p>
+          <a:p>
+            <a:r>
+              <a:rPr lang="en-US" dirty="0" smtClean="0"/>
+              <a:t>unit test </a:t>
+            </a:r>
+            <a:r>
+              <a:rPr lang="en-US" dirty="0" err="1" smtClean="0"/>
+              <a:t>objs</a:t>
+            </a:r>
+            <a:endParaRPr lang="en-US" dirty="0"/>
+          </a:p>
+        </p:txBody>
+      </p:sp>
+      <p:sp>
+        <p:nvSpPr>
+          <p:cNvPr id="25" name="TextBox 24"/>
+          <p:cNvSpPr txBox="1"/>
+          <p:nvPr/>
+        </p:nvSpPr>
+        <p:spPr>
+          <a:xfrm>
+            <a:off x="3320220" y="3075202"/>
+            <a:ext cx="779330" cy="369332"/>
+          </a:xfrm>
+          <a:prstGeom prst="rect">
+            <a:avLst/>
+          </a:prstGeom>
+          <a:noFill/>
+        </p:spPr>
+        <p:txBody>
+          <a:bodyPr wrap="none" rtlCol="0">
+            <a:spAutoFit/>
+          </a:bodyPr>
+          <a:lstStyle/>
+          <a:p>
+            <a:r>
+              <a:rPr lang="en-US" dirty="0" smtClean="0"/>
+              <a:t>Daniel</a:t>
+            </a:r>
+            <a:endParaRPr lang="en-US" dirty="0"/>
+          </a:p>
+        </p:txBody>
+      </p:sp>
+      <p:sp>
+        <p:nvSpPr>
           <p:cNvPr id="19" name="TextBox 18"/>
           <p:cNvSpPr txBox="1"/>
           <p:nvPr/>
         </p:nvSpPr>
         <p:spPr>
           <a:xfrm>
-            <a:off x="2172678" y="3962570"/>
-            <a:ext cx="556563" cy="369332"/>
-          </a:xfrm>
-          <a:prstGeom prst="rect">
-            <a:avLst/>
-          </a:prstGeom>
-          <a:noFill/>
-        </p:spPr>
-        <p:txBody>
-          <a:bodyPr wrap="none" rtlCol="0">
-            <a:spAutoFit/>
-          </a:bodyPr>
-          <a:lstStyle/>
-          <a:p>
-            <a:r>
-              <a:rPr lang="en-US" dirty="0" smtClean="0"/>
-              <a:t>1 </a:t>
+            <a:off x="5722407" y="3121105"/>
+            <a:ext cx="535648" cy="369332"/>
+          </a:xfrm>
+          <a:prstGeom prst="rect">
+            <a:avLst/>
+          </a:prstGeom>
+          <a:noFill/>
+        </p:spPr>
+        <p:txBody>
+          <a:bodyPr wrap="none" rtlCol="0">
+            <a:spAutoFit/>
+          </a:bodyPr>
+          <a:lstStyle/>
+          <a:p>
+            <a:r>
+              <a:rPr lang="en-US" dirty="0" smtClean="0"/>
+              <a:t>100</a:t>
+            </a:r>
+            <a:endParaRPr lang="en-US" dirty="0"/>
+          </a:p>
+        </p:txBody>
+      </p:sp>
+      <p:sp>
+        <p:nvSpPr>
+          <p:cNvPr id="20" name="TextBox 19"/>
+          <p:cNvSpPr txBox="1"/>
+          <p:nvPr/>
+        </p:nvSpPr>
+        <p:spPr>
+          <a:xfrm>
+            <a:off x="6686346" y="3121100"/>
+            <a:ext cx="730864" cy="369332"/>
+          </a:xfrm>
+          <a:prstGeom prst="rect">
+            <a:avLst/>
+          </a:prstGeom>
+          <a:noFill/>
+        </p:spPr>
+        <p:txBody>
+          <a:bodyPr wrap="none" rtlCol="0">
+            <a:spAutoFit/>
+          </a:bodyPr>
+          <a:lstStyle/>
+          <a:p>
+            <a:r>
+              <a:rPr lang="en-US" dirty="0" smtClean="0"/>
+              <a:t>1.5 </a:t>
             </a:r>
             <a:r>
               <a:rPr lang="en-US" dirty="0" err="1" smtClean="0"/>
               <a:t>hr</a:t>
             </a:r>
+            <a:endParaRPr lang="en-US" dirty="0" smtClean="0"/>
+          </a:p>
+        </p:txBody>
+      </p:sp>
+      <p:sp>
+        <p:nvSpPr>
+          <p:cNvPr id="21" name="TextBox 20"/>
+          <p:cNvSpPr txBox="1"/>
+          <p:nvPr/>
+        </p:nvSpPr>
+        <p:spPr>
+          <a:xfrm>
+            <a:off x="8002186" y="3121105"/>
+            <a:ext cx="455398" cy="369332"/>
+          </a:xfrm>
+          <a:prstGeom prst="rect">
+            <a:avLst/>
+          </a:prstGeom>
+          <a:noFill/>
+        </p:spPr>
+        <p:txBody>
+          <a:bodyPr wrap="none" rtlCol="0">
+            <a:spAutoFit/>
+          </a:bodyPr>
+          <a:lstStyle/>
+          <a:p>
+            <a:r>
+              <a:rPr lang="en-US" dirty="0" smtClean="0"/>
+              <a:t>No</a:t>
+            </a:r>
             <a:endParaRPr lang="en-US" dirty="0"/>
           </a:p>
         </p:txBody>
       </p:sp>
       <p:sp>
         <p:nvSpPr>
-          <p:cNvPr id="20" name="TextBox 19"/>
-          <p:cNvSpPr txBox="1"/>
-          <p:nvPr/>
-        </p:nvSpPr>
-        <p:spPr>
-          <a:xfrm>
-            <a:off x="4406562" y="3962570"/>
+          <p:cNvPr id="22" name="TextBox 21"/>
+          <p:cNvSpPr txBox="1"/>
+          <p:nvPr/>
+        </p:nvSpPr>
+        <p:spPr>
+          <a:xfrm>
+            <a:off x="2172678" y="3916674"/>
             <a:ext cx="556563" cy="369332"/>
           </a:xfrm>
           <a:prstGeom prst="rect">
@@ -7161,43 +7250,157 @@
       </p:sp>
       <p:sp>
         <p:nvSpPr>
-          <p:cNvPr id="46" name="TextBox 45"/>
-          <p:cNvSpPr txBox="1"/>
-          <p:nvPr/>
-        </p:nvSpPr>
-        <p:spPr>
-          <a:xfrm>
-            <a:off x="229512" y="4600938"/>
-            <a:ext cx="1558727" cy="646331"/>
-          </a:xfrm>
-          <a:prstGeom prst="rect">
-            <a:avLst/>
-          </a:prstGeom>
-          <a:noFill/>
-        </p:spPr>
-        <p:txBody>
-          <a:bodyPr wrap="none" rtlCol="0">
-            <a:spAutoFit/>
-          </a:bodyPr>
-          <a:lstStyle/>
-          <a:p>
+          <p:cNvPr id="23" name="TextBox 22"/>
+          <p:cNvSpPr txBox="1"/>
+          <p:nvPr/>
+        </p:nvSpPr>
+        <p:spPr>
+          <a:xfrm>
+            <a:off x="3320216" y="3931972"/>
+            <a:ext cx="779330" cy="369332"/>
+          </a:xfrm>
+          <a:prstGeom prst="rect">
+            <a:avLst/>
+          </a:prstGeom>
+          <a:noFill/>
+        </p:spPr>
+        <p:txBody>
+          <a:bodyPr wrap="none" rtlCol="0">
+            <a:spAutoFit/>
+          </a:bodyPr>
+          <a:lstStyle/>
+          <a:p>
+            <a:r>
+              <a:rPr lang="en-US" dirty="0" smtClean="0"/>
+              <a:t>Daniel</a:t>
+            </a:r>
+            <a:endParaRPr lang="en-US" dirty="0"/>
+          </a:p>
+        </p:txBody>
+      </p:sp>
+      <p:sp>
+        <p:nvSpPr>
+          <p:cNvPr id="24" name="TextBox 23"/>
+          <p:cNvSpPr txBox="1"/>
+          <p:nvPr/>
+        </p:nvSpPr>
+        <p:spPr>
+          <a:xfrm>
+            <a:off x="4406553" y="3962577"/>
+            <a:ext cx="556563" cy="369332"/>
+          </a:xfrm>
+          <a:prstGeom prst="rect">
+            <a:avLst/>
+          </a:prstGeom>
+          <a:noFill/>
+        </p:spPr>
+        <p:txBody>
+          <a:bodyPr wrap="none" rtlCol="0">
+            <a:spAutoFit/>
+          </a:bodyPr>
+          <a:lstStyle/>
+          <a:p>
+            <a:r>
+              <a:rPr lang="en-US" dirty="0" smtClean="0"/>
+              <a:t>1 </a:t>
+            </a:r>
             <a:r>
               <a:rPr lang="en-US" dirty="0" err="1" smtClean="0"/>
-              <a:t>Makefile</a:t>
-            </a:r>
-            <a:r>
-              <a:rPr lang="en-US" dirty="0" smtClean="0"/>
-              <a:t>(s) for </a:t>
-            </a:r>
-          </a:p>
-          <a:p>
-            <a:r>
-              <a:rPr lang="en-US" dirty="0" smtClean="0"/>
-              <a:t>unit test </a:t>
+              <a:t>hr</a:t>
+            </a:r>
+            <a:endParaRPr lang="en-US" dirty="0"/>
+          </a:p>
+        </p:txBody>
+      </p:sp>
+      <p:sp>
+        <p:nvSpPr>
+          <p:cNvPr id="26" name="TextBox 25"/>
+          <p:cNvSpPr txBox="1"/>
+          <p:nvPr/>
+        </p:nvSpPr>
+        <p:spPr>
+          <a:xfrm>
+            <a:off x="5737710" y="3962574"/>
+            <a:ext cx="418654" cy="369332"/>
+          </a:xfrm>
+          <a:prstGeom prst="rect">
+            <a:avLst/>
+          </a:prstGeom>
+          <a:noFill/>
+        </p:spPr>
+        <p:txBody>
+          <a:bodyPr wrap="none" rtlCol="0">
+            <a:spAutoFit/>
+          </a:bodyPr>
+          <a:lstStyle/>
+          <a:p>
+            <a:r>
+              <a:rPr lang="en-US" dirty="0" smtClean="0"/>
+              <a:t>90</a:t>
+            </a:r>
+            <a:endParaRPr lang="en-US" dirty="0"/>
+          </a:p>
+        </p:txBody>
+      </p:sp>
+      <p:sp>
+        <p:nvSpPr>
+          <p:cNvPr id="27" name="TextBox 26"/>
+          <p:cNvSpPr txBox="1"/>
+          <p:nvPr/>
+        </p:nvSpPr>
+        <p:spPr>
+          <a:xfrm>
+            <a:off x="6686345" y="3962573"/>
+            <a:ext cx="556563" cy="369332"/>
+          </a:xfrm>
+          <a:prstGeom prst="rect">
+            <a:avLst/>
+          </a:prstGeom>
+          <a:noFill/>
+        </p:spPr>
+        <p:txBody>
+          <a:bodyPr wrap="none" rtlCol="0">
+            <a:spAutoFit/>
+          </a:bodyPr>
+          <a:lstStyle/>
+          <a:p>
+            <a:r>
+              <a:rPr lang="en-US" dirty="0" smtClean="0"/>
+              <a:t>1 </a:t>
             </a:r>
             <a:r>
               <a:rPr lang="en-US" dirty="0" err="1" smtClean="0"/>
-              <a:t>obj’s</a:t>
+              <a:t>hr</a:t>
+            </a:r>
+            <a:endParaRPr lang="en-US" dirty="0"/>
+          </a:p>
+        </p:txBody>
+      </p:sp>
+      <p:sp>
+        <p:nvSpPr>
+          <p:cNvPr id="28" name="TextBox 27"/>
+          <p:cNvSpPr txBox="1"/>
+          <p:nvPr/>
+        </p:nvSpPr>
+        <p:spPr>
+          <a:xfrm>
+            <a:off x="8017495" y="3977873"/>
+            <a:ext cx="455398" cy="369332"/>
+          </a:xfrm>
+          <a:prstGeom prst="rect">
+            <a:avLst/>
+          </a:prstGeom>
+          <a:noFill/>
+        </p:spPr>
+        <p:txBody>
+          <a:bodyPr wrap="none" rtlCol="0">
+            <a:spAutoFit/>
+          </a:bodyPr>
+          <a:lstStyle/>
+          <a:p>
+            <a:r>
+              <a:rPr lang="en-US" dirty="0" smtClean="0"/>
+              <a:t>No</a:t>
             </a:r>
             <a:endParaRPr lang="en-US" dirty="0"/>
           </a:p>
@@ -7841,6 +8044,36 @@
           </a:fontRef>
         </p:style>
       </p:cxnSp>
+      <p:sp>
+        <p:nvSpPr>
+          <p:cNvPr id="24" name="TextBox 23"/>
+          <p:cNvSpPr txBox="1"/>
+          <p:nvPr/>
+        </p:nvSpPr>
+        <p:spPr>
+          <a:xfrm>
+            <a:off x="8284623" y="91812"/>
+            <a:ext cx="807170" cy="369332"/>
+          </a:xfrm>
+          <a:prstGeom prst="rect">
+            <a:avLst/>
+          </a:prstGeom>
+          <a:noFill/>
+        </p:spPr>
+        <p:txBody>
+          <a:bodyPr wrap="none" rtlCol="0">
+            <a:spAutoFit/>
+          </a:bodyPr>
+          <a:lstStyle/>
+          <a:p>
+            <a:r>
+              <a:rPr lang="en-US" dirty="0" smtClean="0"/>
+              <a:t>Page 3</a:t>
+            </a:r>
+            <a:endParaRPr lang="en-US" dirty="0"/>
+          </a:p>
+        </p:txBody>
+      </p:sp>
     </p:spTree>
     <p:extLst>
       <p:ext uri="{BB962C8B-B14F-4D97-AF65-F5344CB8AC3E}">
@@ -7939,7 +8172,7 @@
         </p:nvCxnSpPr>
         <p:spPr>
           <a:xfrm>
-            <a:off x="2887014" y="1007405"/>
+            <a:off x="2902315" y="1007405"/>
             <a:ext cx="30601" cy="5645515"/>
           </a:xfrm>
           <a:prstGeom prst="line">
@@ -9128,36 +9361,6 @@
           <a:chExt cx="0" cy="0"/>
         </a:xfrm>
       </p:grpSpPr>
-      <p:sp>
-        <p:nvSpPr>
-          <p:cNvPr id="4" name="TextBox 3"/>
-          <p:cNvSpPr txBox="1"/>
-          <p:nvPr/>
-        </p:nvSpPr>
-        <p:spPr>
-          <a:xfrm>
-            <a:off x="183607" y="107096"/>
-            <a:ext cx="305943" cy="369332"/>
-          </a:xfrm>
-          <a:prstGeom prst="rect">
-            <a:avLst/>
-          </a:prstGeom>
-          <a:noFill/>
-        </p:spPr>
-        <p:txBody>
-          <a:bodyPr wrap="none" rtlCol="0">
-            <a:spAutoFit/>
-          </a:bodyPr>
-          <a:lstStyle/>
-          <a:p>
-            <a:r>
-              <a:rPr lang="en-US" dirty="0" smtClean="0"/>
-              <a:t>b</a:t>
-            </a:r>
-            <a:endParaRPr lang="en-US" dirty="0"/>
-          </a:p>
-        </p:txBody>
-      </p:sp>
     </p:spTree>
     <p:extLst>
       <p:ext uri="{BB962C8B-B14F-4D97-AF65-F5344CB8AC3E}">

--- a/Tps_Stories.pptx
+++ b/Tps_Stories.pptx
@@ -197,7 +197,7 @@
           <a:p>
             <a:fld id="{01C96086-7438-AE46-A320-EFC9ED254481}" type="datetimeFigureOut">
               <a:rPr lang="en-US" smtClean="0"/>
-              <a:t>10/30/18</a:t>
+              <a:t>11/1/18</a:t>
             </a:fld>
             <a:endParaRPr lang="en-US"/>
           </a:p>
@@ -730,7 +730,7 @@
           <a:p>
             <a:fld id="{EE067F8D-EA28-E349-8608-CCDA5E5EBE30}" type="datetimeFigureOut">
               <a:rPr lang="en-US" smtClean="0"/>
-              <a:t>10/30/18</a:t>
+              <a:t>11/1/18</a:t>
             </a:fld>
             <a:endParaRPr lang="en-US"/>
           </a:p>
@@ -900,7 +900,7 @@
           <a:p>
             <a:fld id="{EE067F8D-EA28-E349-8608-CCDA5E5EBE30}" type="datetimeFigureOut">
               <a:rPr lang="en-US" smtClean="0"/>
-              <a:t>10/30/18</a:t>
+              <a:t>11/1/18</a:t>
             </a:fld>
             <a:endParaRPr lang="en-US"/>
           </a:p>
@@ -1080,7 +1080,7 @@
           <a:p>
             <a:fld id="{EE067F8D-EA28-E349-8608-CCDA5E5EBE30}" type="datetimeFigureOut">
               <a:rPr lang="en-US" smtClean="0"/>
-              <a:t>10/30/18</a:t>
+              <a:t>11/1/18</a:t>
             </a:fld>
             <a:endParaRPr lang="en-US"/>
           </a:p>
@@ -1250,7 +1250,7 @@
           <a:p>
             <a:fld id="{EE067F8D-EA28-E349-8608-CCDA5E5EBE30}" type="datetimeFigureOut">
               <a:rPr lang="en-US" smtClean="0"/>
-              <a:t>10/30/18</a:t>
+              <a:t>11/1/18</a:t>
             </a:fld>
             <a:endParaRPr lang="en-US"/>
           </a:p>
@@ -1496,7 +1496,7 @@
           <a:p>
             <a:fld id="{EE067F8D-EA28-E349-8608-CCDA5E5EBE30}" type="datetimeFigureOut">
               <a:rPr lang="en-US" smtClean="0"/>
-              <a:t>10/30/18</a:t>
+              <a:t>11/1/18</a:t>
             </a:fld>
             <a:endParaRPr lang="en-US"/>
           </a:p>
@@ -1784,7 +1784,7 @@
           <a:p>
             <a:fld id="{EE067F8D-EA28-E349-8608-CCDA5E5EBE30}" type="datetimeFigureOut">
               <a:rPr lang="en-US" smtClean="0"/>
-              <a:t>10/30/18</a:t>
+              <a:t>11/1/18</a:t>
             </a:fld>
             <a:endParaRPr lang="en-US"/>
           </a:p>
@@ -2206,7 +2206,7 @@
           <a:p>
             <a:fld id="{EE067F8D-EA28-E349-8608-CCDA5E5EBE30}" type="datetimeFigureOut">
               <a:rPr lang="en-US" smtClean="0"/>
-              <a:t>10/30/18</a:t>
+              <a:t>11/1/18</a:t>
             </a:fld>
             <a:endParaRPr lang="en-US"/>
           </a:p>
@@ -2324,7 +2324,7 @@
           <a:p>
             <a:fld id="{EE067F8D-EA28-E349-8608-CCDA5E5EBE30}" type="datetimeFigureOut">
               <a:rPr lang="en-US" smtClean="0"/>
-              <a:t>10/30/18</a:t>
+              <a:t>11/1/18</a:t>
             </a:fld>
             <a:endParaRPr lang="en-US"/>
           </a:p>
@@ -2419,7 +2419,7 @@
           <a:p>
             <a:fld id="{EE067F8D-EA28-E349-8608-CCDA5E5EBE30}" type="datetimeFigureOut">
               <a:rPr lang="en-US" smtClean="0"/>
-              <a:t>10/30/18</a:t>
+              <a:t>11/1/18</a:t>
             </a:fld>
             <a:endParaRPr lang="en-US"/>
           </a:p>
@@ -2696,7 +2696,7 @@
           <a:p>
             <a:fld id="{EE067F8D-EA28-E349-8608-CCDA5E5EBE30}" type="datetimeFigureOut">
               <a:rPr lang="en-US" smtClean="0"/>
-              <a:t>10/30/18</a:t>
+              <a:t>11/1/18</a:t>
             </a:fld>
             <a:endParaRPr lang="en-US"/>
           </a:p>
@@ -2949,7 +2949,7 @@
           <a:p>
             <a:fld id="{EE067F8D-EA28-E349-8608-CCDA5E5EBE30}" type="datetimeFigureOut">
               <a:rPr lang="en-US" smtClean="0"/>
-              <a:t>10/30/18</a:t>
+              <a:t>11/1/18</a:t>
             </a:fld>
             <a:endParaRPr lang="en-US"/>
           </a:p>
@@ -3162,7 +3162,7 @@
           <a:p>
             <a:fld id="{EE067F8D-EA28-E349-8608-CCDA5E5EBE30}" type="datetimeFigureOut">
               <a:rPr lang="en-US" smtClean="0"/>
-              <a:t>10/30/18</a:t>
+              <a:t>11/1/18</a:t>
             </a:fld>
             <a:endParaRPr lang="en-US"/>
           </a:p>
@@ -7321,22 +7321,22 @@
         <p:spPr>
           <a:xfrm>
             <a:off x="5737710" y="3962574"/>
-            <a:ext cx="418654" cy="369332"/>
-          </a:xfrm>
-          <a:prstGeom prst="rect">
-            <a:avLst/>
-          </a:prstGeom>
-          <a:noFill/>
-        </p:spPr>
-        <p:txBody>
-          <a:bodyPr wrap="none" rtlCol="0">
-            <a:spAutoFit/>
-          </a:bodyPr>
-          <a:lstStyle/>
-          <a:p>
-            <a:r>
-              <a:rPr lang="en-US" dirty="0" smtClean="0"/>
-              <a:t>90</a:t>
+            <a:ext cx="535648" cy="369332"/>
+          </a:xfrm>
+          <a:prstGeom prst="rect">
+            <a:avLst/>
+          </a:prstGeom>
+          <a:noFill/>
+        </p:spPr>
+        <p:txBody>
+          <a:bodyPr wrap="none" rtlCol="0">
+            <a:spAutoFit/>
+          </a:bodyPr>
+          <a:lstStyle/>
+          <a:p>
+            <a:r>
+              <a:rPr lang="en-US" dirty="0" smtClean="0"/>
+              <a:t>100</a:t>
             </a:r>
             <a:endParaRPr lang="en-US" dirty="0"/>
           </a:p>
@@ -7401,6 +7401,198 @@
             <a:r>
               <a:rPr lang="en-US" dirty="0" smtClean="0"/>
               <a:t>No</a:t>
+            </a:r>
+            <a:endParaRPr lang="en-US" dirty="0"/>
+          </a:p>
+        </p:txBody>
+      </p:sp>
+      <p:sp>
+        <p:nvSpPr>
+          <p:cNvPr id="29" name="TextBox 28"/>
+          <p:cNvSpPr txBox="1"/>
+          <p:nvPr/>
+        </p:nvSpPr>
+        <p:spPr>
+          <a:xfrm>
+            <a:off x="2187978" y="4804046"/>
+            <a:ext cx="646331" cy="369332"/>
+          </a:xfrm>
+          <a:prstGeom prst="rect">
+            <a:avLst/>
+          </a:prstGeom>
+          <a:noFill/>
+        </p:spPr>
+        <p:txBody>
+          <a:bodyPr wrap="none" rtlCol="0">
+            <a:spAutoFit/>
+          </a:bodyPr>
+          <a:lstStyle/>
+          <a:p>
+            <a:r>
+              <a:rPr lang="en-US" dirty="0" smtClean="0"/>
+              <a:t>2 </a:t>
+            </a:r>
+            <a:r>
+              <a:rPr lang="en-US" dirty="0" err="1" smtClean="0"/>
+              <a:t>hrs</a:t>
+            </a:r>
+            <a:endParaRPr lang="en-US" dirty="0"/>
+          </a:p>
+        </p:txBody>
+      </p:sp>
+      <p:sp>
+        <p:nvSpPr>
+          <p:cNvPr id="30" name="TextBox 29"/>
+          <p:cNvSpPr txBox="1"/>
+          <p:nvPr/>
+        </p:nvSpPr>
+        <p:spPr>
+          <a:xfrm>
+            <a:off x="3320219" y="4819344"/>
+            <a:ext cx="779330" cy="369332"/>
+          </a:xfrm>
+          <a:prstGeom prst="rect">
+            <a:avLst/>
+          </a:prstGeom>
+          <a:noFill/>
+        </p:spPr>
+        <p:txBody>
+          <a:bodyPr wrap="none" rtlCol="0">
+            <a:spAutoFit/>
+          </a:bodyPr>
+          <a:lstStyle/>
+          <a:p>
+            <a:r>
+              <a:rPr lang="en-US" dirty="0" smtClean="0"/>
+              <a:t>Daniel</a:t>
+            </a:r>
+            <a:endParaRPr lang="en-US" dirty="0"/>
+          </a:p>
+        </p:txBody>
+      </p:sp>
+      <p:sp>
+        <p:nvSpPr>
+          <p:cNvPr id="31" name="TextBox 30"/>
+          <p:cNvSpPr txBox="1"/>
+          <p:nvPr/>
+        </p:nvSpPr>
+        <p:spPr>
+          <a:xfrm>
+            <a:off x="4406555" y="4819346"/>
+            <a:ext cx="556563" cy="369332"/>
+          </a:xfrm>
+          <a:prstGeom prst="rect">
+            <a:avLst/>
+          </a:prstGeom>
+          <a:noFill/>
+        </p:spPr>
+        <p:txBody>
+          <a:bodyPr wrap="none" rtlCol="0">
+            <a:spAutoFit/>
+          </a:bodyPr>
+          <a:lstStyle/>
+          <a:p>
+            <a:r>
+              <a:rPr lang="en-US" dirty="0" smtClean="0"/>
+              <a:t>1 </a:t>
+            </a:r>
+            <a:r>
+              <a:rPr lang="en-US" dirty="0" err="1" smtClean="0"/>
+              <a:t>hr</a:t>
+            </a:r>
+            <a:endParaRPr lang="en-US" dirty="0"/>
+          </a:p>
+        </p:txBody>
+      </p:sp>
+      <p:sp>
+        <p:nvSpPr>
+          <p:cNvPr id="32" name="TextBox 31"/>
+          <p:cNvSpPr txBox="1"/>
+          <p:nvPr/>
+        </p:nvSpPr>
+        <p:spPr>
+          <a:xfrm>
+            <a:off x="5737705" y="4804043"/>
+            <a:ext cx="418654" cy="369332"/>
+          </a:xfrm>
+          <a:prstGeom prst="rect">
+            <a:avLst/>
+          </a:prstGeom>
+          <a:noFill/>
+        </p:spPr>
+        <p:txBody>
+          <a:bodyPr wrap="none" rtlCol="0">
+            <a:spAutoFit/>
+          </a:bodyPr>
+          <a:lstStyle/>
+          <a:p>
+            <a:r>
+              <a:rPr lang="en-US" dirty="0" smtClean="0"/>
+              <a:t>90</a:t>
+            </a:r>
+            <a:endParaRPr lang="en-US" dirty="0"/>
+          </a:p>
+        </p:txBody>
+      </p:sp>
+      <p:sp>
+        <p:nvSpPr>
+          <p:cNvPr id="33" name="TextBox 32"/>
+          <p:cNvSpPr txBox="1"/>
+          <p:nvPr/>
+        </p:nvSpPr>
+        <p:spPr>
+          <a:xfrm>
+            <a:off x="8017490" y="4834648"/>
+            <a:ext cx="455398" cy="369332"/>
+          </a:xfrm>
+          <a:prstGeom prst="rect">
+            <a:avLst/>
+          </a:prstGeom>
+          <a:noFill/>
+        </p:spPr>
+        <p:txBody>
+          <a:bodyPr wrap="none" rtlCol="0">
+            <a:spAutoFit/>
+          </a:bodyPr>
+          <a:lstStyle/>
+          <a:p>
+            <a:r>
+              <a:rPr lang="en-US" dirty="0" smtClean="0"/>
+              <a:t>No</a:t>
+            </a:r>
+            <a:endParaRPr lang="en-US" dirty="0"/>
+          </a:p>
+        </p:txBody>
+      </p:sp>
+      <p:sp>
+        <p:nvSpPr>
+          <p:cNvPr id="34" name="TextBox 33"/>
+          <p:cNvSpPr txBox="1"/>
+          <p:nvPr/>
+        </p:nvSpPr>
+        <p:spPr>
+          <a:xfrm>
+            <a:off x="6686345" y="4819348"/>
+            <a:ext cx="646331" cy="369332"/>
+          </a:xfrm>
+          <a:prstGeom prst="rect">
+            <a:avLst/>
+          </a:prstGeom>
+          <a:noFill/>
+        </p:spPr>
+        <p:txBody>
+          <a:bodyPr wrap="none" rtlCol="0">
+            <a:spAutoFit/>
+          </a:bodyPr>
+          <a:lstStyle/>
+          <a:p>
+            <a:r>
+              <a:rPr lang="en-US" dirty="0" smtClean="0"/>
+              <a:t>2 </a:t>
+            </a:r>
+            <a:r>
+              <a:rPr lang="en-US" dirty="0" err="1" smtClean="0"/>
+              <a:t>hrs</a:t>
             </a:r>
             <a:endParaRPr lang="en-US" dirty="0"/>
           </a:p>

--- a/Tps_Stories.pptx
+++ b/Tps_Stories.pptx
@@ -61,19 +61,14 @@
         <p:txBody>
           <a:bodyPr lIns="0" rIns="0" tIns="0" bIns="0" anchor="ctr"/>
           <a:p>
-            <a:r>
-              <a:rPr b="0" lang="en-US" sz="1800" spc="-1" strike="noStrike">
-                <a:solidFill>
-                  <a:srgbClr val="000000"/>
-                </a:solidFill>
+            <a:pPr algn="ctr"/>
+            <a:r>
+              <a:rPr b="0" lang="en-US" sz="4400" spc="-1" strike="noStrike">
                 <a:latin typeface="Arial"/>
               </a:rPr>
               <a:t>Click to move the slide</a:t>
             </a:r>
-            <a:endParaRPr b="0" lang="en-US" sz="1800" spc="-1" strike="noStrike">
-              <a:solidFill>
-                <a:srgbClr val="000000"/>
-              </a:solidFill>
+            <a:endParaRPr b="0" lang="en-US" sz="4400" spc="-1" strike="noStrike">
               <a:latin typeface="Arial"/>
             </a:endParaRPr>
           </a:p>
@@ -139,7 +134,7 @@
               <a:rPr b="0" lang="en-US" sz="1400" spc="-1" strike="noStrike">
                 <a:latin typeface="Times New Roman"/>
               </a:rPr>
-              <a:t> </a:t>
+              <a:t>&lt;header&gt;</a:t>
             </a:r>
             <a:endParaRPr b="0" lang="en-US" sz="1400" spc="-1" strike="noStrike">
               <a:latin typeface="Times New Roman"/>
@@ -174,7 +169,7 @@
               <a:rPr b="0" lang="en-US" sz="1400" spc="-1" strike="noStrike">
                 <a:latin typeface="Times New Roman"/>
               </a:rPr>
-              <a:t> </a:t>
+              <a:t>&lt;date/time&gt;</a:t>
             </a:r>
             <a:endParaRPr b="0" lang="en-US" sz="1400" spc="-1" strike="noStrike">
               <a:latin typeface="Times New Roman"/>
@@ -208,7 +203,7 @@
               <a:rPr b="0" lang="en-US" sz="1400" spc="-1" strike="noStrike">
                 <a:latin typeface="Times New Roman"/>
               </a:rPr>
-              <a:t> </a:t>
+              <a:t>&lt;footer&gt;</a:t>
             </a:r>
             <a:endParaRPr b="0" lang="en-US" sz="1400" spc="-1" strike="noStrike">
               <a:latin typeface="Times New Roman"/>
@@ -239,11 +234,11 @@
           <a:bodyPr lIns="0" rIns="0" tIns="0" bIns="0" anchor="b"/>
           <a:p>
             <a:pPr algn="r"/>
-            <a:fld id="{9CB4AEF5-D190-459B-8F05-79B3D73766E4}" type="slidenum">
+            <a:fld id="{0D8F0E0A-CAC4-450B-9BB4-C29D0953469D}" type="slidenum">
               <a:rPr b="0" lang="en-US" sz="1400" spc="-1" strike="noStrike">
                 <a:latin typeface="Times New Roman"/>
               </a:rPr>
-              <a:t>1</a:t>
+              <a:t>&lt;number&gt;</a:t>
             </a:fld>
             <a:endParaRPr b="0" lang="en-US" sz="1400" spc="-1" strike="noStrike">
               <a:latin typeface="Times New Roman"/>
@@ -287,7 +282,7 @@
         <p:spPr>
           <a:xfrm>
             <a:off x="1143000" y="685800"/>
-            <a:ext cx="4571640" cy="3428640"/>
+            <a:ext cx="4571280" cy="3428280"/>
           </a:xfrm>
           <a:prstGeom prst="rect">
             <a:avLst/>
@@ -307,7 +302,7 @@
         <p:spPr>
           <a:xfrm>
             <a:off x="685800" y="4343400"/>
-            <a:ext cx="5485680" cy="4114080"/>
+            <a:ext cx="5485320" cy="4113720"/>
           </a:xfrm>
           <a:prstGeom prst="rect">
             <a:avLst/>
@@ -331,7 +326,7 @@
         <p:spPr>
           <a:xfrm>
             <a:off x="3884760" y="8685360"/>
-            <a:ext cx="2971080" cy="456480"/>
+            <a:ext cx="2970720" cy="456120"/>
           </a:xfrm>
           <a:prstGeom prst="rect">
             <a:avLst/>
@@ -355,7 +350,7 @@
                 <a:spcPct val="100000"/>
               </a:lnSpc>
             </a:pPr>
-            <a:fld id="{75E4966F-9C6C-4FB7-9388-CE1CF045CF64}" type="slidenum">
+            <a:fld id="{E252593F-AC60-4967-BB03-FCEE5A7BFB95}" type="slidenum">
               <a:rPr b="0" lang="en-US" sz="1200" spc="-1" strike="noStrike">
                 <a:solidFill>
                   <a:srgbClr val="000000"/>
@@ -428,7 +423,7 @@
         <p:spPr>
           <a:xfrm>
             <a:off x="457200" y="274680"/>
-            <a:ext cx="8228880" cy="1142280"/>
+            <a:ext cx="8228520" cy="1141920"/>
           </a:xfrm>
           <a:prstGeom prst="rect">
             <a:avLst/>
@@ -437,10 +432,8 @@
         <p:txBody>
           <a:bodyPr lIns="0" rIns="0" tIns="0" bIns="0" anchor="ctr"/>
           <a:p>
-            <a:endParaRPr b="0" lang="en-US" sz="1800" spc="-1" strike="noStrike">
-              <a:solidFill>
-                <a:srgbClr val="000000"/>
-              </a:solidFill>
+            <a:pPr algn="ctr"/>
+            <a:endParaRPr b="0" lang="en-US" sz="4400" spc="-1" strike="noStrike">
               <a:latin typeface="Arial"/>
             </a:endParaRPr>
           </a:p>
@@ -459,7 +452,7 @@
         <p:spPr>
           <a:xfrm>
             <a:off x="457200" y="1604520"/>
-            <a:ext cx="8229240" cy="1896840"/>
+            <a:ext cx="8228880" cy="1896840"/>
           </a:xfrm>
           <a:prstGeom prst="rect">
             <a:avLst/>
@@ -470,10 +463,7 @@
             <a:normAutofit/>
           </a:bodyPr>
           <a:p>
-            <a:endParaRPr b="0" lang="en-US" sz="1800" spc="-1" strike="noStrike">
-              <a:solidFill>
-                <a:srgbClr val="000000"/>
-              </a:solidFill>
+            <a:endParaRPr b="0" lang="en-US" sz="3200" spc="-1" strike="noStrike">
               <a:latin typeface="Arial"/>
             </a:endParaRPr>
           </a:p>
@@ -492,7 +482,7 @@
         <p:spPr>
           <a:xfrm>
             <a:off x="457200" y="3682080"/>
-            <a:ext cx="8229240" cy="1896840"/>
+            <a:ext cx="8228880" cy="1896840"/>
           </a:xfrm>
           <a:prstGeom prst="rect">
             <a:avLst/>
@@ -503,10 +493,7 @@
             <a:normAutofit/>
           </a:bodyPr>
           <a:p>
-            <a:endParaRPr b="0" lang="en-US" sz="1800" spc="-1" strike="noStrike">
-              <a:solidFill>
-                <a:srgbClr val="000000"/>
-              </a:solidFill>
+            <a:endParaRPr b="0" lang="en-US" sz="3200" spc="-1" strike="noStrike">
               <a:latin typeface="Arial"/>
             </a:endParaRPr>
           </a:p>
@@ -547,7 +534,7 @@
         <p:spPr>
           <a:xfrm>
             <a:off x="457200" y="274680"/>
-            <a:ext cx="8228880" cy="1142280"/>
+            <a:ext cx="8228520" cy="1141920"/>
           </a:xfrm>
           <a:prstGeom prst="rect">
             <a:avLst/>
@@ -556,10 +543,8 @@
         <p:txBody>
           <a:bodyPr lIns="0" rIns="0" tIns="0" bIns="0" anchor="ctr"/>
           <a:p>
-            <a:endParaRPr b="0" lang="en-US" sz="1800" spc="-1" strike="noStrike">
-              <a:solidFill>
-                <a:srgbClr val="000000"/>
-              </a:solidFill>
+            <a:pPr algn="ctr"/>
+            <a:endParaRPr b="0" lang="en-US" sz="4400" spc="-1" strike="noStrike">
               <a:latin typeface="Arial"/>
             </a:endParaRPr>
           </a:p>
@@ -578,7 +563,7 @@
         <p:spPr>
           <a:xfrm>
             <a:off x="457200" y="1604520"/>
-            <a:ext cx="4015800" cy="1896840"/>
+            <a:ext cx="4015440" cy="1896840"/>
           </a:xfrm>
           <a:prstGeom prst="rect">
             <a:avLst/>
@@ -589,10 +574,7 @@
             <a:normAutofit/>
           </a:bodyPr>
           <a:p>
-            <a:endParaRPr b="0" lang="en-US" sz="1800" spc="-1" strike="noStrike">
-              <a:solidFill>
-                <a:srgbClr val="000000"/>
-              </a:solidFill>
+            <a:endParaRPr b="0" lang="en-US" sz="3200" spc="-1" strike="noStrike">
               <a:latin typeface="Arial"/>
             </a:endParaRPr>
           </a:p>
@@ -610,8 +592,8 @@
         </p:nvSpPr>
         <p:spPr>
           <a:xfrm>
-            <a:off x="4674240" y="1604520"/>
-            <a:ext cx="4015800" cy="1896840"/>
+            <a:off x="4673880" y="1604520"/>
+            <a:ext cx="4015440" cy="1896840"/>
           </a:xfrm>
           <a:prstGeom prst="rect">
             <a:avLst/>
@@ -622,10 +604,7 @@
             <a:normAutofit/>
           </a:bodyPr>
           <a:p>
-            <a:endParaRPr b="0" lang="en-US" sz="1800" spc="-1" strike="noStrike">
-              <a:solidFill>
-                <a:srgbClr val="000000"/>
-              </a:solidFill>
+            <a:endParaRPr b="0" lang="en-US" sz="3200" spc="-1" strike="noStrike">
               <a:latin typeface="Arial"/>
             </a:endParaRPr>
           </a:p>
@@ -644,7 +623,7 @@
         <p:spPr>
           <a:xfrm>
             <a:off x="457200" y="3682080"/>
-            <a:ext cx="4015800" cy="1896840"/>
+            <a:ext cx="4015440" cy="1896840"/>
           </a:xfrm>
           <a:prstGeom prst="rect">
             <a:avLst/>
@@ -655,10 +634,7 @@
             <a:normAutofit/>
           </a:bodyPr>
           <a:p>
-            <a:endParaRPr b="0" lang="en-US" sz="1800" spc="-1" strike="noStrike">
-              <a:solidFill>
-                <a:srgbClr val="000000"/>
-              </a:solidFill>
+            <a:endParaRPr b="0" lang="en-US" sz="3200" spc="-1" strike="noStrike">
               <a:latin typeface="Arial"/>
             </a:endParaRPr>
           </a:p>
@@ -676,8 +652,8 @@
         </p:nvSpPr>
         <p:spPr>
           <a:xfrm>
-            <a:off x="4674240" y="3682080"/>
-            <a:ext cx="4015800" cy="1896840"/>
+            <a:off x="4673880" y="3682080"/>
+            <a:ext cx="4015440" cy="1896840"/>
           </a:xfrm>
           <a:prstGeom prst="rect">
             <a:avLst/>
@@ -688,10 +664,7 @@
             <a:normAutofit/>
           </a:bodyPr>
           <a:p>
-            <a:endParaRPr b="0" lang="en-US" sz="1800" spc="-1" strike="noStrike">
-              <a:solidFill>
-                <a:srgbClr val="000000"/>
-              </a:solidFill>
+            <a:endParaRPr b="0" lang="en-US" sz="3200" spc="-1" strike="noStrike">
               <a:latin typeface="Arial"/>
             </a:endParaRPr>
           </a:p>
@@ -732,7 +705,7 @@
         <p:spPr>
           <a:xfrm>
             <a:off x="457200" y="274680"/>
-            <a:ext cx="8228880" cy="1142280"/>
+            <a:ext cx="8228520" cy="1141920"/>
           </a:xfrm>
           <a:prstGeom prst="rect">
             <a:avLst/>
@@ -741,10 +714,8 @@
         <p:txBody>
           <a:bodyPr lIns="0" rIns="0" tIns="0" bIns="0" anchor="ctr"/>
           <a:p>
-            <a:endParaRPr b="0" lang="en-US" sz="1800" spc="-1" strike="noStrike">
-              <a:solidFill>
-                <a:srgbClr val="000000"/>
-              </a:solidFill>
+            <a:pPr algn="ctr"/>
+            <a:endParaRPr b="0" lang="en-US" sz="4400" spc="-1" strike="noStrike">
               <a:latin typeface="Arial"/>
             </a:endParaRPr>
           </a:p>
@@ -774,10 +745,7 @@
             <a:normAutofit/>
           </a:bodyPr>
           <a:p>
-            <a:endParaRPr b="0" lang="en-US" sz="1800" spc="-1" strike="noStrike">
-              <a:solidFill>
-                <a:srgbClr val="000000"/>
-              </a:solidFill>
+            <a:endParaRPr b="0" lang="en-US" sz="3200" spc="-1" strike="noStrike">
               <a:latin typeface="Arial"/>
             </a:endParaRPr>
           </a:p>
@@ -807,10 +775,7 @@
             <a:normAutofit/>
           </a:bodyPr>
           <a:p>
-            <a:endParaRPr b="0" lang="en-US" sz="1800" spc="-1" strike="noStrike">
-              <a:solidFill>
-                <a:srgbClr val="000000"/>
-              </a:solidFill>
+            <a:endParaRPr b="0" lang="en-US" sz="3200" spc="-1" strike="noStrike">
               <a:latin typeface="Arial"/>
             </a:endParaRPr>
           </a:p>
@@ -840,10 +805,7 @@
             <a:normAutofit/>
           </a:bodyPr>
           <a:p>
-            <a:endParaRPr b="0" lang="en-US" sz="1800" spc="-1" strike="noStrike">
-              <a:solidFill>
-                <a:srgbClr val="000000"/>
-              </a:solidFill>
+            <a:endParaRPr b="0" lang="en-US" sz="3200" spc="-1" strike="noStrike">
               <a:latin typeface="Arial"/>
             </a:endParaRPr>
           </a:p>
@@ -873,10 +835,7 @@
             <a:normAutofit/>
           </a:bodyPr>
           <a:p>
-            <a:endParaRPr b="0" lang="en-US" sz="1800" spc="-1" strike="noStrike">
-              <a:solidFill>
-                <a:srgbClr val="000000"/>
-              </a:solidFill>
+            <a:endParaRPr b="0" lang="en-US" sz="3200" spc="-1" strike="noStrike">
               <a:latin typeface="Arial"/>
             </a:endParaRPr>
           </a:p>
@@ -906,10 +865,7 @@
             <a:normAutofit/>
           </a:bodyPr>
           <a:p>
-            <a:endParaRPr b="0" lang="en-US" sz="1800" spc="-1" strike="noStrike">
-              <a:solidFill>
-                <a:srgbClr val="000000"/>
-              </a:solidFill>
+            <a:endParaRPr b="0" lang="en-US" sz="3200" spc="-1" strike="noStrike">
               <a:latin typeface="Arial"/>
             </a:endParaRPr>
           </a:p>
@@ -939,10 +895,7 @@
             <a:normAutofit/>
           </a:bodyPr>
           <a:p>
-            <a:endParaRPr b="0" lang="en-US" sz="1800" spc="-1" strike="noStrike">
-              <a:solidFill>
-                <a:srgbClr val="000000"/>
-              </a:solidFill>
+            <a:endParaRPr b="0" lang="en-US" sz="3200" spc="-1" strike="noStrike">
               <a:latin typeface="Arial"/>
             </a:endParaRPr>
           </a:p>
@@ -1005,7 +958,7 @@
         <p:spPr>
           <a:xfrm>
             <a:off x="457200" y="274680"/>
-            <a:ext cx="8228880" cy="1142280"/>
+            <a:ext cx="8228520" cy="1141920"/>
           </a:xfrm>
           <a:prstGeom prst="rect">
             <a:avLst/>
@@ -1014,10 +967,8 @@
         <p:txBody>
           <a:bodyPr lIns="0" rIns="0" tIns="0" bIns="0" anchor="ctr"/>
           <a:p>
-            <a:endParaRPr b="0" lang="en-US" sz="1800" spc="-1" strike="noStrike">
-              <a:solidFill>
-                <a:srgbClr val="000000"/>
-              </a:solidFill>
+            <a:pPr algn="ctr"/>
+            <a:endParaRPr b="0" lang="en-US" sz="4400" spc="-1" strike="noStrike">
               <a:latin typeface="Arial"/>
             </a:endParaRPr>
           </a:p>
@@ -1036,7 +987,7 @@
         <p:spPr>
           <a:xfrm>
             <a:off x="457200" y="1604520"/>
-            <a:ext cx="8229240" cy="3977280"/>
+            <a:ext cx="8228880" cy="3976920"/>
           </a:xfrm>
           <a:prstGeom prst="rect">
             <a:avLst/>
@@ -1087,7 +1038,7 @@
         <p:spPr>
           <a:xfrm>
             <a:off x="457200" y="274680"/>
-            <a:ext cx="8228880" cy="1142280"/>
+            <a:ext cx="8228520" cy="1141920"/>
           </a:xfrm>
           <a:prstGeom prst="rect">
             <a:avLst/>
@@ -1096,10 +1047,8 @@
         <p:txBody>
           <a:bodyPr lIns="0" rIns="0" tIns="0" bIns="0" anchor="ctr"/>
           <a:p>
-            <a:endParaRPr b="0" lang="en-US" sz="1800" spc="-1" strike="noStrike">
-              <a:solidFill>
-                <a:srgbClr val="000000"/>
-              </a:solidFill>
+            <a:pPr algn="ctr"/>
+            <a:endParaRPr b="0" lang="en-US" sz="4400" spc="-1" strike="noStrike">
               <a:latin typeface="Arial"/>
             </a:endParaRPr>
           </a:p>
@@ -1118,7 +1067,7 @@
         <p:spPr>
           <a:xfrm>
             <a:off x="457200" y="1604520"/>
-            <a:ext cx="8229240" cy="3977280"/>
+            <a:ext cx="8228880" cy="3976920"/>
           </a:xfrm>
           <a:prstGeom prst="rect">
             <a:avLst/>
@@ -1129,10 +1078,7 @@
             <a:normAutofit/>
           </a:bodyPr>
           <a:p>
-            <a:endParaRPr b="0" lang="en-US" sz="1800" spc="-1" strike="noStrike">
-              <a:solidFill>
-                <a:srgbClr val="000000"/>
-              </a:solidFill>
+            <a:endParaRPr b="0" lang="en-US" sz="3200" spc="-1" strike="noStrike">
               <a:latin typeface="Arial"/>
             </a:endParaRPr>
           </a:p>
@@ -1173,7 +1119,7 @@
         <p:spPr>
           <a:xfrm>
             <a:off x="457200" y="274680"/>
-            <a:ext cx="8228880" cy="1142280"/>
+            <a:ext cx="8228520" cy="1141920"/>
           </a:xfrm>
           <a:prstGeom prst="rect">
             <a:avLst/>
@@ -1182,10 +1128,8 @@
         <p:txBody>
           <a:bodyPr lIns="0" rIns="0" tIns="0" bIns="0" anchor="ctr"/>
           <a:p>
-            <a:endParaRPr b="0" lang="en-US" sz="1800" spc="-1" strike="noStrike">
-              <a:solidFill>
-                <a:srgbClr val="000000"/>
-              </a:solidFill>
+            <a:pPr algn="ctr"/>
+            <a:endParaRPr b="0" lang="en-US" sz="4400" spc="-1" strike="noStrike">
               <a:latin typeface="Arial"/>
             </a:endParaRPr>
           </a:p>
@@ -1204,7 +1148,7 @@
         <p:spPr>
           <a:xfrm>
             <a:off x="457200" y="1604520"/>
-            <a:ext cx="4015800" cy="3977280"/>
+            <a:ext cx="4015440" cy="3976920"/>
           </a:xfrm>
           <a:prstGeom prst="rect">
             <a:avLst/>
@@ -1215,10 +1159,7 @@
             <a:normAutofit/>
           </a:bodyPr>
           <a:p>
-            <a:endParaRPr b="0" lang="en-US" sz="1800" spc="-1" strike="noStrike">
-              <a:solidFill>
-                <a:srgbClr val="000000"/>
-              </a:solidFill>
+            <a:endParaRPr b="0" lang="en-US" sz="3200" spc="-1" strike="noStrike">
               <a:latin typeface="Arial"/>
             </a:endParaRPr>
           </a:p>
@@ -1236,8 +1177,8 @@
         </p:nvSpPr>
         <p:spPr>
           <a:xfrm>
-            <a:off x="4674240" y="1604520"/>
-            <a:ext cx="4015800" cy="3977280"/>
+            <a:off x="4673880" y="1604520"/>
+            <a:ext cx="4015440" cy="3976920"/>
           </a:xfrm>
           <a:prstGeom prst="rect">
             <a:avLst/>
@@ -1248,10 +1189,7 @@
             <a:normAutofit/>
           </a:bodyPr>
           <a:p>
-            <a:endParaRPr b="0" lang="en-US" sz="1800" spc="-1" strike="noStrike">
-              <a:solidFill>
-                <a:srgbClr val="000000"/>
-              </a:solidFill>
+            <a:endParaRPr b="0" lang="en-US" sz="3200" spc="-1" strike="noStrike">
               <a:latin typeface="Arial"/>
             </a:endParaRPr>
           </a:p>
@@ -1292,7 +1230,7 @@
         <p:spPr>
           <a:xfrm>
             <a:off x="457200" y="274680"/>
-            <a:ext cx="8228880" cy="1142280"/>
+            <a:ext cx="8228520" cy="1141920"/>
           </a:xfrm>
           <a:prstGeom prst="rect">
             <a:avLst/>
@@ -1301,10 +1239,8 @@
         <p:txBody>
           <a:bodyPr lIns="0" rIns="0" tIns="0" bIns="0" anchor="ctr"/>
           <a:p>
-            <a:endParaRPr b="0" lang="en-US" sz="1800" spc="-1" strike="noStrike">
-              <a:solidFill>
-                <a:srgbClr val="000000"/>
-              </a:solidFill>
+            <a:pPr algn="ctr"/>
+            <a:endParaRPr b="0" lang="en-US" sz="4400" spc="-1" strike="noStrike">
               <a:latin typeface="Arial"/>
             </a:endParaRPr>
           </a:p>
@@ -1345,7 +1281,7 @@
         <p:spPr>
           <a:xfrm>
             <a:off x="457200" y="274680"/>
-            <a:ext cx="8228880" cy="5296320"/>
+            <a:ext cx="8228520" cy="5294520"/>
           </a:xfrm>
           <a:prstGeom prst="rect">
             <a:avLst/>
@@ -1396,7 +1332,7 @@
         <p:spPr>
           <a:xfrm>
             <a:off x="457200" y="274680"/>
-            <a:ext cx="8228880" cy="1142280"/>
+            <a:ext cx="8228520" cy="1141920"/>
           </a:xfrm>
           <a:prstGeom prst="rect">
             <a:avLst/>
@@ -1405,10 +1341,8 @@
         <p:txBody>
           <a:bodyPr lIns="0" rIns="0" tIns="0" bIns="0" anchor="ctr"/>
           <a:p>
-            <a:endParaRPr b="0" lang="en-US" sz="1800" spc="-1" strike="noStrike">
-              <a:solidFill>
-                <a:srgbClr val="000000"/>
-              </a:solidFill>
+            <a:pPr algn="ctr"/>
+            <a:endParaRPr b="0" lang="en-US" sz="4400" spc="-1" strike="noStrike">
               <a:latin typeface="Arial"/>
             </a:endParaRPr>
           </a:p>
@@ -1427,7 +1361,7 @@
         <p:spPr>
           <a:xfrm>
             <a:off x="457200" y="1604520"/>
-            <a:ext cx="4015800" cy="1896840"/>
+            <a:ext cx="4015440" cy="1896840"/>
           </a:xfrm>
           <a:prstGeom prst="rect">
             <a:avLst/>
@@ -1438,10 +1372,7 @@
             <a:normAutofit/>
           </a:bodyPr>
           <a:p>
-            <a:endParaRPr b="0" lang="en-US" sz="1800" spc="-1" strike="noStrike">
-              <a:solidFill>
-                <a:srgbClr val="000000"/>
-              </a:solidFill>
+            <a:endParaRPr b="0" lang="en-US" sz="3200" spc="-1" strike="noStrike">
               <a:latin typeface="Arial"/>
             </a:endParaRPr>
           </a:p>
@@ -1459,8 +1390,8 @@
         </p:nvSpPr>
         <p:spPr>
           <a:xfrm>
-            <a:off x="4674240" y="1604520"/>
-            <a:ext cx="4015800" cy="3977280"/>
+            <a:off x="4673880" y="1604520"/>
+            <a:ext cx="4015440" cy="3976920"/>
           </a:xfrm>
           <a:prstGeom prst="rect">
             <a:avLst/>
@@ -1471,10 +1402,7 @@
             <a:normAutofit/>
           </a:bodyPr>
           <a:p>
-            <a:endParaRPr b="0" lang="en-US" sz="1800" spc="-1" strike="noStrike">
-              <a:solidFill>
-                <a:srgbClr val="000000"/>
-              </a:solidFill>
+            <a:endParaRPr b="0" lang="en-US" sz="3200" spc="-1" strike="noStrike">
               <a:latin typeface="Arial"/>
             </a:endParaRPr>
           </a:p>
@@ -1493,7 +1421,7 @@
         <p:spPr>
           <a:xfrm>
             <a:off x="457200" y="3682080"/>
-            <a:ext cx="4015800" cy="1896840"/>
+            <a:ext cx="4015440" cy="1896840"/>
           </a:xfrm>
           <a:prstGeom prst="rect">
             <a:avLst/>
@@ -1504,10 +1432,7 @@
             <a:normAutofit/>
           </a:bodyPr>
           <a:p>
-            <a:endParaRPr b="0" lang="en-US" sz="1800" spc="-1" strike="noStrike">
-              <a:solidFill>
-                <a:srgbClr val="000000"/>
-              </a:solidFill>
+            <a:endParaRPr b="0" lang="en-US" sz="3200" spc="-1" strike="noStrike">
               <a:latin typeface="Arial"/>
             </a:endParaRPr>
           </a:p>
@@ -1548,7 +1473,7 @@
         <p:spPr>
           <a:xfrm>
             <a:off x="457200" y="274680"/>
-            <a:ext cx="8228880" cy="1142280"/>
+            <a:ext cx="8228520" cy="1141920"/>
           </a:xfrm>
           <a:prstGeom prst="rect">
             <a:avLst/>
@@ -1557,10 +1482,8 @@
         <p:txBody>
           <a:bodyPr lIns="0" rIns="0" tIns="0" bIns="0" anchor="ctr"/>
           <a:p>
-            <a:endParaRPr b="0" lang="en-US" sz="1800" spc="-1" strike="noStrike">
-              <a:solidFill>
-                <a:srgbClr val="000000"/>
-              </a:solidFill>
+            <a:pPr algn="ctr"/>
+            <a:endParaRPr b="0" lang="en-US" sz="4400" spc="-1" strike="noStrike">
               <a:latin typeface="Arial"/>
             </a:endParaRPr>
           </a:p>
@@ -1579,7 +1502,7 @@
         <p:spPr>
           <a:xfrm>
             <a:off x="457200" y="1604520"/>
-            <a:ext cx="8229240" cy="3977280"/>
+            <a:ext cx="8228880" cy="3976920"/>
           </a:xfrm>
           <a:prstGeom prst="rect">
             <a:avLst/>
@@ -1630,7 +1553,7 @@
         <p:spPr>
           <a:xfrm>
             <a:off x="457200" y="274680"/>
-            <a:ext cx="8228880" cy="1142280"/>
+            <a:ext cx="8228520" cy="1141920"/>
           </a:xfrm>
           <a:prstGeom prst="rect">
             <a:avLst/>
@@ -1639,10 +1562,8 @@
         <p:txBody>
           <a:bodyPr lIns="0" rIns="0" tIns="0" bIns="0" anchor="ctr"/>
           <a:p>
-            <a:endParaRPr b="0" lang="en-US" sz="1800" spc="-1" strike="noStrike">
-              <a:solidFill>
-                <a:srgbClr val="000000"/>
-              </a:solidFill>
+            <a:pPr algn="ctr"/>
+            <a:endParaRPr b="0" lang="en-US" sz="4400" spc="-1" strike="noStrike">
               <a:latin typeface="Arial"/>
             </a:endParaRPr>
           </a:p>
@@ -1661,7 +1582,7 @@
         <p:spPr>
           <a:xfrm>
             <a:off x="457200" y="1604520"/>
-            <a:ext cx="4015800" cy="3977280"/>
+            <a:ext cx="4015440" cy="3976920"/>
           </a:xfrm>
           <a:prstGeom prst="rect">
             <a:avLst/>
@@ -1672,10 +1593,7 @@
             <a:normAutofit/>
           </a:bodyPr>
           <a:p>
-            <a:endParaRPr b="0" lang="en-US" sz="1800" spc="-1" strike="noStrike">
-              <a:solidFill>
-                <a:srgbClr val="000000"/>
-              </a:solidFill>
+            <a:endParaRPr b="0" lang="en-US" sz="3200" spc="-1" strike="noStrike">
               <a:latin typeface="Arial"/>
             </a:endParaRPr>
           </a:p>
@@ -1693,8 +1611,8 @@
         </p:nvSpPr>
         <p:spPr>
           <a:xfrm>
-            <a:off x="4674240" y="1604520"/>
-            <a:ext cx="4015800" cy="1896840"/>
+            <a:off x="4673880" y="1604520"/>
+            <a:ext cx="4015440" cy="1896840"/>
           </a:xfrm>
           <a:prstGeom prst="rect">
             <a:avLst/>
@@ -1705,10 +1623,7 @@
             <a:normAutofit/>
           </a:bodyPr>
           <a:p>
-            <a:endParaRPr b="0" lang="en-US" sz="1800" spc="-1" strike="noStrike">
-              <a:solidFill>
-                <a:srgbClr val="000000"/>
-              </a:solidFill>
+            <a:endParaRPr b="0" lang="en-US" sz="3200" spc="-1" strike="noStrike">
               <a:latin typeface="Arial"/>
             </a:endParaRPr>
           </a:p>
@@ -1726,8 +1641,8 @@
         </p:nvSpPr>
         <p:spPr>
           <a:xfrm>
-            <a:off x="4674240" y="3682080"/>
-            <a:ext cx="4015800" cy="1896840"/>
+            <a:off x="4673880" y="3682080"/>
+            <a:ext cx="4015440" cy="1896840"/>
           </a:xfrm>
           <a:prstGeom prst="rect">
             <a:avLst/>
@@ -1738,10 +1653,7 @@
             <a:normAutofit/>
           </a:bodyPr>
           <a:p>
-            <a:endParaRPr b="0" lang="en-US" sz="1800" spc="-1" strike="noStrike">
-              <a:solidFill>
-                <a:srgbClr val="000000"/>
-              </a:solidFill>
+            <a:endParaRPr b="0" lang="en-US" sz="3200" spc="-1" strike="noStrike">
               <a:latin typeface="Arial"/>
             </a:endParaRPr>
           </a:p>
@@ -1782,7 +1694,7 @@
         <p:spPr>
           <a:xfrm>
             <a:off x="457200" y="274680"/>
-            <a:ext cx="8228880" cy="1142280"/>
+            <a:ext cx="8228520" cy="1141920"/>
           </a:xfrm>
           <a:prstGeom prst="rect">
             <a:avLst/>
@@ -1791,10 +1703,8 @@
         <p:txBody>
           <a:bodyPr lIns="0" rIns="0" tIns="0" bIns="0" anchor="ctr"/>
           <a:p>
-            <a:endParaRPr b="0" lang="en-US" sz="1800" spc="-1" strike="noStrike">
-              <a:solidFill>
-                <a:srgbClr val="000000"/>
-              </a:solidFill>
+            <a:pPr algn="ctr"/>
+            <a:endParaRPr b="0" lang="en-US" sz="4400" spc="-1" strike="noStrike">
               <a:latin typeface="Arial"/>
             </a:endParaRPr>
           </a:p>
@@ -1813,7 +1723,7 @@
         <p:spPr>
           <a:xfrm>
             <a:off x="457200" y="1604520"/>
-            <a:ext cx="4015800" cy="1896840"/>
+            <a:ext cx="4015440" cy="1896840"/>
           </a:xfrm>
           <a:prstGeom prst="rect">
             <a:avLst/>
@@ -1824,10 +1734,7 @@
             <a:normAutofit/>
           </a:bodyPr>
           <a:p>
-            <a:endParaRPr b="0" lang="en-US" sz="1800" spc="-1" strike="noStrike">
-              <a:solidFill>
-                <a:srgbClr val="000000"/>
-              </a:solidFill>
+            <a:endParaRPr b="0" lang="en-US" sz="3200" spc="-1" strike="noStrike">
               <a:latin typeface="Arial"/>
             </a:endParaRPr>
           </a:p>
@@ -1845,8 +1752,8 @@
         </p:nvSpPr>
         <p:spPr>
           <a:xfrm>
-            <a:off x="4674240" y="1604520"/>
-            <a:ext cx="4015800" cy="1896840"/>
+            <a:off x="4673880" y="1604520"/>
+            <a:ext cx="4015440" cy="1896840"/>
           </a:xfrm>
           <a:prstGeom prst="rect">
             <a:avLst/>
@@ -1857,10 +1764,7 @@
             <a:normAutofit/>
           </a:bodyPr>
           <a:p>
-            <a:endParaRPr b="0" lang="en-US" sz="1800" spc="-1" strike="noStrike">
-              <a:solidFill>
-                <a:srgbClr val="000000"/>
-              </a:solidFill>
+            <a:endParaRPr b="0" lang="en-US" sz="3200" spc="-1" strike="noStrike">
               <a:latin typeface="Arial"/>
             </a:endParaRPr>
           </a:p>
@@ -1879,7 +1783,7 @@
         <p:spPr>
           <a:xfrm>
             <a:off x="457200" y="3682080"/>
-            <a:ext cx="8229240" cy="1896840"/>
+            <a:ext cx="8228880" cy="1896840"/>
           </a:xfrm>
           <a:prstGeom prst="rect">
             <a:avLst/>
@@ -1890,10 +1794,7 @@
             <a:normAutofit/>
           </a:bodyPr>
           <a:p>
-            <a:endParaRPr b="0" lang="en-US" sz="1800" spc="-1" strike="noStrike">
-              <a:solidFill>
-                <a:srgbClr val="000000"/>
-              </a:solidFill>
+            <a:endParaRPr b="0" lang="en-US" sz="3200" spc="-1" strike="noStrike">
               <a:latin typeface="Arial"/>
             </a:endParaRPr>
           </a:p>
@@ -1934,7 +1835,7 @@
         <p:spPr>
           <a:xfrm>
             <a:off x="457200" y="274680"/>
-            <a:ext cx="8228880" cy="1142280"/>
+            <a:ext cx="8228520" cy="1141920"/>
           </a:xfrm>
           <a:prstGeom prst="rect">
             <a:avLst/>
@@ -1943,10 +1844,8 @@
         <p:txBody>
           <a:bodyPr lIns="0" rIns="0" tIns="0" bIns="0" anchor="ctr"/>
           <a:p>
-            <a:endParaRPr b="0" lang="en-US" sz="1800" spc="-1" strike="noStrike">
-              <a:solidFill>
-                <a:srgbClr val="000000"/>
-              </a:solidFill>
+            <a:pPr algn="ctr"/>
+            <a:endParaRPr b="0" lang="en-US" sz="4400" spc="-1" strike="noStrike">
               <a:latin typeface="Arial"/>
             </a:endParaRPr>
           </a:p>
@@ -1965,7 +1864,7 @@
         <p:spPr>
           <a:xfrm>
             <a:off x="457200" y="1604520"/>
-            <a:ext cx="8229240" cy="1896840"/>
+            <a:ext cx="8228880" cy="1896840"/>
           </a:xfrm>
           <a:prstGeom prst="rect">
             <a:avLst/>
@@ -1976,10 +1875,7 @@
             <a:normAutofit/>
           </a:bodyPr>
           <a:p>
-            <a:endParaRPr b="0" lang="en-US" sz="1800" spc="-1" strike="noStrike">
-              <a:solidFill>
-                <a:srgbClr val="000000"/>
-              </a:solidFill>
+            <a:endParaRPr b="0" lang="en-US" sz="3200" spc="-1" strike="noStrike">
               <a:latin typeface="Arial"/>
             </a:endParaRPr>
           </a:p>
@@ -1998,7 +1894,7 @@
         <p:spPr>
           <a:xfrm>
             <a:off x="457200" y="3682080"/>
-            <a:ext cx="8229240" cy="1896840"/>
+            <a:ext cx="8228880" cy="1896840"/>
           </a:xfrm>
           <a:prstGeom prst="rect">
             <a:avLst/>
@@ -2009,10 +1905,7 @@
             <a:normAutofit/>
           </a:bodyPr>
           <a:p>
-            <a:endParaRPr b="0" lang="en-US" sz="1800" spc="-1" strike="noStrike">
-              <a:solidFill>
-                <a:srgbClr val="000000"/>
-              </a:solidFill>
+            <a:endParaRPr b="0" lang="en-US" sz="3200" spc="-1" strike="noStrike">
               <a:latin typeface="Arial"/>
             </a:endParaRPr>
           </a:p>
@@ -2053,7 +1946,7 @@
         <p:spPr>
           <a:xfrm>
             <a:off x="457200" y="274680"/>
-            <a:ext cx="8228880" cy="1142280"/>
+            <a:ext cx="8228520" cy="1141920"/>
           </a:xfrm>
           <a:prstGeom prst="rect">
             <a:avLst/>
@@ -2062,10 +1955,8 @@
         <p:txBody>
           <a:bodyPr lIns="0" rIns="0" tIns="0" bIns="0" anchor="ctr"/>
           <a:p>
-            <a:endParaRPr b="0" lang="en-US" sz="1800" spc="-1" strike="noStrike">
-              <a:solidFill>
-                <a:srgbClr val="000000"/>
-              </a:solidFill>
+            <a:pPr algn="ctr"/>
+            <a:endParaRPr b="0" lang="en-US" sz="4400" spc="-1" strike="noStrike">
               <a:latin typeface="Arial"/>
             </a:endParaRPr>
           </a:p>
@@ -2084,7 +1975,7 @@
         <p:spPr>
           <a:xfrm>
             <a:off x="457200" y="1604520"/>
-            <a:ext cx="4015800" cy="1896840"/>
+            <a:ext cx="4015440" cy="1896840"/>
           </a:xfrm>
           <a:prstGeom prst="rect">
             <a:avLst/>
@@ -2095,10 +1986,7 @@
             <a:normAutofit/>
           </a:bodyPr>
           <a:p>
-            <a:endParaRPr b="0" lang="en-US" sz="1800" spc="-1" strike="noStrike">
-              <a:solidFill>
-                <a:srgbClr val="000000"/>
-              </a:solidFill>
+            <a:endParaRPr b="0" lang="en-US" sz="3200" spc="-1" strike="noStrike">
               <a:latin typeface="Arial"/>
             </a:endParaRPr>
           </a:p>
@@ -2116,8 +2004,8 @@
         </p:nvSpPr>
         <p:spPr>
           <a:xfrm>
-            <a:off x="4674240" y="1604520"/>
-            <a:ext cx="4015800" cy="1896840"/>
+            <a:off x="4673880" y="1604520"/>
+            <a:ext cx="4015440" cy="1896840"/>
           </a:xfrm>
           <a:prstGeom prst="rect">
             <a:avLst/>
@@ -2128,10 +2016,7 @@
             <a:normAutofit/>
           </a:bodyPr>
           <a:p>
-            <a:endParaRPr b="0" lang="en-US" sz="1800" spc="-1" strike="noStrike">
-              <a:solidFill>
-                <a:srgbClr val="000000"/>
-              </a:solidFill>
+            <a:endParaRPr b="0" lang="en-US" sz="3200" spc="-1" strike="noStrike">
               <a:latin typeface="Arial"/>
             </a:endParaRPr>
           </a:p>
@@ -2150,7 +2035,7 @@
         <p:spPr>
           <a:xfrm>
             <a:off x="457200" y="3682080"/>
-            <a:ext cx="4015800" cy="1896840"/>
+            <a:ext cx="4015440" cy="1896840"/>
           </a:xfrm>
           <a:prstGeom prst="rect">
             <a:avLst/>
@@ -2161,10 +2046,7 @@
             <a:normAutofit/>
           </a:bodyPr>
           <a:p>
-            <a:endParaRPr b="0" lang="en-US" sz="1800" spc="-1" strike="noStrike">
-              <a:solidFill>
-                <a:srgbClr val="000000"/>
-              </a:solidFill>
+            <a:endParaRPr b="0" lang="en-US" sz="3200" spc="-1" strike="noStrike">
               <a:latin typeface="Arial"/>
             </a:endParaRPr>
           </a:p>
@@ -2182,8 +2064,8 @@
         </p:nvSpPr>
         <p:spPr>
           <a:xfrm>
-            <a:off x="4674240" y="3682080"/>
-            <a:ext cx="4015800" cy="1896840"/>
+            <a:off x="4673880" y="3682080"/>
+            <a:ext cx="4015440" cy="1896840"/>
           </a:xfrm>
           <a:prstGeom prst="rect">
             <a:avLst/>
@@ -2194,10 +2076,7 @@
             <a:normAutofit/>
           </a:bodyPr>
           <a:p>
-            <a:endParaRPr b="0" lang="en-US" sz="1800" spc="-1" strike="noStrike">
-              <a:solidFill>
-                <a:srgbClr val="000000"/>
-              </a:solidFill>
+            <a:endParaRPr b="0" lang="en-US" sz="3200" spc="-1" strike="noStrike">
               <a:latin typeface="Arial"/>
             </a:endParaRPr>
           </a:p>
@@ -2238,7 +2117,7 @@
         <p:spPr>
           <a:xfrm>
             <a:off x="457200" y="274680"/>
-            <a:ext cx="8228880" cy="1142280"/>
+            <a:ext cx="8228520" cy="1141920"/>
           </a:xfrm>
           <a:prstGeom prst="rect">
             <a:avLst/>
@@ -2247,10 +2126,8 @@
         <p:txBody>
           <a:bodyPr lIns="0" rIns="0" tIns="0" bIns="0" anchor="ctr"/>
           <a:p>
-            <a:endParaRPr b="0" lang="en-US" sz="1800" spc="-1" strike="noStrike">
-              <a:solidFill>
-                <a:srgbClr val="000000"/>
-              </a:solidFill>
+            <a:pPr algn="ctr"/>
+            <a:endParaRPr b="0" lang="en-US" sz="4400" spc="-1" strike="noStrike">
               <a:latin typeface="Arial"/>
             </a:endParaRPr>
           </a:p>
@@ -2280,10 +2157,7 @@
             <a:normAutofit/>
           </a:bodyPr>
           <a:p>
-            <a:endParaRPr b="0" lang="en-US" sz="1800" spc="-1" strike="noStrike">
-              <a:solidFill>
-                <a:srgbClr val="000000"/>
-              </a:solidFill>
+            <a:endParaRPr b="0" lang="en-US" sz="3200" spc="-1" strike="noStrike">
               <a:latin typeface="Arial"/>
             </a:endParaRPr>
           </a:p>
@@ -2313,10 +2187,7 @@
             <a:normAutofit/>
           </a:bodyPr>
           <a:p>
-            <a:endParaRPr b="0" lang="en-US" sz="1800" spc="-1" strike="noStrike">
-              <a:solidFill>
-                <a:srgbClr val="000000"/>
-              </a:solidFill>
+            <a:endParaRPr b="0" lang="en-US" sz="3200" spc="-1" strike="noStrike">
               <a:latin typeface="Arial"/>
             </a:endParaRPr>
           </a:p>
@@ -2346,10 +2217,7 @@
             <a:normAutofit/>
           </a:bodyPr>
           <a:p>
-            <a:endParaRPr b="0" lang="en-US" sz="1800" spc="-1" strike="noStrike">
-              <a:solidFill>
-                <a:srgbClr val="000000"/>
-              </a:solidFill>
+            <a:endParaRPr b="0" lang="en-US" sz="3200" spc="-1" strike="noStrike">
               <a:latin typeface="Arial"/>
             </a:endParaRPr>
           </a:p>
@@ -2379,10 +2247,7 @@
             <a:normAutofit/>
           </a:bodyPr>
           <a:p>
-            <a:endParaRPr b="0" lang="en-US" sz="1800" spc="-1" strike="noStrike">
-              <a:solidFill>
-                <a:srgbClr val="000000"/>
-              </a:solidFill>
+            <a:endParaRPr b="0" lang="en-US" sz="3200" spc="-1" strike="noStrike">
               <a:latin typeface="Arial"/>
             </a:endParaRPr>
           </a:p>
@@ -2412,10 +2277,7 @@
             <a:normAutofit/>
           </a:bodyPr>
           <a:p>
-            <a:endParaRPr b="0" lang="en-US" sz="1800" spc="-1" strike="noStrike">
-              <a:solidFill>
-                <a:srgbClr val="000000"/>
-              </a:solidFill>
+            <a:endParaRPr b="0" lang="en-US" sz="3200" spc="-1" strike="noStrike">
               <a:latin typeface="Arial"/>
             </a:endParaRPr>
           </a:p>
@@ -2445,10 +2307,7 @@
             <a:normAutofit/>
           </a:bodyPr>
           <a:p>
-            <a:endParaRPr b="0" lang="en-US" sz="1800" spc="-1" strike="noStrike">
-              <a:solidFill>
-                <a:srgbClr val="000000"/>
-              </a:solidFill>
+            <a:endParaRPr b="0" lang="en-US" sz="3200" spc="-1" strike="noStrike">
               <a:latin typeface="Arial"/>
             </a:endParaRPr>
           </a:p>
@@ -2511,7 +2370,7 @@
         <p:spPr>
           <a:xfrm>
             <a:off x="457200" y="274680"/>
-            <a:ext cx="8228880" cy="1142280"/>
+            <a:ext cx="8228520" cy="1141920"/>
           </a:xfrm>
           <a:prstGeom prst="rect">
             <a:avLst/>
@@ -2520,10 +2379,8 @@
         <p:txBody>
           <a:bodyPr lIns="0" rIns="0" tIns="0" bIns="0" anchor="ctr"/>
           <a:p>
-            <a:endParaRPr b="0" lang="en-US" sz="1800" spc="-1" strike="noStrike">
-              <a:solidFill>
-                <a:srgbClr val="000000"/>
-              </a:solidFill>
+            <a:pPr algn="ctr"/>
+            <a:endParaRPr b="0" lang="en-US" sz="4400" spc="-1" strike="noStrike">
               <a:latin typeface="Arial"/>
             </a:endParaRPr>
           </a:p>
@@ -2542,7 +2399,7 @@
         <p:spPr>
           <a:xfrm>
             <a:off x="457200" y="1604520"/>
-            <a:ext cx="8229240" cy="3977280"/>
+            <a:ext cx="8228880" cy="3976920"/>
           </a:xfrm>
           <a:prstGeom prst="rect">
             <a:avLst/>
@@ -2593,7 +2450,7 @@
         <p:spPr>
           <a:xfrm>
             <a:off x="457200" y="274680"/>
-            <a:ext cx="8228880" cy="1142280"/>
+            <a:ext cx="8228520" cy="1141920"/>
           </a:xfrm>
           <a:prstGeom prst="rect">
             <a:avLst/>
@@ -2602,10 +2459,8 @@
         <p:txBody>
           <a:bodyPr lIns="0" rIns="0" tIns="0" bIns="0" anchor="ctr"/>
           <a:p>
-            <a:endParaRPr b="0" lang="en-US" sz="1800" spc="-1" strike="noStrike">
-              <a:solidFill>
-                <a:srgbClr val="000000"/>
-              </a:solidFill>
+            <a:pPr algn="ctr"/>
+            <a:endParaRPr b="0" lang="en-US" sz="4400" spc="-1" strike="noStrike">
               <a:latin typeface="Arial"/>
             </a:endParaRPr>
           </a:p>
@@ -2624,7 +2479,7 @@
         <p:spPr>
           <a:xfrm>
             <a:off x="457200" y="1604520"/>
-            <a:ext cx="8229240" cy="3977280"/>
+            <a:ext cx="8228880" cy="3976920"/>
           </a:xfrm>
           <a:prstGeom prst="rect">
             <a:avLst/>
@@ -2635,10 +2490,7 @@
             <a:normAutofit/>
           </a:bodyPr>
           <a:p>
-            <a:endParaRPr b="0" lang="en-US" sz="1800" spc="-1" strike="noStrike">
-              <a:solidFill>
-                <a:srgbClr val="000000"/>
-              </a:solidFill>
+            <a:endParaRPr b="0" lang="en-US" sz="3200" spc="-1" strike="noStrike">
               <a:latin typeface="Arial"/>
             </a:endParaRPr>
           </a:p>
@@ -2679,7 +2531,7 @@
         <p:spPr>
           <a:xfrm>
             <a:off x="457200" y="274680"/>
-            <a:ext cx="8228880" cy="1142280"/>
+            <a:ext cx="8228520" cy="1141920"/>
           </a:xfrm>
           <a:prstGeom prst="rect">
             <a:avLst/>
@@ -2688,10 +2540,8 @@
         <p:txBody>
           <a:bodyPr lIns="0" rIns="0" tIns="0" bIns="0" anchor="ctr"/>
           <a:p>
-            <a:endParaRPr b="0" lang="en-US" sz="1800" spc="-1" strike="noStrike">
-              <a:solidFill>
-                <a:srgbClr val="000000"/>
-              </a:solidFill>
+            <a:pPr algn="ctr"/>
+            <a:endParaRPr b="0" lang="en-US" sz="4400" spc="-1" strike="noStrike">
               <a:latin typeface="Arial"/>
             </a:endParaRPr>
           </a:p>
@@ -2710,7 +2560,7 @@
         <p:spPr>
           <a:xfrm>
             <a:off x="457200" y="1604520"/>
-            <a:ext cx="4015800" cy="3977280"/>
+            <a:ext cx="4015440" cy="3976920"/>
           </a:xfrm>
           <a:prstGeom prst="rect">
             <a:avLst/>
@@ -2721,10 +2571,7 @@
             <a:normAutofit/>
           </a:bodyPr>
           <a:p>
-            <a:endParaRPr b="0" lang="en-US" sz="1800" spc="-1" strike="noStrike">
-              <a:solidFill>
-                <a:srgbClr val="000000"/>
-              </a:solidFill>
+            <a:endParaRPr b="0" lang="en-US" sz="3200" spc="-1" strike="noStrike">
               <a:latin typeface="Arial"/>
             </a:endParaRPr>
           </a:p>
@@ -2742,8 +2589,8 @@
         </p:nvSpPr>
         <p:spPr>
           <a:xfrm>
-            <a:off x="4674240" y="1604520"/>
-            <a:ext cx="4015800" cy="3977280"/>
+            <a:off x="4673880" y="1604520"/>
+            <a:ext cx="4015440" cy="3976920"/>
           </a:xfrm>
           <a:prstGeom prst="rect">
             <a:avLst/>
@@ -2754,10 +2601,7 @@
             <a:normAutofit/>
           </a:bodyPr>
           <a:p>
-            <a:endParaRPr b="0" lang="en-US" sz="1800" spc="-1" strike="noStrike">
-              <a:solidFill>
-                <a:srgbClr val="000000"/>
-              </a:solidFill>
+            <a:endParaRPr b="0" lang="en-US" sz="3200" spc="-1" strike="noStrike">
               <a:latin typeface="Arial"/>
             </a:endParaRPr>
           </a:p>
@@ -2798,7 +2642,7 @@
         <p:spPr>
           <a:xfrm>
             <a:off x="457200" y="274680"/>
-            <a:ext cx="8228880" cy="1142280"/>
+            <a:ext cx="8228520" cy="1141920"/>
           </a:xfrm>
           <a:prstGeom prst="rect">
             <a:avLst/>
@@ -2807,10 +2651,8 @@
         <p:txBody>
           <a:bodyPr lIns="0" rIns="0" tIns="0" bIns="0" anchor="ctr"/>
           <a:p>
-            <a:endParaRPr b="0" lang="en-US" sz="1800" spc="-1" strike="noStrike">
-              <a:solidFill>
-                <a:srgbClr val="000000"/>
-              </a:solidFill>
+            <a:pPr algn="ctr"/>
+            <a:endParaRPr b="0" lang="en-US" sz="4400" spc="-1" strike="noStrike">
               <a:latin typeface="Arial"/>
             </a:endParaRPr>
           </a:p>
@@ -2851,7 +2693,7 @@
         <p:spPr>
           <a:xfrm>
             <a:off x="457200" y="274680"/>
-            <a:ext cx="8228880" cy="1142280"/>
+            <a:ext cx="8228520" cy="1141920"/>
           </a:xfrm>
           <a:prstGeom prst="rect">
             <a:avLst/>
@@ -2860,10 +2702,8 @@
         <p:txBody>
           <a:bodyPr lIns="0" rIns="0" tIns="0" bIns="0" anchor="ctr"/>
           <a:p>
-            <a:endParaRPr b="0" lang="en-US" sz="1800" spc="-1" strike="noStrike">
-              <a:solidFill>
-                <a:srgbClr val="000000"/>
-              </a:solidFill>
+            <a:pPr algn="ctr"/>
+            <a:endParaRPr b="0" lang="en-US" sz="4400" spc="-1" strike="noStrike">
               <a:latin typeface="Arial"/>
             </a:endParaRPr>
           </a:p>
@@ -2882,7 +2722,7 @@
         <p:spPr>
           <a:xfrm>
             <a:off x="457200" y="1604520"/>
-            <a:ext cx="8229240" cy="3977280"/>
+            <a:ext cx="8228880" cy="3976920"/>
           </a:xfrm>
           <a:prstGeom prst="rect">
             <a:avLst/>
@@ -2893,10 +2733,7 @@
             <a:normAutofit/>
           </a:bodyPr>
           <a:p>
-            <a:endParaRPr b="0" lang="en-US" sz="1800" spc="-1" strike="noStrike">
-              <a:solidFill>
-                <a:srgbClr val="000000"/>
-              </a:solidFill>
+            <a:endParaRPr b="0" lang="en-US" sz="3200" spc="-1" strike="noStrike">
               <a:latin typeface="Arial"/>
             </a:endParaRPr>
           </a:p>
@@ -2937,7 +2774,7 @@
         <p:spPr>
           <a:xfrm>
             <a:off x="457200" y="274680"/>
-            <a:ext cx="8228880" cy="5296320"/>
+            <a:ext cx="8228520" cy="5294520"/>
           </a:xfrm>
           <a:prstGeom prst="rect">
             <a:avLst/>
@@ -2988,7 +2825,7 @@
         <p:spPr>
           <a:xfrm>
             <a:off x="457200" y="274680"/>
-            <a:ext cx="8228880" cy="1142280"/>
+            <a:ext cx="8228520" cy="1141920"/>
           </a:xfrm>
           <a:prstGeom prst="rect">
             <a:avLst/>
@@ -2997,10 +2834,8 @@
         <p:txBody>
           <a:bodyPr lIns="0" rIns="0" tIns="0" bIns="0" anchor="ctr"/>
           <a:p>
-            <a:endParaRPr b="0" lang="en-US" sz="1800" spc="-1" strike="noStrike">
-              <a:solidFill>
-                <a:srgbClr val="000000"/>
-              </a:solidFill>
+            <a:pPr algn="ctr"/>
+            <a:endParaRPr b="0" lang="en-US" sz="4400" spc="-1" strike="noStrike">
               <a:latin typeface="Arial"/>
             </a:endParaRPr>
           </a:p>
@@ -3019,7 +2854,7 @@
         <p:spPr>
           <a:xfrm>
             <a:off x="457200" y="1604520"/>
-            <a:ext cx="4015800" cy="1896840"/>
+            <a:ext cx="4015440" cy="1896840"/>
           </a:xfrm>
           <a:prstGeom prst="rect">
             <a:avLst/>
@@ -3030,10 +2865,7 @@
             <a:normAutofit/>
           </a:bodyPr>
           <a:p>
-            <a:endParaRPr b="0" lang="en-US" sz="1800" spc="-1" strike="noStrike">
-              <a:solidFill>
-                <a:srgbClr val="000000"/>
-              </a:solidFill>
+            <a:endParaRPr b="0" lang="en-US" sz="3200" spc="-1" strike="noStrike">
               <a:latin typeface="Arial"/>
             </a:endParaRPr>
           </a:p>
@@ -3051,8 +2883,8 @@
         </p:nvSpPr>
         <p:spPr>
           <a:xfrm>
-            <a:off x="4674240" y="1604520"/>
-            <a:ext cx="4015800" cy="3977280"/>
+            <a:off x="4673880" y="1604520"/>
+            <a:ext cx="4015440" cy="3976920"/>
           </a:xfrm>
           <a:prstGeom prst="rect">
             <a:avLst/>
@@ -3063,10 +2895,7 @@
             <a:normAutofit/>
           </a:bodyPr>
           <a:p>
-            <a:endParaRPr b="0" lang="en-US" sz="1800" spc="-1" strike="noStrike">
-              <a:solidFill>
-                <a:srgbClr val="000000"/>
-              </a:solidFill>
+            <a:endParaRPr b="0" lang="en-US" sz="3200" spc="-1" strike="noStrike">
               <a:latin typeface="Arial"/>
             </a:endParaRPr>
           </a:p>
@@ -3085,7 +2914,7 @@
         <p:spPr>
           <a:xfrm>
             <a:off x="457200" y="3682080"/>
-            <a:ext cx="4015800" cy="1896840"/>
+            <a:ext cx="4015440" cy="1896840"/>
           </a:xfrm>
           <a:prstGeom prst="rect">
             <a:avLst/>
@@ -3096,10 +2925,7 @@
             <a:normAutofit/>
           </a:bodyPr>
           <a:p>
-            <a:endParaRPr b="0" lang="en-US" sz="1800" spc="-1" strike="noStrike">
-              <a:solidFill>
-                <a:srgbClr val="000000"/>
-              </a:solidFill>
+            <a:endParaRPr b="0" lang="en-US" sz="3200" spc="-1" strike="noStrike">
               <a:latin typeface="Arial"/>
             </a:endParaRPr>
           </a:p>
@@ -3140,7 +2966,7 @@
         <p:spPr>
           <a:xfrm>
             <a:off x="457200" y="274680"/>
-            <a:ext cx="8228880" cy="1142280"/>
+            <a:ext cx="8228520" cy="1141920"/>
           </a:xfrm>
           <a:prstGeom prst="rect">
             <a:avLst/>
@@ -3149,10 +2975,8 @@
         <p:txBody>
           <a:bodyPr lIns="0" rIns="0" tIns="0" bIns="0" anchor="ctr"/>
           <a:p>
-            <a:endParaRPr b="0" lang="en-US" sz="1800" spc="-1" strike="noStrike">
-              <a:solidFill>
-                <a:srgbClr val="000000"/>
-              </a:solidFill>
+            <a:pPr algn="ctr"/>
+            <a:endParaRPr b="0" lang="en-US" sz="4400" spc="-1" strike="noStrike">
               <a:latin typeface="Arial"/>
             </a:endParaRPr>
           </a:p>
@@ -3171,7 +2995,7 @@
         <p:spPr>
           <a:xfrm>
             <a:off x="457200" y="1604520"/>
-            <a:ext cx="4015800" cy="3977280"/>
+            <a:ext cx="4015440" cy="3976920"/>
           </a:xfrm>
           <a:prstGeom prst="rect">
             <a:avLst/>
@@ -3182,10 +3006,7 @@
             <a:normAutofit/>
           </a:bodyPr>
           <a:p>
-            <a:endParaRPr b="0" lang="en-US" sz="1800" spc="-1" strike="noStrike">
-              <a:solidFill>
-                <a:srgbClr val="000000"/>
-              </a:solidFill>
+            <a:endParaRPr b="0" lang="en-US" sz="3200" spc="-1" strike="noStrike">
               <a:latin typeface="Arial"/>
             </a:endParaRPr>
           </a:p>
@@ -3203,8 +3024,8 @@
         </p:nvSpPr>
         <p:spPr>
           <a:xfrm>
-            <a:off x="4674240" y="1604520"/>
-            <a:ext cx="4015800" cy="1896840"/>
+            <a:off x="4673880" y="1604520"/>
+            <a:ext cx="4015440" cy="1896840"/>
           </a:xfrm>
           <a:prstGeom prst="rect">
             <a:avLst/>
@@ -3215,10 +3036,7 @@
             <a:normAutofit/>
           </a:bodyPr>
           <a:p>
-            <a:endParaRPr b="0" lang="en-US" sz="1800" spc="-1" strike="noStrike">
-              <a:solidFill>
-                <a:srgbClr val="000000"/>
-              </a:solidFill>
+            <a:endParaRPr b="0" lang="en-US" sz="3200" spc="-1" strike="noStrike">
               <a:latin typeface="Arial"/>
             </a:endParaRPr>
           </a:p>
@@ -3236,8 +3054,8 @@
         </p:nvSpPr>
         <p:spPr>
           <a:xfrm>
-            <a:off x="4674240" y="3682080"/>
-            <a:ext cx="4015800" cy="1896840"/>
+            <a:off x="4673880" y="3682080"/>
+            <a:ext cx="4015440" cy="1896840"/>
           </a:xfrm>
           <a:prstGeom prst="rect">
             <a:avLst/>
@@ -3248,10 +3066,7 @@
             <a:normAutofit/>
           </a:bodyPr>
           <a:p>
-            <a:endParaRPr b="0" lang="en-US" sz="1800" spc="-1" strike="noStrike">
-              <a:solidFill>
-                <a:srgbClr val="000000"/>
-              </a:solidFill>
+            <a:endParaRPr b="0" lang="en-US" sz="3200" spc="-1" strike="noStrike">
               <a:latin typeface="Arial"/>
             </a:endParaRPr>
           </a:p>
@@ -3292,7 +3107,7 @@
         <p:spPr>
           <a:xfrm>
             <a:off x="457200" y="274680"/>
-            <a:ext cx="8228880" cy="1142280"/>
+            <a:ext cx="8228520" cy="1141920"/>
           </a:xfrm>
           <a:prstGeom prst="rect">
             <a:avLst/>
@@ -3301,10 +3116,8 @@
         <p:txBody>
           <a:bodyPr lIns="0" rIns="0" tIns="0" bIns="0" anchor="ctr"/>
           <a:p>
-            <a:endParaRPr b="0" lang="en-US" sz="1800" spc="-1" strike="noStrike">
-              <a:solidFill>
-                <a:srgbClr val="000000"/>
-              </a:solidFill>
+            <a:pPr algn="ctr"/>
+            <a:endParaRPr b="0" lang="en-US" sz="4400" spc="-1" strike="noStrike">
               <a:latin typeface="Arial"/>
             </a:endParaRPr>
           </a:p>
@@ -3323,7 +3136,7 @@
         <p:spPr>
           <a:xfrm>
             <a:off x="457200" y="1604520"/>
-            <a:ext cx="4015800" cy="1896840"/>
+            <a:ext cx="4015440" cy="1896840"/>
           </a:xfrm>
           <a:prstGeom prst="rect">
             <a:avLst/>
@@ -3334,10 +3147,7 @@
             <a:normAutofit/>
           </a:bodyPr>
           <a:p>
-            <a:endParaRPr b="0" lang="en-US" sz="1800" spc="-1" strike="noStrike">
-              <a:solidFill>
-                <a:srgbClr val="000000"/>
-              </a:solidFill>
+            <a:endParaRPr b="0" lang="en-US" sz="3200" spc="-1" strike="noStrike">
               <a:latin typeface="Arial"/>
             </a:endParaRPr>
           </a:p>
@@ -3355,8 +3165,8 @@
         </p:nvSpPr>
         <p:spPr>
           <a:xfrm>
-            <a:off x="4674240" y="1604520"/>
-            <a:ext cx="4015800" cy="1896840"/>
+            <a:off x="4673880" y="1604520"/>
+            <a:ext cx="4015440" cy="1896840"/>
           </a:xfrm>
           <a:prstGeom prst="rect">
             <a:avLst/>
@@ -3367,10 +3177,7 @@
             <a:normAutofit/>
           </a:bodyPr>
           <a:p>
-            <a:endParaRPr b="0" lang="en-US" sz="1800" spc="-1" strike="noStrike">
-              <a:solidFill>
-                <a:srgbClr val="000000"/>
-              </a:solidFill>
+            <a:endParaRPr b="0" lang="en-US" sz="3200" spc="-1" strike="noStrike">
               <a:latin typeface="Arial"/>
             </a:endParaRPr>
           </a:p>
@@ -3389,7 +3196,7 @@
         <p:spPr>
           <a:xfrm>
             <a:off x="457200" y="3682080"/>
-            <a:ext cx="8229240" cy="1896840"/>
+            <a:ext cx="8228880" cy="1896840"/>
           </a:xfrm>
           <a:prstGeom prst="rect">
             <a:avLst/>
@@ -3400,10 +3207,7 @@
             <a:normAutofit/>
           </a:bodyPr>
           <a:p>
-            <a:endParaRPr b="0" lang="en-US" sz="1800" spc="-1" strike="noStrike">
-              <a:solidFill>
-                <a:srgbClr val="000000"/>
-              </a:solidFill>
+            <a:endParaRPr b="0" lang="en-US" sz="3200" spc="-1" strike="noStrike">
               <a:latin typeface="Arial"/>
             </a:endParaRPr>
           </a:p>
@@ -3444,7 +3248,7 @@
         <p:spPr>
           <a:xfrm>
             <a:off x="457200" y="274680"/>
-            <a:ext cx="8228880" cy="1142280"/>
+            <a:ext cx="8228520" cy="1141920"/>
           </a:xfrm>
           <a:prstGeom prst="rect">
             <a:avLst/>
@@ -3453,10 +3257,8 @@
         <p:txBody>
           <a:bodyPr lIns="0" rIns="0" tIns="0" bIns="0" anchor="ctr"/>
           <a:p>
-            <a:endParaRPr b="0" lang="en-US" sz="1800" spc="-1" strike="noStrike">
-              <a:solidFill>
-                <a:srgbClr val="000000"/>
-              </a:solidFill>
+            <a:pPr algn="ctr"/>
+            <a:endParaRPr b="0" lang="en-US" sz="4400" spc="-1" strike="noStrike">
               <a:latin typeface="Arial"/>
             </a:endParaRPr>
           </a:p>
@@ -3475,7 +3277,7 @@
         <p:spPr>
           <a:xfrm>
             <a:off x="457200" y="1604520"/>
-            <a:ext cx="8229240" cy="1896840"/>
+            <a:ext cx="8228880" cy="1896840"/>
           </a:xfrm>
           <a:prstGeom prst="rect">
             <a:avLst/>
@@ -3486,10 +3288,7 @@
             <a:normAutofit/>
           </a:bodyPr>
           <a:p>
-            <a:endParaRPr b="0" lang="en-US" sz="1800" spc="-1" strike="noStrike">
-              <a:solidFill>
-                <a:srgbClr val="000000"/>
-              </a:solidFill>
+            <a:endParaRPr b="0" lang="en-US" sz="3200" spc="-1" strike="noStrike">
               <a:latin typeface="Arial"/>
             </a:endParaRPr>
           </a:p>
@@ -3508,7 +3307,7 @@
         <p:spPr>
           <a:xfrm>
             <a:off x="457200" y="3682080"/>
-            <a:ext cx="8229240" cy="1896840"/>
+            <a:ext cx="8228880" cy="1896840"/>
           </a:xfrm>
           <a:prstGeom prst="rect">
             <a:avLst/>
@@ -3519,10 +3318,7 @@
             <a:normAutofit/>
           </a:bodyPr>
           <a:p>
-            <a:endParaRPr b="0" lang="en-US" sz="1800" spc="-1" strike="noStrike">
-              <a:solidFill>
-                <a:srgbClr val="000000"/>
-              </a:solidFill>
+            <a:endParaRPr b="0" lang="en-US" sz="3200" spc="-1" strike="noStrike">
               <a:latin typeface="Arial"/>
             </a:endParaRPr>
           </a:p>
@@ -3563,7 +3359,7 @@
         <p:spPr>
           <a:xfrm>
             <a:off x="457200" y="274680"/>
-            <a:ext cx="8228880" cy="1142280"/>
+            <a:ext cx="8228520" cy="1141920"/>
           </a:xfrm>
           <a:prstGeom prst="rect">
             <a:avLst/>
@@ -3572,10 +3368,8 @@
         <p:txBody>
           <a:bodyPr lIns="0" rIns="0" tIns="0" bIns="0" anchor="ctr"/>
           <a:p>
-            <a:endParaRPr b="0" lang="en-US" sz="1800" spc="-1" strike="noStrike">
-              <a:solidFill>
-                <a:srgbClr val="000000"/>
-              </a:solidFill>
+            <a:pPr algn="ctr"/>
+            <a:endParaRPr b="0" lang="en-US" sz="4400" spc="-1" strike="noStrike">
               <a:latin typeface="Arial"/>
             </a:endParaRPr>
           </a:p>
@@ -3594,7 +3388,7 @@
         <p:spPr>
           <a:xfrm>
             <a:off x="457200" y="1604520"/>
-            <a:ext cx="4015800" cy="1896840"/>
+            <a:ext cx="4015440" cy="1896840"/>
           </a:xfrm>
           <a:prstGeom prst="rect">
             <a:avLst/>
@@ -3605,10 +3399,7 @@
             <a:normAutofit/>
           </a:bodyPr>
           <a:p>
-            <a:endParaRPr b="0" lang="en-US" sz="1800" spc="-1" strike="noStrike">
-              <a:solidFill>
-                <a:srgbClr val="000000"/>
-              </a:solidFill>
+            <a:endParaRPr b="0" lang="en-US" sz="3200" spc="-1" strike="noStrike">
               <a:latin typeface="Arial"/>
             </a:endParaRPr>
           </a:p>
@@ -3626,8 +3417,8 @@
         </p:nvSpPr>
         <p:spPr>
           <a:xfrm>
-            <a:off x="4674240" y="1604520"/>
-            <a:ext cx="4015800" cy="1896840"/>
+            <a:off x="4673880" y="1604520"/>
+            <a:ext cx="4015440" cy="1896840"/>
           </a:xfrm>
           <a:prstGeom prst="rect">
             <a:avLst/>
@@ -3638,10 +3429,7 @@
             <a:normAutofit/>
           </a:bodyPr>
           <a:p>
-            <a:endParaRPr b="0" lang="en-US" sz="1800" spc="-1" strike="noStrike">
-              <a:solidFill>
-                <a:srgbClr val="000000"/>
-              </a:solidFill>
+            <a:endParaRPr b="0" lang="en-US" sz="3200" spc="-1" strike="noStrike">
               <a:latin typeface="Arial"/>
             </a:endParaRPr>
           </a:p>
@@ -3660,7 +3448,7 @@
         <p:spPr>
           <a:xfrm>
             <a:off x="457200" y="3682080"/>
-            <a:ext cx="4015800" cy="1896840"/>
+            <a:ext cx="4015440" cy="1896840"/>
           </a:xfrm>
           <a:prstGeom prst="rect">
             <a:avLst/>
@@ -3671,10 +3459,7 @@
             <a:normAutofit/>
           </a:bodyPr>
           <a:p>
-            <a:endParaRPr b="0" lang="en-US" sz="1800" spc="-1" strike="noStrike">
-              <a:solidFill>
-                <a:srgbClr val="000000"/>
-              </a:solidFill>
+            <a:endParaRPr b="0" lang="en-US" sz="3200" spc="-1" strike="noStrike">
               <a:latin typeface="Arial"/>
             </a:endParaRPr>
           </a:p>
@@ -3692,8 +3477,8 @@
         </p:nvSpPr>
         <p:spPr>
           <a:xfrm>
-            <a:off x="4674240" y="3682080"/>
-            <a:ext cx="4015800" cy="1896840"/>
+            <a:off x="4673880" y="3682080"/>
+            <a:ext cx="4015440" cy="1896840"/>
           </a:xfrm>
           <a:prstGeom prst="rect">
             <a:avLst/>
@@ -3704,10 +3489,7 @@
             <a:normAutofit/>
           </a:bodyPr>
           <a:p>
-            <a:endParaRPr b="0" lang="en-US" sz="1800" spc="-1" strike="noStrike">
-              <a:solidFill>
-                <a:srgbClr val="000000"/>
-              </a:solidFill>
+            <a:endParaRPr b="0" lang="en-US" sz="3200" spc="-1" strike="noStrike">
               <a:latin typeface="Arial"/>
             </a:endParaRPr>
           </a:p>
@@ -3748,7 +3530,7 @@
         <p:spPr>
           <a:xfrm>
             <a:off x="457200" y="274680"/>
-            <a:ext cx="8228880" cy="1142280"/>
+            <a:ext cx="8228520" cy="1141920"/>
           </a:xfrm>
           <a:prstGeom prst="rect">
             <a:avLst/>
@@ -3757,10 +3539,8 @@
         <p:txBody>
           <a:bodyPr lIns="0" rIns="0" tIns="0" bIns="0" anchor="ctr"/>
           <a:p>
-            <a:endParaRPr b="0" lang="en-US" sz="1800" spc="-1" strike="noStrike">
-              <a:solidFill>
-                <a:srgbClr val="000000"/>
-              </a:solidFill>
+            <a:pPr algn="ctr"/>
+            <a:endParaRPr b="0" lang="en-US" sz="4400" spc="-1" strike="noStrike">
               <a:latin typeface="Arial"/>
             </a:endParaRPr>
           </a:p>
@@ -3790,10 +3570,7 @@
             <a:normAutofit/>
           </a:bodyPr>
           <a:p>
-            <a:endParaRPr b="0" lang="en-US" sz="1800" spc="-1" strike="noStrike">
-              <a:solidFill>
-                <a:srgbClr val="000000"/>
-              </a:solidFill>
+            <a:endParaRPr b="0" lang="en-US" sz="3200" spc="-1" strike="noStrike">
               <a:latin typeface="Arial"/>
             </a:endParaRPr>
           </a:p>
@@ -3823,10 +3600,7 @@
             <a:normAutofit/>
           </a:bodyPr>
           <a:p>
-            <a:endParaRPr b="0" lang="en-US" sz="1800" spc="-1" strike="noStrike">
-              <a:solidFill>
-                <a:srgbClr val="000000"/>
-              </a:solidFill>
+            <a:endParaRPr b="0" lang="en-US" sz="3200" spc="-1" strike="noStrike">
               <a:latin typeface="Arial"/>
             </a:endParaRPr>
           </a:p>
@@ -3856,10 +3630,7 @@
             <a:normAutofit/>
           </a:bodyPr>
           <a:p>
-            <a:endParaRPr b="0" lang="en-US" sz="1800" spc="-1" strike="noStrike">
-              <a:solidFill>
-                <a:srgbClr val="000000"/>
-              </a:solidFill>
+            <a:endParaRPr b="0" lang="en-US" sz="3200" spc="-1" strike="noStrike">
               <a:latin typeface="Arial"/>
             </a:endParaRPr>
           </a:p>
@@ -3889,10 +3660,7 @@
             <a:normAutofit/>
           </a:bodyPr>
           <a:p>
-            <a:endParaRPr b="0" lang="en-US" sz="1800" spc="-1" strike="noStrike">
-              <a:solidFill>
-                <a:srgbClr val="000000"/>
-              </a:solidFill>
+            <a:endParaRPr b="0" lang="en-US" sz="3200" spc="-1" strike="noStrike">
               <a:latin typeface="Arial"/>
             </a:endParaRPr>
           </a:p>
@@ -3922,10 +3690,7 @@
             <a:normAutofit/>
           </a:bodyPr>
           <a:p>
-            <a:endParaRPr b="0" lang="en-US" sz="1800" spc="-1" strike="noStrike">
-              <a:solidFill>
-                <a:srgbClr val="000000"/>
-              </a:solidFill>
+            <a:endParaRPr b="0" lang="en-US" sz="3200" spc="-1" strike="noStrike">
               <a:latin typeface="Arial"/>
             </a:endParaRPr>
           </a:p>
@@ -3955,10 +3720,7 @@
             <a:normAutofit/>
           </a:bodyPr>
           <a:p>
-            <a:endParaRPr b="0" lang="en-US" sz="1800" spc="-1" strike="noStrike">
-              <a:solidFill>
-                <a:srgbClr val="000000"/>
-              </a:solidFill>
+            <a:endParaRPr b="0" lang="en-US" sz="3200" spc="-1" strike="noStrike">
               <a:latin typeface="Arial"/>
             </a:endParaRPr>
           </a:p>
@@ -3999,7 +3761,7 @@
         <p:spPr>
           <a:xfrm>
             <a:off x="457200" y="274680"/>
-            <a:ext cx="8228880" cy="1142280"/>
+            <a:ext cx="8228520" cy="1141920"/>
           </a:xfrm>
           <a:prstGeom prst="rect">
             <a:avLst/>
@@ -4008,10 +3770,8 @@
         <p:txBody>
           <a:bodyPr lIns="0" rIns="0" tIns="0" bIns="0" anchor="ctr"/>
           <a:p>
-            <a:endParaRPr b="0" lang="en-US" sz="1800" spc="-1" strike="noStrike">
-              <a:solidFill>
-                <a:srgbClr val="000000"/>
-              </a:solidFill>
+            <a:pPr algn="ctr"/>
+            <a:endParaRPr b="0" lang="en-US" sz="4400" spc="-1" strike="noStrike">
               <a:latin typeface="Arial"/>
             </a:endParaRPr>
           </a:p>
@@ -4030,7 +3790,7 @@
         <p:spPr>
           <a:xfrm>
             <a:off x="457200" y="1604520"/>
-            <a:ext cx="4015800" cy="3977280"/>
+            <a:ext cx="4015440" cy="3976920"/>
           </a:xfrm>
           <a:prstGeom prst="rect">
             <a:avLst/>
@@ -4041,10 +3801,7 @@
             <a:normAutofit/>
           </a:bodyPr>
           <a:p>
-            <a:endParaRPr b="0" lang="en-US" sz="1800" spc="-1" strike="noStrike">
-              <a:solidFill>
-                <a:srgbClr val="000000"/>
-              </a:solidFill>
+            <a:endParaRPr b="0" lang="en-US" sz="3200" spc="-1" strike="noStrike">
               <a:latin typeface="Arial"/>
             </a:endParaRPr>
           </a:p>
@@ -4062,8 +3819,8 @@
         </p:nvSpPr>
         <p:spPr>
           <a:xfrm>
-            <a:off x="4674240" y="1604520"/>
-            <a:ext cx="4015800" cy="3977280"/>
+            <a:off x="4673880" y="1604520"/>
+            <a:ext cx="4015440" cy="3976920"/>
           </a:xfrm>
           <a:prstGeom prst="rect">
             <a:avLst/>
@@ -4074,10 +3831,7 @@
             <a:normAutofit/>
           </a:bodyPr>
           <a:p>
-            <a:endParaRPr b="0" lang="en-US" sz="1800" spc="-1" strike="noStrike">
-              <a:solidFill>
-                <a:srgbClr val="000000"/>
-              </a:solidFill>
+            <a:endParaRPr b="0" lang="en-US" sz="3200" spc="-1" strike="noStrike">
               <a:latin typeface="Arial"/>
             </a:endParaRPr>
           </a:p>
@@ -4118,7 +3872,7 @@
         <p:spPr>
           <a:xfrm>
             <a:off x="457200" y="274680"/>
-            <a:ext cx="8228880" cy="1142280"/>
+            <a:ext cx="8228520" cy="1141920"/>
           </a:xfrm>
           <a:prstGeom prst="rect">
             <a:avLst/>
@@ -4127,10 +3881,8 @@
         <p:txBody>
           <a:bodyPr lIns="0" rIns="0" tIns="0" bIns="0" anchor="ctr"/>
           <a:p>
-            <a:endParaRPr b="0" lang="en-US" sz="1800" spc="-1" strike="noStrike">
-              <a:solidFill>
-                <a:srgbClr val="000000"/>
-              </a:solidFill>
+            <a:pPr algn="ctr"/>
+            <a:endParaRPr b="0" lang="en-US" sz="4400" spc="-1" strike="noStrike">
               <a:latin typeface="Arial"/>
             </a:endParaRPr>
           </a:p>
@@ -4171,7 +3923,7 @@
         <p:spPr>
           <a:xfrm>
             <a:off x="457200" y="274680"/>
-            <a:ext cx="8228880" cy="5296320"/>
+            <a:ext cx="8228520" cy="5294520"/>
           </a:xfrm>
           <a:prstGeom prst="rect">
             <a:avLst/>
@@ -4222,7 +3974,7 @@
         <p:spPr>
           <a:xfrm>
             <a:off x="457200" y="274680"/>
-            <a:ext cx="8228880" cy="1142280"/>
+            <a:ext cx="8228520" cy="1141920"/>
           </a:xfrm>
           <a:prstGeom prst="rect">
             <a:avLst/>
@@ -4231,10 +3983,8 @@
         <p:txBody>
           <a:bodyPr lIns="0" rIns="0" tIns="0" bIns="0" anchor="ctr"/>
           <a:p>
-            <a:endParaRPr b="0" lang="en-US" sz="1800" spc="-1" strike="noStrike">
-              <a:solidFill>
-                <a:srgbClr val="000000"/>
-              </a:solidFill>
+            <a:pPr algn="ctr"/>
+            <a:endParaRPr b="0" lang="en-US" sz="4400" spc="-1" strike="noStrike">
               <a:latin typeface="Arial"/>
             </a:endParaRPr>
           </a:p>
@@ -4253,7 +4003,7 @@
         <p:spPr>
           <a:xfrm>
             <a:off x="457200" y="1604520"/>
-            <a:ext cx="4015800" cy="1896840"/>
+            <a:ext cx="4015440" cy="1896840"/>
           </a:xfrm>
           <a:prstGeom prst="rect">
             <a:avLst/>
@@ -4264,10 +4014,7 @@
             <a:normAutofit/>
           </a:bodyPr>
           <a:p>
-            <a:endParaRPr b="0" lang="en-US" sz="1800" spc="-1" strike="noStrike">
-              <a:solidFill>
-                <a:srgbClr val="000000"/>
-              </a:solidFill>
+            <a:endParaRPr b="0" lang="en-US" sz="3200" spc="-1" strike="noStrike">
               <a:latin typeface="Arial"/>
             </a:endParaRPr>
           </a:p>
@@ -4285,8 +4032,8 @@
         </p:nvSpPr>
         <p:spPr>
           <a:xfrm>
-            <a:off x="4674240" y="1604520"/>
-            <a:ext cx="4015800" cy="3977280"/>
+            <a:off x="4673880" y="1604520"/>
+            <a:ext cx="4015440" cy="3976920"/>
           </a:xfrm>
           <a:prstGeom prst="rect">
             <a:avLst/>
@@ -4297,10 +4044,7 @@
             <a:normAutofit/>
           </a:bodyPr>
           <a:p>
-            <a:endParaRPr b="0" lang="en-US" sz="1800" spc="-1" strike="noStrike">
-              <a:solidFill>
-                <a:srgbClr val="000000"/>
-              </a:solidFill>
+            <a:endParaRPr b="0" lang="en-US" sz="3200" spc="-1" strike="noStrike">
               <a:latin typeface="Arial"/>
             </a:endParaRPr>
           </a:p>
@@ -4319,7 +4063,7 @@
         <p:spPr>
           <a:xfrm>
             <a:off x="457200" y="3682080"/>
-            <a:ext cx="4015800" cy="1896840"/>
+            <a:ext cx="4015440" cy="1896840"/>
           </a:xfrm>
           <a:prstGeom prst="rect">
             <a:avLst/>
@@ -4330,10 +4074,7 @@
             <a:normAutofit/>
           </a:bodyPr>
           <a:p>
-            <a:endParaRPr b="0" lang="en-US" sz="1800" spc="-1" strike="noStrike">
-              <a:solidFill>
-                <a:srgbClr val="000000"/>
-              </a:solidFill>
+            <a:endParaRPr b="0" lang="en-US" sz="3200" spc="-1" strike="noStrike">
               <a:latin typeface="Arial"/>
             </a:endParaRPr>
           </a:p>
@@ -4374,7 +4115,7 @@
         <p:spPr>
           <a:xfrm>
             <a:off x="457200" y="274680"/>
-            <a:ext cx="8228880" cy="1142280"/>
+            <a:ext cx="8228520" cy="1141920"/>
           </a:xfrm>
           <a:prstGeom prst="rect">
             <a:avLst/>
@@ -4383,10 +4124,8 @@
         <p:txBody>
           <a:bodyPr lIns="0" rIns="0" tIns="0" bIns="0" anchor="ctr"/>
           <a:p>
-            <a:endParaRPr b="0" lang="en-US" sz="1800" spc="-1" strike="noStrike">
-              <a:solidFill>
-                <a:srgbClr val="000000"/>
-              </a:solidFill>
+            <a:pPr algn="ctr"/>
+            <a:endParaRPr b="0" lang="en-US" sz="4400" spc="-1" strike="noStrike">
               <a:latin typeface="Arial"/>
             </a:endParaRPr>
           </a:p>
@@ -4405,7 +4144,7 @@
         <p:spPr>
           <a:xfrm>
             <a:off x="457200" y="1604520"/>
-            <a:ext cx="4015800" cy="3977280"/>
+            <a:ext cx="4015440" cy="3976920"/>
           </a:xfrm>
           <a:prstGeom prst="rect">
             <a:avLst/>
@@ -4416,10 +4155,7 @@
             <a:normAutofit/>
           </a:bodyPr>
           <a:p>
-            <a:endParaRPr b="0" lang="en-US" sz="1800" spc="-1" strike="noStrike">
-              <a:solidFill>
-                <a:srgbClr val="000000"/>
-              </a:solidFill>
+            <a:endParaRPr b="0" lang="en-US" sz="3200" spc="-1" strike="noStrike">
               <a:latin typeface="Arial"/>
             </a:endParaRPr>
           </a:p>
@@ -4437,8 +4173,8 @@
         </p:nvSpPr>
         <p:spPr>
           <a:xfrm>
-            <a:off x="4674240" y="1604520"/>
-            <a:ext cx="4015800" cy="1896840"/>
+            <a:off x="4673880" y="1604520"/>
+            <a:ext cx="4015440" cy="1896840"/>
           </a:xfrm>
           <a:prstGeom prst="rect">
             <a:avLst/>
@@ -4449,10 +4185,7 @@
             <a:normAutofit/>
           </a:bodyPr>
           <a:p>
-            <a:endParaRPr b="0" lang="en-US" sz="1800" spc="-1" strike="noStrike">
-              <a:solidFill>
-                <a:srgbClr val="000000"/>
-              </a:solidFill>
+            <a:endParaRPr b="0" lang="en-US" sz="3200" spc="-1" strike="noStrike">
               <a:latin typeface="Arial"/>
             </a:endParaRPr>
           </a:p>
@@ -4470,8 +4203,8 @@
         </p:nvSpPr>
         <p:spPr>
           <a:xfrm>
-            <a:off x="4674240" y="3682080"/>
-            <a:ext cx="4015800" cy="1896840"/>
+            <a:off x="4673880" y="3682080"/>
+            <a:ext cx="4015440" cy="1896840"/>
           </a:xfrm>
           <a:prstGeom prst="rect">
             <a:avLst/>
@@ -4482,10 +4215,7 @@
             <a:normAutofit/>
           </a:bodyPr>
           <a:p>
-            <a:endParaRPr b="0" lang="en-US" sz="1800" spc="-1" strike="noStrike">
-              <a:solidFill>
-                <a:srgbClr val="000000"/>
-              </a:solidFill>
+            <a:endParaRPr b="0" lang="en-US" sz="3200" spc="-1" strike="noStrike">
               <a:latin typeface="Arial"/>
             </a:endParaRPr>
           </a:p>
@@ -4526,7 +4256,7 @@
         <p:spPr>
           <a:xfrm>
             <a:off x="457200" y="274680"/>
-            <a:ext cx="8228880" cy="1142280"/>
+            <a:ext cx="8228520" cy="1141920"/>
           </a:xfrm>
           <a:prstGeom prst="rect">
             <a:avLst/>
@@ -4535,10 +4265,8 @@
         <p:txBody>
           <a:bodyPr lIns="0" rIns="0" tIns="0" bIns="0" anchor="ctr"/>
           <a:p>
-            <a:endParaRPr b="0" lang="en-US" sz="1800" spc="-1" strike="noStrike">
-              <a:solidFill>
-                <a:srgbClr val="000000"/>
-              </a:solidFill>
+            <a:pPr algn="ctr"/>
+            <a:endParaRPr b="0" lang="en-US" sz="4400" spc="-1" strike="noStrike">
               <a:latin typeface="Arial"/>
             </a:endParaRPr>
           </a:p>
@@ -4557,7 +4285,7 @@
         <p:spPr>
           <a:xfrm>
             <a:off x="457200" y="1604520"/>
-            <a:ext cx="4015800" cy="1896840"/>
+            <a:ext cx="4015440" cy="1896840"/>
           </a:xfrm>
           <a:prstGeom prst="rect">
             <a:avLst/>
@@ -4568,10 +4296,7 @@
             <a:normAutofit/>
           </a:bodyPr>
           <a:p>
-            <a:endParaRPr b="0" lang="en-US" sz="1800" spc="-1" strike="noStrike">
-              <a:solidFill>
-                <a:srgbClr val="000000"/>
-              </a:solidFill>
+            <a:endParaRPr b="0" lang="en-US" sz="3200" spc="-1" strike="noStrike">
               <a:latin typeface="Arial"/>
             </a:endParaRPr>
           </a:p>
@@ -4589,8 +4314,8 @@
         </p:nvSpPr>
         <p:spPr>
           <a:xfrm>
-            <a:off x="4674240" y="1604520"/>
-            <a:ext cx="4015800" cy="1896840"/>
+            <a:off x="4673880" y="1604520"/>
+            <a:ext cx="4015440" cy="1896840"/>
           </a:xfrm>
           <a:prstGeom prst="rect">
             <a:avLst/>
@@ -4601,10 +4326,7 @@
             <a:normAutofit/>
           </a:bodyPr>
           <a:p>
-            <a:endParaRPr b="0" lang="en-US" sz="1800" spc="-1" strike="noStrike">
-              <a:solidFill>
-                <a:srgbClr val="000000"/>
-              </a:solidFill>
+            <a:endParaRPr b="0" lang="en-US" sz="3200" spc="-1" strike="noStrike">
               <a:latin typeface="Arial"/>
             </a:endParaRPr>
           </a:p>
@@ -4623,7 +4345,7 @@
         <p:spPr>
           <a:xfrm>
             <a:off x="457200" y="3682080"/>
-            <a:ext cx="8229240" cy="1896840"/>
+            <a:ext cx="8228880" cy="1896840"/>
           </a:xfrm>
           <a:prstGeom prst="rect">
             <a:avLst/>
@@ -4634,10 +4356,7 @@
             <a:normAutofit/>
           </a:bodyPr>
           <a:p>
-            <a:endParaRPr b="0" lang="en-US" sz="1800" spc="-1" strike="noStrike">
-              <a:solidFill>
-                <a:srgbClr val="000000"/>
-              </a:solidFill>
+            <a:endParaRPr b="0" lang="en-US" sz="3200" spc="-1" strike="noStrike">
               <a:latin typeface="Arial"/>
             </a:endParaRPr>
           </a:p>
@@ -4694,19 +4413,14 @@
         <p:txBody>
           <a:bodyPr lIns="0" rIns="0" tIns="0" bIns="0" anchor="ctr"/>
           <a:p>
-            <a:r>
-              <a:rPr b="0" lang="en-US" sz="1800" spc="-1" strike="noStrike">
-                <a:solidFill>
-                  <a:srgbClr val="000000"/>
-                </a:solidFill>
+            <a:pPr algn="ctr"/>
+            <a:r>
+              <a:rPr b="0" lang="en-US" sz="4400" spc="-1" strike="noStrike">
                 <a:latin typeface="Arial"/>
               </a:rPr>
               <a:t>Click to edit the title text format</a:t>
             </a:r>
-            <a:endParaRPr b="0" lang="en-US" sz="1800" spc="-1" strike="noStrike">
-              <a:solidFill>
-                <a:srgbClr val="000000"/>
-              </a:solidFill>
+            <a:endParaRPr b="0" lang="en-US" sz="4400" spc="-1" strike="noStrike">
               <a:latin typeface="Arial"/>
             </a:endParaRPr>
           </a:p>
@@ -4748,18 +4462,12 @@
               <a:buChar char=""/>
             </a:pPr>
             <a:r>
-              <a:rPr b="0" lang="en-US" sz="1800" spc="-1" strike="noStrike">
-                <a:solidFill>
-                  <a:srgbClr val="000000"/>
-                </a:solidFill>
+              <a:rPr b="0" lang="en-US" sz="3200" spc="-1" strike="noStrike">
                 <a:latin typeface="Arial"/>
               </a:rPr>
               <a:t>Click to edit the outline text format</a:t>
             </a:r>
-            <a:endParaRPr b="0" lang="en-US" sz="1800" spc="-1" strike="noStrike">
-              <a:solidFill>
-                <a:srgbClr val="000000"/>
-              </a:solidFill>
+            <a:endParaRPr b="0" lang="en-US" sz="3200" spc="-1" strike="noStrike">
               <a:latin typeface="Arial"/>
             </a:endParaRPr>
           </a:p>
@@ -4776,18 +4484,12 @@
               <a:buChar char=""/>
             </a:pPr>
             <a:r>
-              <a:rPr b="0" lang="en-US" sz="1800" spc="-1" strike="noStrike">
-                <a:solidFill>
-                  <a:srgbClr val="000000"/>
-                </a:solidFill>
+              <a:rPr b="0" lang="en-US" sz="2800" spc="-1" strike="noStrike">
                 <a:latin typeface="Arial"/>
               </a:rPr>
               <a:t>Second Outline Level</a:t>
             </a:r>
-            <a:endParaRPr b="0" lang="en-US" sz="1800" spc="-1" strike="noStrike">
-              <a:solidFill>
-                <a:srgbClr val="000000"/>
-              </a:solidFill>
+            <a:endParaRPr b="0" lang="en-US" sz="2800" spc="-1" strike="noStrike">
               <a:latin typeface="Arial"/>
             </a:endParaRPr>
           </a:p>
@@ -4804,18 +4506,12 @@
               <a:buChar char=""/>
             </a:pPr>
             <a:r>
-              <a:rPr b="0" lang="en-US" sz="1800" spc="-1" strike="noStrike">
-                <a:solidFill>
-                  <a:srgbClr val="000000"/>
-                </a:solidFill>
+              <a:rPr b="0" lang="en-US" sz="2400" spc="-1" strike="noStrike">
                 <a:latin typeface="Arial"/>
               </a:rPr>
               <a:t>Third Outline Level</a:t>
             </a:r>
-            <a:endParaRPr b="0" lang="en-US" sz="1800" spc="-1" strike="noStrike">
-              <a:solidFill>
-                <a:srgbClr val="000000"/>
-              </a:solidFill>
+            <a:endParaRPr b="0" lang="en-US" sz="2400" spc="-1" strike="noStrike">
               <a:latin typeface="Arial"/>
             </a:endParaRPr>
           </a:p>
@@ -4832,18 +4528,12 @@
               <a:buChar char=""/>
             </a:pPr>
             <a:r>
-              <a:rPr b="0" lang="en-US" sz="1800" spc="-1" strike="noStrike">
-                <a:solidFill>
-                  <a:srgbClr val="000000"/>
-                </a:solidFill>
+              <a:rPr b="0" lang="en-US" sz="2000" spc="-1" strike="noStrike">
                 <a:latin typeface="Arial"/>
               </a:rPr>
               <a:t>Fourth Outline Level</a:t>
             </a:r>
-            <a:endParaRPr b="0" lang="en-US" sz="1800" spc="-1" strike="noStrike">
-              <a:solidFill>
-                <a:srgbClr val="000000"/>
-              </a:solidFill>
+            <a:endParaRPr b="0" lang="en-US" sz="2000" spc="-1" strike="noStrike">
               <a:latin typeface="Arial"/>
             </a:endParaRPr>
           </a:p>
@@ -4861,17 +4551,11 @@
             </a:pPr>
             <a:r>
               <a:rPr b="0" lang="en-US" sz="2000" spc="-1" strike="noStrike">
-                <a:solidFill>
-                  <a:srgbClr val="000000"/>
-                </a:solidFill>
                 <a:latin typeface="Arial"/>
               </a:rPr>
               <a:t>Fifth Outline Level</a:t>
             </a:r>
             <a:endParaRPr b="0" lang="en-US" sz="2000" spc="-1" strike="noStrike">
-              <a:solidFill>
-                <a:srgbClr val="000000"/>
-              </a:solidFill>
               <a:latin typeface="Arial"/>
             </a:endParaRPr>
           </a:p>
@@ -4889,17 +4573,11 @@
             </a:pPr>
             <a:r>
               <a:rPr b="0" lang="en-US" sz="2000" spc="-1" strike="noStrike">
-                <a:solidFill>
-                  <a:srgbClr val="000000"/>
-                </a:solidFill>
                 <a:latin typeface="Arial"/>
               </a:rPr>
               <a:t>Sixth Outline Level</a:t>
             </a:r>
             <a:endParaRPr b="0" lang="en-US" sz="2000" spc="-1" strike="noStrike">
-              <a:solidFill>
-                <a:srgbClr val="000000"/>
-              </a:solidFill>
               <a:latin typeface="Arial"/>
             </a:endParaRPr>
           </a:p>
@@ -4917,17 +4595,11 @@
             </a:pPr>
             <a:r>
               <a:rPr b="0" lang="en-US" sz="2000" spc="-1" strike="noStrike">
-                <a:solidFill>
-                  <a:srgbClr val="000000"/>
-                </a:solidFill>
                 <a:latin typeface="Arial"/>
               </a:rPr>
               <a:t>Seventh Outline Level</a:t>
             </a:r>
             <a:endParaRPr b="0" lang="en-US" sz="2000" spc="-1" strike="noStrike">
-              <a:solidFill>
-                <a:srgbClr val="000000"/>
-              </a:solidFill>
               <a:latin typeface="Arial"/>
             </a:endParaRPr>
           </a:p>
@@ -4990,7 +4662,7 @@
         <p:spPr>
           <a:xfrm>
             <a:off x="457200" y="274680"/>
-            <a:ext cx="8228880" cy="1142280"/>
+            <a:ext cx="8228520" cy="1141920"/>
           </a:xfrm>
           <a:prstGeom prst="rect">
             <a:avLst/>
@@ -5001,17 +4673,11 @@
           <a:p>
             <a:r>
               <a:rPr b="0" lang="en-US" sz="1800" spc="-1" strike="noStrike">
-                <a:solidFill>
-                  <a:srgbClr val="000000"/>
-                </a:solidFill>
                 <a:latin typeface="Arial"/>
               </a:rPr>
               <a:t>Click to edit the title text format</a:t>
             </a:r>
             <a:endParaRPr b="0" lang="en-US" sz="1800" spc="-1" strike="noStrike">
-              <a:solidFill>
-                <a:srgbClr val="000000"/>
-              </a:solidFill>
               <a:latin typeface="Arial"/>
             </a:endParaRPr>
           </a:p>
@@ -5030,7 +4696,7 @@
         <p:spPr>
           <a:xfrm>
             <a:off x="457200" y="1604520"/>
-            <a:ext cx="8229240" cy="3977280"/>
+            <a:ext cx="8228880" cy="3976920"/>
           </a:xfrm>
           <a:prstGeom prst="rect">
             <a:avLst/>
@@ -5054,17 +4720,11 @@
             </a:pPr>
             <a:r>
               <a:rPr b="0" lang="en-US" sz="1800" spc="-1" strike="noStrike">
-                <a:solidFill>
-                  <a:srgbClr val="000000"/>
-                </a:solidFill>
                 <a:latin typeface="Arial"/>
               </a:rPr>
               <a:t>Click to edit the outline text format</a:t>
             </a:r>
             <a:endParaRPr b="0" lang="en-US" sz="1800" spc="-1" strike="noStrike">
-              <a:solidFill>
-                <a:srgbClr val="000000"/>
-              </a:solidFill>
               <a:latin typeface="Arial"/>
             </a:endParaRPr>
           </a:p>
@@ -5082,17 +4742,11 @@
             </a:pPr>
             <a:r>
               <a:rPr b="0" lang="en-US" sz="1800" spc="-1" strike="noStrike">
-                <a:solidFill>
-                  <a:srgbClr val="000000"/>
-                </a:solidFill>
                 <a:latin typeface="Arial"/>
               </a:rPr>
               <a:t>Second Outline Level</a:t>
             </a:r>
             <a:endParaRPr b="0" lang="en-US" sz="1800" spc="-1" strike="noStrike">
-              <a:solidFill>
-                <a:srgbClr val="000000"/>
-              </a:solidFill>
               <a:latin typeface="Arial"/>
             </a:endParaRPr>
           </a:p>
@@ -5110,17 +4764,11 @@
             </a:pPr>
             <a:r>
               <a:rPr b="0" lang="en-US" sz="1800" spc="-1" strike="noStrike">
-                <a:solidFill>
-                  <a:srgbClr val="000000"/>
-                </a:solidFill>
                 <a:latin typeface="Arial"/>
               </a:rPr>
               <a:t>Third Outline Level</a:t>
             </a:r>
             <a:endParaRPr b="0" lang="en-US" sz="1800" spc="-1" strike="noStrike">
-              <a:solidFill>
-                <a:srgbClr val="000000"/>
-              </a:solidFill>
               <a:latin typeface="Arial"/>
             </a:endParaRPr>
           </a:p>
@@ -5138,17 +4786,11 @@
             </a:pPr>
             <a:r>
               <a:rPr b="0" lang="en-US" sz="1800" spc="-1" strike="noStrike">
-                <a:solidFill>
-                  <a:srgbClr val="000000"/>
-                </a:solidFill>
                 <a:latin typeface="Arial"/>
               </a:rPr>
               <a:t>Fourth Outline Level</a:t>
             </a:r>
             <a:endParaRPr b="0" lang="en-US" sz="1800" spc="-1" strike="noStrike">
-              <a:solidFill>
-                <a:srgbClr val="000000"/>
-              </a:solidFill>
               <a:latin typeface="Arial"/>
             </a:endParaRPr>
           </a:p>
@@ -5165,18 +4807,12 @@
               <a:buChar char=""/>
             </a:pPr>
             <a:r>
-              <a:rPr b="0" lang="en-US" sz="2000" spc="-1" strike="noStrike">
-                <a:solidFill>
-                  <a:srgbClr val="000000"/>
-                </a:solidFill>
+              <a:rPr b="0" lang="en-US" sz="1800" spc="-1" strike="noStrike">
                 <a:latin typeface="Arial"/>
               </a:rPr>
               <a:t>Fifth Outline Level</a:t>
             </a:r>
-            <a:endParaRPr b="0" lang="en-US" sz="2000" spc="-1" strike="noStrike">
-              <a:solidFill>
-                <a:srgbClr val="000000"/>
-              </a:solidFill>
+            <a:endParaRPr b="0" lang="en-US" sz="1800" spc="-1" strike="noStrike">
               <a:latin typeface="Arial"/>
             </a:endParaRPr>
           </a:p>
@@ -5193,18 +4829,12 @@
               <a:buChar char=""/>
             </a:pPr>
             <a:r>
-              <a:rPr b="0" lang="en-US" sz="2000" spc="-1" strike="noStrike">
-                <a:solidFill>
-                  <a:srgbClr val="000000"/>
-                </a:solidFill>
+              <a:rPr b="0" lang="en-US" sz="1800" spc="-1" strike="noStrike">
                 <a:latin typeface="Arial"/>
               </a:rPr>
               <a:t>Sixth Outline Level</a:t>
             </a:r>
-            <a:endParaRPr b="0" lang="en-US" sz="2000" spc="-1" strike="noStrike">
-              <a:solidFill>
-                <a:srgbClr val="000000"/>
-              </a:solidFill>
+            <a:endParaRPr b="0" lang="en-US" sz="1800" spc="-1" strike="noStrike">
               <a:latin typeface="Arial"/>
             </a:endParaRPr>
           </a:p>
@@ -5221,18 +4851,12 @@
               <a:buChar char=""/>
             </a:pPr>
             <a:r>
-              <a:rPr b="0" lang="en-US" sz="2000" spc="-1" strike="noStrike">
-                <a:solidFill>
-                  <a:srgbClr val="000000"/>
-                </a:solidFill>
+              <a:rPr b="0" lang="en-US" sz="1800" spc="-1" strike="noStrike">
                 <a:latin typeface="Arial"/>
               </a:rPr>
               <a:t>Seventh Outline Level</a:t>
             </a:r>
-            <a:endParaRPr b="0" lang="en-US" sz="2000" spc="-1" strike="noStrike">
-              <a:solidFill>
-                <a:srgbClr val="000000"/>
-              </a:solidFill>
+            <a:endParaRPr b="0" lang="en-US" sz="1800" spc="-1" strike="noStrike">
               <a:latin typeface="Arial"/>
             </a:endParaRPr>
           </a:p>
@@ -5295,7 +4919,7 @@
         <p:spPr>
           <a:xfrm>
             <a:off x="457200" y="274680"/>
-            <a:ext cx="8228880" cy="1142280"/>
+            <a:ext cx="8228520" cy="1141920"/>
           </a:xfrm>
           <a:prstGeom prst="rect">
             <a:avLst/>
@@ -5306,17 +4930,11 @@
           <a:p>
             <a:r>
               <a:rPr b="0" lang="en-US" sz="1800" spc="-1" strike="noStrike">
-                <a:solidFill>
-                  <a:srgbClr val="000000"/>
-                </a:solidFill>
                 <a:latin typeface="Arial"/>
               </a:rPr>
               <a:t>Click to edit the title text format</a:t>
             </a:r>
             <a:endParaRPr b="0" lang="en-US" sz="1800" spc="-1" strike="noStrike">
-              <a:solidFill>
-                <a:srgbClr val="000000"/>
-              </a:solidFill>
               <a:latin typeface="Arial"/>
             </a:endParaRPr>
           </a:p>
@@ -5335,7 +4953,7 @@
         <p:spPr>
           <a:xfrm>
             <a:off x="457200" y="1604520"/>
-            <a:ext cx="8229240" cy="3977280"/>
+            <a:ext cx="8228880" cy="3976920"/>
           </a:xfrm>
           <a:prstGeom prst="rect">
             <a:avLst/>
@@ -5359,17 +4977,11 @@
             </a:pPr>
             <a:r>
               <a:rPr b="0" lang="en-US" sz="1800" spc="-1" strike="noStrike">
-                <a:solidFill>
-                  <a:srgbClr val="000000"/>
-                </a:solidFill>
                 <a:latin typeface="Arial"/>
               </a:rPr>
               <a:t>Click to edit the outline text format</a:t>
             </a:r>
             <a:endParaRPr b="0" lang="en-US" sz="1800" spc="-1" strike="noStrike">
-              <a:solidFill>
-                <a:srgbClr val="000000"/>
-              </a:solidFill>
               <a:latin typeface="Arial"/>
             </a:endParaRPr>
           </a:p>
@@ -5387,17 +4999,11 @@
             </a:pPr>
             <a:r>
               <a:rPr b="0" lang="en-US" sz="1800" spc="-1" strike="noStrike">
-                <a:solidFill>
-                  <a:srgbClr val="000000"/>
-                </a:solidFill>
                 <a:latin typeface="Arial"/>
               </a:rPr>
               <a:t>Second Outline Level</a:t>
             </a:r>
             <a:endParaRPr b="0" lang="en-US" sz="1800" spc="-1" strike="noStrike">
-              <a:solidFill>
-                <a:srgbClr val="000000"/>
-              </a:solidFill>
               <a:latin typeface="Arial"/>
             </a:endParaRPr>
           </a:p>
@@ -5415,17 +5021,11 @@
             </a:pPr>
             <a:r>
               <a:rPr b="0" lang="en-US" sz="1800" spc="-1" strike="noStrike">
-                <a:solidFill>
-                  <a:srgbClr val="000000"/>
-                </a:solidFill>
                 <a:latin typeface="Arial"/>
               </a:rPr>
               <a:t>Third Outline Level</a:t>
             </a:r>
             <a:endParaRPr b="0" lang="en-US" sz="1800" spc="-1" strike="noStrike">
-              <a:solidFill>
-                <a:srgbClr val="000000"/>
-              </a:solidFill>
               <a:latin typeface="Arial"/>
             </a:endParaRPr>
           </a:p>
@@ -5443,17 +5043,11 @@
             </a:pPr>
             <a:r>
               <a:rPr b="0" lang="en-US" sz="1800" spc="-1" strike="noStrike">
-                <a:solidFill>
-                  <a:srgbClr val="000000"/>
-                </a:solidFill>
                 <a:latin typeface="Arial"/>
               </a:rPr>
               <a:t>Fourth Outline Level</a:t>
             </a:r>
             <a:endParaRPr b="0" lang="en-US" sz="1800" spc="-1" strike="noStrike">
-              <a:solidFill>
-                <a:srgbClr val="000000"/>
-              </a:solidFill>
               <a:latin typeface="Arial"/>
             </a:endParaRPr>
           </a:p>
@@ -5470,18 +5064,12 @@
               <a:buChar char=""/>
             </a:pPr>
             <a:r>
-              <a:rPr b="0" lang="en-US" sz="2000" spc="-1" strike="noStrike">
-                <a:solidFill>
-                  <a:srgbClr val="000000"/>
-                </a:solidFill>
+              <a:rPr b="0" lang="en-US" sz="1800" spc="-1" strike="noStrike">
                 <a:latin typeface="Arial"/>
               </a:rPr>
               <a:t>Fifth Outline Level</a:t>
             </a:r>
-            <a:endParaRPr b="0" lang="en-US" sz="2000" spc="-1" strike="noStrike">
-              <a:solidFill>
-                <a:srgbClr val="000000"/>
-              </a:solidFill>
+            <a:endParaRPr b="0" lang="en-US" sz="1800" spc="-1" strike="noStrike">
               <a:latin typeface="Arial"/>
             </a:endParaRPr>
           </a:p>
@@ -5498,18 +5086,12 @@
               <a:buChar char=""/>
             </a:pPr>
             <a:r>
-              <a:rPr b="0" lang="en-US" sz="2000" spc="-1" strike="noStrike">
-                <a:solidFill>
-                  <a:srgbClr val="000000"/>
-                </a:solidFill>
+              <a:rPr b="0" lang="en-US" sz="1800" spc="-1" strike="noStrike">
                 <a:latin typeface="Arial"/>
               </a:rPr>
               <a:t>Sixth Outline Level</a:t>
             </a:r>
-            <a:endParaRPr b="0" lang="en-US" sz="2000" spc="-1" strike="noStrike">
-              <a:solidFill>
-                <a:srgbClr val="000000"/>
-              </a:solidFill>
+            <a:endParaRPr b="0" lang="en-US" sz="1800" spc="-1" strike="noStrike">
               <a:latin typeface="Arial"/>
             </a:endParaRPr>
           </a:p>
@@ -5526,18 +5108,12 @@
               <a:buChar char=""/>
             </a:pPr>
             <a:r>
-              <a:rPr b="0" lang="en-US" sz="2000" spc="-1" strike="noStrike">
-                <a:solidFill>
-                  <a:srgbClr val="000000"/>
-                </a:solidFill>
+              <a:rPr b="0" lang="en-US" sz="1800" spc="-1" strike="noStrike">
                 <a:latin typeface="Arial"/>
               </a:rPr>
               <a:t>Seventh Outline Level</a:t>
             </a:r>
-            <a:endParaRPr b="0" lang="en-US" sz="2000" spc="-1" strike="noStrike">
-              <a:solidFill>
-                <a:srgbClr val="000000"/>
-              </a:solidFill>
+            <a:endParaRPr b="0" lang="en-US" sz="1800" spc="-1" strike="noStrike">
               <a:latin typeface="Arial"/>
             </a:endParaRPr>
           </a:p>
@@ -5588,8 +5164,8 @@
         </p:nvSpPr>
         <p:spPr>
           <a:xfrm rot="5400000">
-            <a:off x="3910320" y="2349360"/>
-            <a:ext cx="2091600" cy="1735920"/>
+            <a:off x="3910680" y="2349360"/>
+            <a:ext cx="2091240" cy="1735560"/>
           </a:xfrm>
           <a:prstGeom prst="rect">
             <a:avLst/>
@@ -5785,7 +5361,7 @@
         <p:spPr>
           <a:xfrm>
             <a:off x="3855600" y="336600"/>
-            <a:ext cx="1253880" cy="364320"/>
+            <a:ext cx="1253520" cy="363960"/>
           </a:xfrm>
           <a:prstGeom prst="rect">
             <a:avLst/>
@@ -6020,7 +5596,7 @@
         <p:spPr>
           <a:xfrm>
             <a:off x="7938720" y="1004400"/>
-            <a:ext cx="1391760" cy="364320"/>
+            <a:ext cx="1391400" cy="363960"/>
           </a:xfrm>
           <a:prstGeom prst="rect">
             <a:avLst/>
@@ -6069,7 +5645,7 @@
         <p:spPr>
           <a:xfrm>
             <a:off x="2064960" y="961560"/>
-            <a:ext cx="1391760" cy="364320"/>
+            <a:ext cx="1391400" cy="363960"/>
           </a:xfrm>
           <a:prstGeom prst="rect">
             <a:avLst/>
@@ -6118,7 +5694,7 @@
         <p:spPr>
           <a:xfrm>
             <a:off x="3227760" y="992160"/>
-            <a:ext cx="1391760" cy="364320"/>
+            <a:ext cx="1391400" cy="363960"/>
           </a:xfrm>
           <a:prstGeom prst="rect">
             <a:avLst/>
@@ -6167,7 +5743,7 @@
         <p:spPr>
           <a:xfrm>
             <a:off x="4368240" y="989280"/>
-            <a:ext cx="1391760" cy="364320"/>
+            <a:ext cx="1391400" cy="363960"/>
           </a:xfrm>
           <a:prstGeom prst="rect">
             <a:avLst/>
@@ -6216,7 +5792,7 @@
         <p:spPr>
           <a:xfrm>
             <a:off x="5659560" y="992160"/>
-            <a:ext cx="1391760" cy="364320"/>
+            <a:ext cx="1391400" cy="363960"/>
           </a:xfrm>
           <a:prstGeom prst="rect">
             <a:avLst/>
@@ -6265,7 +5841,7 @@
         <p:spPr>
           <a:xfrm>
             <a:off x="6624000" y="1005480"/>
-            <a:ext cx="1391760" cy="364320"/>
+            <a:ext cx="1391400" cy="363960"/>
           </a:xfrm>
           <a:prstGeom prst="rect">
             <a:avLst/>
@@ -6314,7 +5890,7 @@
         <p:spPr>
           <a:xfrm>
             <a:off x="550080" y="973800"/>
-            <a:ext cx="1391760" cy="364320"/>
+            <a:ext cx="1391400" cy="363960"/>
           </a:xfrm>
           <a:prstGeom prst="rect">
             <a:avLst/>
@@ -6394,7 +5970,7 @@
         <p:spPr>
           <a:xfrm>
             <a:off x="183600" y="1422720"/>
-            <a:ext cx="1650960" cy="364320"/>
+            <a:ext cx="1650600" cy="363960"/>
           </a:xfrm>
           <a:prstGeom prst="rect">
             <a:avLst/>
@@ -6443,7 +6019,7 @@
         <p:spPr>
           <a:xfrm>
             <a:off x="2144160" y="1438200"/>
-            <a:ext cx="296640" cy="364320"/>
+            <a:ext cx="296280" cy="363960"/>
           </a:xfrm>
           <a:prstGeom prst="rect">
             <a:avLst/>
@@ -6492,7 +6068,7 @@
         <p:spPr>
           <a:xfrm>
             <a:off x="3248640" y="1468800"/>
-            <a:ext cx="950400" cy="364320"/>
+            <a:ext cx="950040" cy="363960"/>
           </a:xfrm>
           <a:prstGeom prst="rect">
             <a:avLst/>
@@ -6541,7 +6117,7 @@
         <p:spPr>
           <a:xfrm>
             <a:off x="4377960" y="1438200"/>
-            <a:ext cx="296640" cy="364320"/>
+            <a:ext cx="296280" cy="363960"/>
           </a:xfrm>
           <a:prstGeom prst="rect">
             <a:avLst/>
@@ -6590,7 +6166,7 @@
         <p:spPr>
           <a:xfrm>
             <a:off x="5779080" y="1422720"/>
-            <a:ext cx="528120" cy="364320"/>
+            <a:ext cx="527760" cy="363960"/>
           </a:xfrm>
           <a:prstGeom prst="rect">
             <a:avLst/>
@@ -6639,7 +6215,7 @@
         <p:spPr>
           <a:xfrm>
             <a:off x="6660720" y="1407600"/>
-            <a:ext cx="635040" cy="364320"/>
+            <a:ext cx="634680" cy="363960"/>
           </a:xfrm>
           <a:prstGeom prst="rect">
             <a:avLst/>
@@ -6688,7 +6264,7 @@
         <p:spPr>
           <a:xfrm>
             <a:off x="7907760" y="1438200"/>
-            <a:ext cx="479520" cy="364320"/>
+            <a:ext cx="479160" cy="363960"/>
           </a:xfrm>
           <a:prstGeom prst="rect">
             <a:avLst/>
@@ -6768,7 +6344,7 @@
         <p:spPr>
           <a:xfrm>
             <a:off x="181440" y="1866600"/>
-            <a:ext cx="1916640" cy="638640"/>
+            <a:ext cx="1916280" cy="638280"/>
           </a:xfrm>
           <a:prstGeom prst="rect">
             <a:avLst/>
@@ -6837,7 +6413,7 @@
         <p:spPr>
           <a:xfrm>
             <a:off x="2147040" y="2065320"/>
-            <a:ext cx="635040" cy="364320"/>
+            <a:ext cx="634680" cy="363960"/>
           </a:xfrm>
           <a:prstGeom prst="rect">
             <a:avLst/>
@@ -6886,7 +6462,7 @@
         <p:spPr>
           <a:xfrm>
             <a:off x="3256920" y="2065320"/>
-            <a:ext cx="950400" cy="364320"/>
+            <a:ext cx="950040" cy="363960"/>
           </a:xfrm>
           <a:prstGeom prst="rect">
             <a:avLst/>
@@ -6935,7 +6511,7 @@
         <p:spPr>
           <a:xfrm>
             <a:off x="4380840" y="2065320"/>
-            <a:ext cx="635040" cy="364320"/>
+            <a:ext cx="634680" cy="363960"/>
           </a:xfrm>
           <a:prstGeom prst="rect">
             <a:avLst/>
@@ -6984,7 +6560,7 @@
         <p:spPr>
           <a:xfrm>
             <a:off x="5794560" y="2065320"/>
-            <a:ext cx="528120" cy="364320"/>
+            <a:ext cx="527760" cy="363960"/>
           </a:xfrm>
           <a:prstGeom prst="rect">
             <a:avLst/>
@@ -7033,7 +6609,7 @@
         <p:spPr>
           <a:xfrm>
             <a:off x="6660720" y="2065320"/>
-            <a:ext cx="635040" cy="364320"/>
+            <a:ext cx="634680" cy="363960"/>
           </a:xfrm>
           <a:prstGeom prst="rect">
             <a:avLst/>
@@ -7082,7 +6658,7 @@
         <p:spPr>
           <a:xfrm>
             <a:off x="7914600" y="2065320"/>
-            <a:ext cx="479520" cy="364320"/>
+            <a:ext cx="479160" cy="363960"/>
           </a:xfrm>
           <a:prstGeom prst="rect">
             <a:avLst/>
@@ -7162,7 +6738,7 @@
         <p:spPr>
           <a:xfrm>
             <a:off x="207360" y="2937600"/>
-            <a:ext cx="1280880" cy="638640"/>
+            <a:ext cx="1280520" cy="638280"/>
           </a:xfrm>
           <a:prstGeom prst="rect">
             <a:avLst/>
@@ -7231,7 +6807,7 @@
         <p:spPr>
           <a:xfrm>
             <a:off x="2147040" y="2968200"/>
-            <a:ext cx="635040" cy="364320"/>
+            <a:ext cx="634680" cy="363960"/>
           </a:xfrm>
           <a:prstGeom prst="rect">
             <a:avLst/>
@@ -7280,7 +6856,7 @@
         <p:spPr>
           <a:xfrm>
             <a:off x="3248640" y="2983320"/>
-            <a:ext cx="950400" cy="364320"/>
+            <a:ext cx="950040" cy="363960"/>
           </a:xfrm>
           <a:prstGeom prst="rect">
             <a:avLst/>
@@ -7329,7 +6905,7 @@
         <p:spPr>
           <a:xfrm>
             <a:off x="4395240" y="2952720"/>
-            <a:ext cx="547920" cy="364320"/>
+            <a:ext cx="547560" cy="363960"/>
           </a:xfrm>
           <a:prstGeom prst="rect">
             <a:avLst/>
@@ -7378,7 +6954,7 @@
         <p:spPr>
           <a:xfrm>
             <a:off x="5801400" y="2967480"/>
-            <a:ext cx="528120" cy="364320"/>
+            <a:ext cx="527760" cy="363960"/>
           </a:xfrm>
           <a:prstGeom prst="rect">
             <a:avLst/>
@@ -7427,7 +7003,7 @@
         <p:spPr>
           <a:xfrm>
             <a:off x="6676200" y="2983320"/>
-            <a:ext cx="635040" cy="364320"/>
+            <a:ext cx="634680" cy="363960"/>
           </a:xfrm>
           <a:prstGeom prst="rect">
             <a:avLst/>
@@ -7476,7 +7052,7 @@
         <p:spPr>
           <a:xfrm>
             <a:off x="7922160" y="2952720"/>
-            <a:ext cx="479520" cy="364320"/>
+            <a:ext cx="479160" cy="363960"/>
           </a:xfrm>
           <a:prstGeom prst="rect">
             <a:avLst/>
@@ -7556,7 +7132,7 @@
         <p:spPr>
           <a:xfrm>
             <a:off x="196920" y="3793680"/>
-            <a:ext cx="1619280" cy="638640"/>
+            <a:ext cx="1618920" cy="638280"/>
           </a:xfrm>
           <a:prstGeom prst="rect">
             <a:avLst/>
@@ -7625,7 +7201,7 @@
         <p:spPr>
           <a:xfrm>
             <a:off x="2146320" y="3824280"/>
-            <a:ext cx="635040" cy="364320"/>
+            <a:ext cx="634680" cy="363960"/>
           </a:xfrm>
           <a:prstGeom prst="rect">
             <a:avLst/>
@@ -7674,7 +7250,7 @@
         <p:spPr>
           <a:xfrm>
             <a:off x="3248280" y="3839400"/>
-            <a:ext cx="950400" cy="364320"/>
+            <a:ext cx="950040" cy="363960"/>
           </a:xfrm>
           <a:prstGeom prst="rect">
             <a:avLst/>
@@ -7723,7 +7299,7 @@
         <p:spPr>
           <a:xfrm>
             <a:off x="4394520" y="3808800"/>
-            <a:ext cx="547920" cy="364320"/>
+            <a:ext cx="547560" cy="363960"/>
           </a:xfrm>
           <a:prstGeom prst="rect">
             <a:avLst/>
@@ -7772,7 +7348,7 @@
         <p:spPr>
           <a:xfrm>
             <a:off x="5816160" y="3823560"/>
-            <a:ext cx="528120" cy="364320"/>
+            <a:ext cx="527760" cy="363960"/>
           </a:xfrm>
           <a:prstGeom prst="rect">
             <a:avLst/>
@@ -7821,7 +7397,7 @@
         <p:spPr>
           <a:xfrm>
             <a:off x="6678720" y="3839400"/>
-            <a:ext cx="808560" cy="364320"/>
+            <a:ext cx="808200" cy="363960"/>
           </a:xfrm>
           <a:prstGeom prst="rect">
             <a:avLst/>
@@ -7870,7 +7446,7 @@
         <p:spPr>
           <a:xfrm>
             <a:off x="7921440" y="3808800"/>
-            <a:ext cx="479520" cy="364320"/>
+            <a:ext cx="479160" cy="363960"/>
           </a:xfrm>
           <a:prstGeom prst="rect">
             <a:avLst/>
@@ -7950,7 +7526,7 @@
         <p:spPr>
           <a:xfrm>
             <a:off x="177840" y="4619880"/>
-            <a:ext cx="1009800" cy="638640"/>
+            <a:ext cx="1009440" cy="638280"/>
           </a:xfrm>
           <a:prstGeom prst="rect">
             <a:avLst/>
@@ -8019,7 +7595,7 @@
         <p:spPr>
           <a:xfrm>
             <a:off x="2146320" y="4650480"/>
-            <a:ext cx="635040" cy="364320"/>
+            <a:ext cx="634680" cy="363960"/>
           </a:xfrm>
           <a:prstGeom prst="rect">
             <a:avLst/>
@@ -8068,7 +7644,7 @@
         <p:spPr>
           <a:xfrm>
             <a:off x="3279600" y="4665600"/>
-            <a:ext cx="557280" cy="364320"/>
+            <a:ext cx="556920" cy="363960"/>
           </a:xfrm>
           <a:prstGeom prst="rect">
             <a:avLst/>
@@ -8117,7 +7693,7 @@
         <p:spPr>
           <a:xfrm>
             <a:off x="4394520" y="4635000"/>
-            <a:ext cx="547920" cy="364320"/>
+            <a:ext cx="547560" cy="363960"/>
           </a:xfrm>
           <a:prstGeom prst="rect">
             <a:avLst/>
@@ -8166,7 +7742,7 @@
         <p:spPr>
           <a:xfrm>
             <a:off x="5891760" y="4649760"/>
-            <a:ext cx="296640" cy="364320"/>
+            <a:ext cx="296280" cy="363960"/>
           </a:xfrm>
           <a:prstGeom prst="rect">
             <a:avLst/>
@@ -8215,7 +7791,7 @@
         <p:spPr>
           <a:xfrm>
             <a:off x="6676200" y="4665600"/>
-            <a:ext cx="557280" cy="364320"/>
+            <a:ext cx="556920" cy="363960"/>
           </a:xfrm>
           <a:prstGeom prst="rect">
             <a:avLst/>
@@ -8264,7 +7840,7 @@
         <p:spPr>
           <a:xfrm>
             <a:off x="7914600" y="4635000"/>
-            <a:ext cx="557280" cy="364320"/>
+            <a:ext cx="556920" cy="363960"/>
           </a:xfrm>
           <a:prstGeom prst="rect">
             <a:avLst/>
@@ -8344,7 +7920,7 @@
         <p:spPr>
           <a:xfrm>
             <a:off x="106920" y="91800"/>
-            <a:ext cx="1743120" cy="729360"/>
+            <a:ext cx="1742760" cy="729000"/>
           </a:xfrm>
           <a:prstGeom prst="rect">
             <a:avLst/>
@@ -8433,7 +8009,7 @@
         <p:spPr>
           <a:xfrm>
             <a:off x="8292600" y="91800"/>
-            <a:ext cx="790200" cy="364320"/>
+            <a:ext cx="789840" cy="363960"/>
           </a:xfrm>
           <a:prstGeom prst="rect">
             <a:avLst/>
@@ -8482,7 +8058,7 @@
         <p:spPr>
           <a:xfrm>
             <a:off x="3715560" y="565920"/>
-            <a:ext cx="1674360" cy="364320"/>
+            <a:ext cx="1674000" cy="363960"/>
           </a:xfrm>
           <a:prstGeom prst="rect">
             <a:avLst/>
@@ -8531,7 +8107,7 @@
         <p:spPr>
           <a:xfrm>
             <a:off x="195480" y="5476680"/>
-            <a:ext cx="1517400" cy="638640"/>
+            <a:ext cx="1517040" cy="638280"/>
           </a:xfrm>
           <a:prstGeom prst="rect">
             <a:avLst/>
@@ -8600,7 +8176,7 @@
         <p:spPr>
           <a:xfrm>
             <a:off x="2176560" y="5676120"/>
-            <a:ext cx="547920" cy="364320"/>
+            <a:ext cx="547560" cy="363960"/>
           </a:xfrm>
           <a:prstGeom prst="rect">
             <a:avLst/>
@@ -8649,7 +8225,7 @@
         <p:spPr>
           <a:xfrm>
             <a:off x="4425840" y="5691240"/>
-            <a:ext cx="547920" cy="364320"/>
+            <a:ext cx="547560" cy="363960"/>
           </a:xfrm>
           <a:prstGeom prst="rect">
             <a:avLst/>
@@ -8698,7 +8274,7 @@
         <p:spPr>
           <a:xfrm>
             <a:off x="3278880" y="5691240"/>
-            <a:ext cx="768960" cy="364320"/>
+            <a:ext cx="768600" cy="363960"/>
           </a:xfrm>
           <a:prstGeom prst="rect">
             <a:avLst/>
@@ -8747,7 +8323,7 @@
         <p:spPr>
           <a:xfrm>
             <a:off x="5756400" y="5706720"/>
-            <a:ext cx="528120" cy="364320"/>
+            <a:ext cx="527760" cy="363960"/>
           </a:xfrm>
           <a:prstGeom prst="rect">
             <a:avLst/>
@@ -8796,7 +8372,7 @@
         <p:spPr>
           <a:xfrm>
             <a:off x="6705720" y="5706720"/>
-            <a:ext cx="721800" cy="364320"/>
+            <a:ext cx="721440" cy="363960"/>
           </a:xfrm>
           <a:prstGeom prst="rect">
             <a:avLst/>
@@ -8845,7 +8421,7 @@
         <p:spPr>
           <a:xfrm>
             <a:off x="7928640" y="5706720"/>
-            <a:ext cx="448920" cy="364320"/>
+            <a:ext cx="448560" cy="363960"/>
           </a:xfrm>
           <a:prstGeom prst="rect">
             <a:avLst/>
@@ -8951,7 +8527,7 @@
         <p:spPr>
           <a:xfrm>
             <a:off x="3855600" y="336600"/>
-            <a:ext cx="1253880" cy="364320"/>
+            <a:ext cx="1253520" cy="363960"/>
           </a:xfrm>
           <a:prstGeom prst="rect">
             <a:avLst/>
@@ -9186,7 +8762,7 @@
         <p:spPr>
           <a:xfrm>
             <a:off x="7938720" y="973800"/>
-            <a:ext cx="1391760" cy="364320"/>
+            <a:ext cx="1391400" cy="363960"/>
           </a:xfrm>
           <a:prstGeom prst="rect">
             <a:avLst/>
@@ -9235,7 +8811,7 @@
         <p:spPr>
           <a:xfrm>
             <a:off x="2141640" y="961560"/>
-            <a:ext cx="1391760" cy="364320"/>
+            <a:ext cx="1391400" cy="363960"/>
           </a:xfrm>
           <a:prstGeom prst="rect">
             <a:avLst/>
@@ -9284,7 +8860,7 @@
         <p:spPr>
           <a:xfrm>
             <a:off x="3426840" y="961560"/>
-            <a:ext cx="1391760" cy="364320"/>
+            <a:ext cx="1391400" cy="363960"/>
           </a:xfrm>
           <a:prstGeom prst="rect">
             <a:avLst/>
@@ -9333,7 +8909,7 @@
         <p:spPr>
           <a:xfrm>
             <a:off x="4414320" y="958680"/>
-            <a:ext cx="1391760" cy="364320"/>
+            <a:ext cx="1391400" cy="363960"/>
           </a:xfrm>
           <a:prstGeom prst="rect">
             <a:avLst/>
@@ -9382,7 +8958,7 @@
         <p:spPr>
           <a:xfrm>
             <a:off x="5659560" y="976680"/>
-            <a:ext cx="1391760" cy="364320"/>
+            <a:ext cx="1391400" cy="363960"/>
           </a:xfrm>
           <a:prstGeom prst="rect">
             <a:avLst/>
@@ -9431,7 +9007,7 @@
         <p:spPr>
           <a:xfrm>
             <a:off x="6700320" y="974880"/>
-            <a:ext cx="1391760" cy="364320"/>
+            <a:ext cx="1391400" cy="363960"/>
           </a:xfrm>
           <a:prstGeom prst="rect">
             <a:avLst/>
@@ -9480,7 +9056,7 @@
         <p:spPr>
           <a:xfrm>
             <a:off x="550080" y="943200"/>
-            <a:ext cx="1391760" cy="364320"/>
+            <a:ext cx="1391400" cy="363960"/>
           </a:xfrm>
           <a:prstGeom prst="rect">
             <a:avLst/>
@@ -9684,7 +9260,7 @@
         <p:spPr>
           <a:xfrm>
             <a:off x="8292600" y="91800"/>
-            <a:ext cx="790200" cy="364320"/>
+            <a:ext cx="789840" cy="363960"/>
           </a:xfrm>
           <a:prstGeom prst="rect">
             <a:avLst/>
@@ -9733,7 +9309,7 @@
         <p:spPr>
           <a:xfrm>
             <a:off x="3715560" y="550800"/>
-            <a:ext cx="1674360" cy="364320"/>
+            <a:ext cx="1674000" cy="363960"/>
           </a:xfrm>
           <a:prstGeom prst="rect">
             <a:avLst/>
@@ -9782,7 +9358,7 @@
         <p:spPr>
           <a:xfrm>
             <a:off x="237240" y="1330920"/>
-            <a:ext cx="1258200" cy="638640"/>
+            <a:ext cx="1257840" cy="638280"/>
           </a:xfrm>
           <a:prstGeom prst="rect">
             <a:avLst/>
@@ -9871,7 +9447,7 @@
         <p:spPr>
           <a:xfrm>
             <a:off x="239400" y="4498200"/>
-            <a:ext cx="1809720" cy="912960"/>
+            <a:ext cx="1809360" cy="912600"/>
           </a:xfrm>
           <a:prstGeom prst="rect">
             <a:avLst/>
@@ -9960,7 +9536,7 @@
         <p:spPr>
           <a:xfrm>
             <a:off x="2160720" y="1621080"/>
-            <a:ext cx="721800" cy="364320"/>
+            <a:ext cx="721440" cy="363960"/>
           </a:xfrm>
           <a:prstGeom prst="rect">
             <a:avLst/>
@@ -10009,7 +9585,7 @@
         <p:spPr>
           <a:xfrm>
             <a:off x="4395240" y="1636920"/>
-            <a:ext cx="547920" cy="364320"/>
+            <a:ext cx="547560" cy="363960"/>
           </a:xfrm>
           <a:prstGeom prst="rect">
             <a:avLst/>
@@ -10058,7 +9634,7 @@
         <p:spPr>
           <a:xfrm>
             <a:off x="241920" y="3373560"/>
-            <a:ext cx="1390680" cy="638640"/>
+            <a:ext cx="1390320" cy="638280"/>
           </a:xfrm>
           <a:prstGeom prst="rect">
             <a:avLst/>
@@ -10147,7 +9723,7 @@
         <p:spPr>
           <a:xfrm>
             <a:off x="3324960" y="1636920"/>
-            <a:ext cx="768960" cy="364320"/>
+            <a:ext cx="768600" cy="363960"/>
           </a:xfrm>
           <a:prstGeom prst="rect">
             <a:avLst/>
@@ -10196,7 +9772,7 @@
         <p:spPr>
           <a:xfrm>
             <a:off x="5725800" y="1652400"/>
-            <a:ext cx="528120" cy="364320"/>
+            <a:ext cx="527760" cy="363960"/>
           </a:xfrm>
           <a:prstGeom prst="rect">
             <a:avLst/>
@@ -10245,7 +9821,7 @@
         <p:spPr>
           <a:xfrm>
             <a:off x="6690240" y="1637280"/>
-            <a:ext cx="721800" cy="364320"/>
+            <a:ext cx="721440" cy="363960"/>
           </a:xfrm>
           <a:prstGeom prst="rect">
             <a:avLst/>
@@ -10294,7 +9870,7 @@
         <p:spPr>
           <a:xfrm>
             <a:off x="8004960" y="1621800"/>
-            <a:ext cx="448920" cy="364320"/>
+            <a:ext cx="448560" cy="363960"/>
           </a:xfrm>
           <a:prstGeom prst="rect">
             <a:avLst/>
@@ -10343,7 +9919,7 @@
         <p:spPr>
           <a:xfrm>
             <a:off x="2176560" y="3809880"/>
-            <a:ext cx="547920" cy="364320"/>
+            <a:ext cx="547560" cy="363960"/>
           </a:xfrm>
           <a:prstGeom prst="rect">
             <a:avLst/>
@@ -10392,7 +9968,7 @@
         <p:spPr>
           <a:xfrm>
             <a:off x="3324960" y="3809520"/>
-            <a:ext cx="768960" cy="364320"/>
+            <a:ext cx="768600" cy="363960"/>
           </a:xfrm>
           <a:prstGeom prst="rect">
             <a:avLst/>
@@ -10441,7 +10017,7 @@
         <p:spPr>
           <a:xfrm>
             <a:off x="4410360" y="3825000"/>
-            <a:ext cx="547920" cy="364320"/>
+            <a:ext cx="547560" cy="363960"/>
           </a:xfrm>
           <a:prstGeom prst="rect">
             <a:avLst/>
@@ -10490,7 +10066,7 @@
         <p:spPr>
           <a:xfrm>
             <a:off x="5740920" y="3825000"/>
-            <a:ext cx="528120" cy="364320"/>
+            <a:ext cx="527760" cy="363960"/>
           </a:xfrm>
           <a:prstGeom prst="rect">
             <a:avLst/>
@@ -10539,7 +10115,7 @@
         <p:spPr>
           <a:xfrm>
             <a:off x="6690240" y="3809520"/>
-            <a:ext cx="547920" cy="364320"/>
+            <a:ext cx="547560" cy="363960"/>
           </a:xfrm>
           <a:prstGeom prst="rect">
             <a:avLst/>
@@ -10588,7 +10164,7 @@
         <p:spPr>
           <a:xfrm>
             <a:off x="8004960" y="3809880"/>
-            <a:ext cx="448920" cy="364320"/>
+            <a:ext cx="448560" cy="363960"/>
           </a:xfrm>
           <a:prstGeom prst="rect">
             <a:avLst/>
@@ -10637,7 +10213,7 @@
         <p:spPr>
           <a:xfrm>
             <a:off x="2193120" y="4804200"/>
-            <a:ext cx="635040" cy="364320"/>
+            <a:ext cx="634680" cy="363960"/>
           </a:xfrm>
           <a:prstGeom prst="rect">
             <a:avLst/>
@@ -10686,7 +10262,7 @@
         <p:spPr>
           <a:xfrm>
             <a:off x="3340440" y="4819320"/>
-            <a:ext cx="768960" cy="364320"/>
+            <a:ext cx="768600" cy="363960"/>
           </a:xfrm>
           <a:prstGeom prst="rect">
             <a:avLst/>
@@ -10735,7 +10311,7 @@
         <p:spPr>
           <a:xfrm>
             <a:off x="4410360" y="4819320"/>
-            <a:ext cx="547920" cy="364320"/>
+            <a:ext cx="547560" cy="363960"/>
           </a:xfrm>
           <a:prstGeom prst="rect">
             <a:avLst/>
@@ -10784,7 +10360,7 @@
         <p:spPr>
           <a:xfrm>
             <a:off x="5740560" y="4804200"/>
-            <a:ext cx="412200" cy="364320"/>
+            <a:ext cx="411840" cy="363960"/>
           </a:xfrm>
           <a:prstGeom prst="rect">
             <a:avLst/>
@@ -10833,7 +10409,7 @@
         <p:spPr>
           <a:xfrm>
             <a:off x="8020440" y="4834800"/>
-            <a:ext cx="448920" cy="364320"/>
+            <a:ext cx="448560" cy="363960"/>
           </a:xfrm>
           <a:prstGeom prst="rect">
             <a:avLst/>
@@ -10882,7 +10458,7 @@
         <p:spPr>
           <a:xfrm>
             <a:off x="6691320" y="4819320"/>
-            <a:ext cx="635040" cy="364320"/>
+            <a:ext cx="634680" cy="363960"/>
           </a:xfrm>
           <a:prstGeom prst="rect">
             <a:avLst/>
@@ -10931,7 +10507,7 @@
         <p:spPr>
           <a:xfrm>
             <a:off x="274320" y="5524200"/>
-            <a:ext cx="2011320" cy="601920"/>
+            <a:ext cx="2010960" cy="601560"/>
           </a:xfrm>
           <a:prstGeom prst="rect">
             <a:avLst/>
@@ -10980,7 +10556,7 @@
         <p:spPr>
           <a:xfrm>
             <a:off x="2194200" y="5669280"/>
-            <a:ext cx="956520" cy="345960"/>
+            <a:ext cx="956160" cy="345600"/>
           </a:xfrm>
           <a:prstGeom prst="rect">
             <a:avLst/>
@@ -11029,7 +10605,7 @@
         <p:spPr>
           <a:xfrm>
             <a:off x="3367440" y="5669280"/>
-            <a:ext cx="882360" cy="345960"/>
+            <a:ext cx="882000" cy="345600"/>
           </a:xfrm>
           <a:prstGeom prst="rect">
             <a:avLst/>
@@ -11061,7 +10637,7 @@
                 <a:latin typeface="Arial"/>
                 <a:ea typeface="DejaVu Sans"/>
               </a:rPr>
-              <a:t>TBD</a:t>
+              <a:t>TJ</a:t>
             </a:r>
             <a:endParaRPr b="0" lang="en-US" sz="1800" spc="-1" strike="noStrike">
               <a:latin typeface="Arial"/>
@@ -11078,7 +10654,7 @@
         <p:spPr>
           <a:xfrm>
             <a:off x="4419360" y="5684400"/>
-            <a:ext cx="914040" cy="345960"/>
+            <a:ext cx="913680" cy="345600"/>
           </a:xfrm>
           <a:prstGeom prst="rect">
             <a:avLst/>
@@ -11127,7 +10703,7 @@
         <p:spPr>
           <a:xfrm>
             <a:off x="5760720" y="5669640"/>
-            <a:ext cx="1005480" cy="345960"/>
+            <a:ext cx="1005120" cy="345600"/>
           </a:xfrm>
           <a:prstGeom prst="rect">
             <a:avLst/>
@@ -11176,7 +10752,7 @@
         <p:spPr>
           <a:xfrm>
             <a:off x="6766560" y="5639040"/>
-            <a:ext cx="1005480" cy="345960"/>
+            <a:ext cx="1005120" cy="345600"/>
           </a:xfrm>
           <a:prstGeom prst="rect">
             <a:avLst/>
@@ -11225,7 +10801,7 @@
         <p:spPr>
           <a:xfrm>
             <a:off x="8030520" y="5669280"/>
-            <a:ext cx="822600" cy="345960"/>
+            <a:ext cx="822240" cy="345600"/>
           </a:xfrm>
           <a:prstGeom prst="rect">
             <a:avLst/>
@@ -11274,7 +10850,7 @@
         <p:spPr>
           <a:xfrm>
             <a:off x="236520" y="2233080"/>
-            <a:ext cx="1258200" cy="638640"/>
+            <a:ext cx="1257840" cy="638280"/>
           </a:xfrm>
           <a:prstGeom prst="rect">
             <a:avLst/>
@@ -11363,7 +10939,7 @@
         <p:spPr>
           <a:xfrm>
             <a:off x="2160000" y="2523240"/>
-            <a:ext cx="721800" cy="364320"/>
+            <a:ext cx="721440" cy="363960"/>
           </a:xfrm>
           <a:prstGeom prst="rect">
             <a:avLst/>
@@ -11412,7 +10988,7 @@
         <p:spPr>
           <a:xfrm>
             <a:off x="4394520" y="2539080"/>
-            <a:ext cx="547920" cy="364320"/>
+            <a:ext cx="547560" cy="363960"/>
           </a:xfrm>
           <a:prstGeom prst="rect">
             <a:avLst/>
@@ -11461,7 +11037,7 @@
         <p:spPr>
           <a:xfrm>
             <a:off x="3324240" y="2539080"/>
-            <a:ext cx="768960" cy="364320"/>
+            <a:ext cx="768600" cy="363960"/>
           </a:xfrm>
           <a:prstGeom prst="rect">
             <a:avLst/>
@@ -11510,7 +11086,7 @@
         <p:spPr>
           <a:xfrm>
             <a:off x="5725080" y="2554560"/>
-            <a:ext cx="528120" cy="364320"/>
+            <a:ext cx="527760" cy="363960"/>
           </a:xfrm>
           <a:prstGeom prst="rect">
             <a:avLst/>
@@ -11559,7 +11135,7 @@
         <p:spPr>
           <a:xfrm>
             <a:off x="6689520" y="2539080"/>
-            <a:ext cx="721800" cy="364320"/>
+            <a:ext cx="721440" cy="363960"/>
           </a:xfrm>
           <a:prstGeom prst="rect">
             <a:avLst/>
@@ -11608,7 +11184,7 @@
         <p:spPr>
           <a:xfrm>
             <a:off x="8004240" y="2523960"/>
-            <a:ext cx="448920" cy="364320"/>
+            <a:ext cx="448560" cy="363960"/>
           </a:xfrm>
           <a:prstGeom prst="rect">
             <a:avLst/>
@@ -11714,7 +11290,7 @@
         <p:spPr>
           <a:xfrm>
             <a:off x="3794400" y="336600"/>
-            <a:ext cx="1253880" cy="364320"/>
+            <a:ext cx="1253520" cy="363960"/>
           </a:xfrm>
           <a:prstGeom prst="rect">
             <a:avLst/>
@@ -11949,7 +11525,7 @@
         <p:spPr>
           <a:xfrm>
             <a:off x="7877520" y="973800"/>
-            <a:ext cx="1391760" cy="364320"/>
+            <a:ext cx="1391400" cy="363960"/>
           </a:xfrm>
           <a:prstGeom prst="rect">
             <a:avLst/>
@@ -11998,7 +11574,7 @@
         <p:spPr>
           <a:xfrm>
             <a:off x="2080440" y="961560"/>
-            <a:ext cx="1391760" cy="364320"/>
+            <a:ext cx="1391400" cy="363960"/>
           </a:xfrm>
           <a:prstGeom prst="rect">
             <a:avLst/>
@@ -12047,7 +11623,7 @@
         <p:spPr>
           <a:xfrm>
             <a:off x="3365640" y="961560"/>
-            <a:ext cx="1391760" cy="364320"/>
+            <a:ext cx="1391400" cy="363960"/>
           </a:xfrm>
           <a:prstGeom prst="rect">
             <a:avLst/>
@@ -12096,7 +11672,7 @@
         <p:spPr>
           <a:xfrm>
             <a:off x="4353120" y="958680"/>
-            <a:ext cx="1391760" cy="364320"/>
+            <a:ext cx="1391400" cy="363960"/>
           </a:xfrm>
           <a:prstGeom prst="rect">
             <a:avLst/>
@@ -12145,7 +11721,7 @@
         <p:spPr>
           <a:xfrm>
             <a:off x="5598360" y="976680"/>
-            <a:ext cx="1391760" cy="364320"/>
+            <a:ext cx="1391400" cy="363960"/>
           </a:xfrm>
           <a:prstGeom prst="rect">
             <a:avLst/>
@@ -12194,7 +11770,7 @@
         <p:spPr>
           <a:xfrm>
             <a:off x="6639120" y="974880"/>
-            <a:ext cx="1391760" cy="364320"/>
+            <a:ext cx="1391400" cy="363960"/>
           </a:xfrm>
           <a:prstGeom prst="rect">
             <a:avLst/>
@@ -12243,7 +11819,7 @@
         <p:spPr>
           <a:xfrm>
             <a:off x="488880" y="943200"/>
-            <a:ext cx="1391760" cy="364320"/>
+            <a:ext cx="1391400" cy="363960"/>
           </a:xfrm>
           <a:prstGeom prst="rect">
             <a:avLst/>
@@ -12447,7 +12023,7 @@
         <p:spPr>
           <a:xfrm>
             <a:off x="8292600" y="91800"/>
-            <a:ext cx="790200" cy="364320"/>
+            <a:ext cx="789840" cy="363960"/>
           </a:xfrm>
           <a:prstGeom prst="rect">
             <a:avLst/>
@@ -12496,7 +12072,7 @@
         <p:spPr>
           <a:xfrm>
             <a:off x="91440" y="1463040"/>
-            <a:ext cx="2011320" cy="857880"/>
+            <a:ext cx="2010960" cy="857520"/>
           </a:xfrm>
           <a:prstGeom prst="rect">
             <a:avLst/>
@@ -12545,7 +12121,7 @@
         <p:spPr>
           <a:xfrm>
             <a:off x="2070720" y="1608120"/>
-            <a:ext cx="956520" cy="345960"/>
+            <a:ext cx="956160" cy="345600"/>
           </a:xfrm>
           <a:prstGeom prst="rect">
             <a:avLst/>
@@ -12594,7 +12170,7 @@
         <p:spPr>
           <a:xfrm>
             <a:off x="3243960" y="1608120"/>
-            <a:ext cx="882360" cy="345960"/>
+            <a:ext cx="882000" cy="345600"/>
           </a:xfrm>
           <a:prstGeom prst="rect">
             <a:avLst/>
@@ -12643,7 +12219,7 @@
         <p:spPr>
           <a:xfrm>
             <a:off x="4510080" y="1607760"/>
-            <a:ext cx="914040" cy="345960"/>
+            <a:ext cx="913680" cy="345600"/>
           </a:xfrm>
           <a:prstGeom prst="rect">
             <a:avLst/>
@@ -12692,7 +12268,7 @@
         <p:spPr>
           <a:xfrm>
             <a:off x="5790240" y="1608480"/>
-            <a:ext cx="1005480" cy="345960"/>
+            <a:ext cx="1005120" cy="345600"/>
           </a:xfrm>
           <a:prstGeom prst="rect">
             <a:avLst/>
@@ -12741,7 +12317,7 @@
         <p:spPr>
           <a:xfrm>
             <a:off x="6796080" y="1623600"/>
-            <a:ext cx="1005480" cy="345960"/>
+            <a:ext cx="1005120" cy="345600"/>
           </a:xfrm>
           <a:prstGeom prst="rect">
             <a:avLst/>
@@ -12790,7 +12366,7 @@
         <p:spPr>
           <a:xfrm>
             <a:off x="7998840" y="1623240"/>
-            <a:ext cx="822600" cy="345960"/>
+            <a:ext cx="822240" cy="345600"/>
           </a:xfrm>
           <a:prstGeom prst="rect">
             <a:avLst/>
@@ -12832,26 +12408,37 @@
       </p:sp>
       <p:sp>
         <p:nvSpPr>
-          <p:cNvPr id="269" name="TextShape 28"/>
-          <p:cNvSpPr txBox="1"/>
+          <p:cNvPr id="269" name="CustomShape 28"/>
+          <p:cNvSpPr/>
           <p:nvPr/>
         </p:nvSpPr>
         <p:spPr>
           <a:xfrm>
             <a:off x="91440" y="2743200"/>
-            <a:ext cx="1737360" cy="858240"/>
-          </a:xfrm>
-          <a:prstGeom prst="rect">
-            <a:avLst/>
-          </a:prstGeom>
-          <a:noFill/>
-          <a:ln>
-            <a:noFill/>
-          </a:ln>
-        </p:spPr>
+            <a:ext cx="1737000" cy="857880"/>
+          </a:xfrm>
+          <a:prstGeom prst="rect">
+            <a:avLst/>
+          </a:prstGeom>
+          <a:noFill/>
+          <a:ln>
+            <a:noFill/>
+          </a:ln>
+        </p:spPr>
+        <p:style>
+          <a:lnRef idx="0"/>
+          <a:fillRef idx="0"/>
+          <a:effectRef idx="0"/>
+          <a:fontRef idx="minor"/>
+        </p:style>
         <p:txBody>
           <a:bodyPr lIns="90000" rIns="90000" tIns="45000" bIns="45000"/>
           <a:p>
+            <a:pPr>
+              <a:lnSpc>
+                <a:spcPct val="100000"/>
+              </a:lnSpc>
+            </a:pPr>
             <a:r>
               <a:rPr b="0" lang="en-US" sz="1800" spc="-1" strike="noStrike">
                 <a:latin typeface="Arial"/>
@@ -12866,26 +12453,37 @@
       </p:sp>
       <p:sp>
         <p:nvSpPr>
-          <p:cNvPr id="270" name="TextShape 29"/>
-          <p:cNvSpPr txBox="1"/>
+          <p:cNvPr id="270" name="CustomShape 29"/>
+          <p:cNvSpPr/>
           <p:nvPr/>
         </p:nvSpPr>
         <p:spPr>
           <a:xfrm>
             <a:off x="2103120" y="2743200"/>
-            <a:ext cx="1005840" cy="346320"/>
-          </a:xfrm>
-          <a:prstGeom prst="rect">
-            <a:avLst/>
-          </a:prstGeom>
-          <a:noFill/>
-          <a:ln>
-            <a:noFill/>
-          </a:ln>
-        </p:spPr>
+            <a:ext cx="1005480" cy="345960"/>
+          </a:xfrm>
+          <a:prstGeom prst="rect">
+            <a:avLst/>
+          </a:prstGeom>
+          <a:noFill/>
+          <a:ln>
+            <a:noFill/>
+          </a:ln>
+        </p:spPr>
+        <p:style>
+          <a:lnRef idx="0"/>
+          <a:fillRef idx="0"/>
+          <a:effectRef idx="0"/>
+          <a:fontRef idx="minor"/>
+        </p:style>
         <p:txBody>
           <a:bodyPr lIns="90000" rIns="90000" tIns="45000" bIns="45000"/>
           <a:p>
+            <a:pPr>
+              <a:lnSpc>
+                <a:spcPct val="100000"/>
+              </a:lnSpc>
+            </a:pPr>
             <a:r>
               <a:rPr b="0" lang="en-US" sz="1800" spc="-1" strike="noStrike">
                 <a:latin typeface="Arial"/>
@@ -12900,26 +12498,37 @@
       </p:sp>
       <p:sp>
         <p:nvSpPr>
-          <p:cNvPr id="271" name="TextShape 30"/>
-          <p:cNvSpPr txBox="1"/>
+          <p:cNvPr id="271" name="CustomShape 30"/>
+          <p:cNvSpPr/>
           <p:nvPr/>
         </p:nvSpPr>
         <p:spPr>
           <a:xfrm>
             <a:off x="3212280" y="2743200"/>
-            <a:ext cx="1053360" cy="602280"/>
-          </a:xfrm>
-          <a:prstGeom prst="rect">
-            <a:avLst/>
-          </a:prstGeom>
-          <a:noFill/>
-          <a:ln>
-            <a:noFill/>
-          </a:ln>
-        </p:spPr>
+            <a:ext cx="1053000" cy="601920"/>
+          </a:xfrm>
+          <a:prstGeom prst="rect">
+            <a:avLst/>
+          </a:prstGeom>
+          <a:noFill/>
+          <a:ln>
+            <a:noFill/>
+          </a:ln>
+        </p:spPr>
+        <p:style>
+          <a:lnRef idx="0"/>
+          <a:fillRef idx="0"/>
+          <a:effectRef idx="0"/>
+          <a:fontRef idx="minor"/>
+        </p:style>
         <p:txBody>
           <a:bodyPr lIns="90000" rIns="90000" tIns="45000" bIns="45000"/>
           <a:p>
+            <a:pPr>
+              <a:lnSpc>
+                <a:spcPct val="100000"/>
+              </a:lnSpc>
+            </a:pPr>
             <a:r>
               <a:rPr b="0" lang="en-US" sz="1800" spc="-1" strike="noStrike">
                 <a:latin typeface="Arial"/>
@@ -12934,26 +12543,37 @@
       </p:sp>
       <p:sp>
         <p:nvSpPr>
-          <p:cNvPr id="272" name="TextShape 31"/>
-          <p:cNvSpPr txBox="1"/>
+          <p:cNvPr id="272" name="CustomShape 31"/>
+          <p:cNvSpPr/>
           <p:nvPr/>
         </p:nvSpPr>
         <p:spPr>
           <a:xfrm>
             <a:off x="4480560" y="2834640"/>
-            <a:ext cx="914400" cy="346320"/>
-          </a:xfrm>
-          <a:prstGeom prst="rect">
-            <a:avLst/>
-          </a:prstGeom>
-          <a:noFill/>
-          <a:ln>
-            <a:noFill/>
-          </a:ln>
-        </p:spPr>
+            <a:ext cx="914040" cy="345960"/>
+          </a:xfrm>
+          <a:prstGeom prst="rect">
+            <a:avLst/>
+          </a:prstGeom>
+          <a:noFill/>
+          <a:ln>
+            <a:noFill/>
+          </a:ln>
+        </p:spPr>
+        <p:style>
+          <a:lnRef idx="0"/>
+          <a:fillRef idx="0"/>
+          <a:effectRef idx="0"/>
+          <a:fontRef idx="minor"/>
+        </p:style>
         <p:txBody>
           <a:bodyPr lIns="90000" rIns="90000" tIns="45000" bIns="45000"/>
           <a:p>
+            <a:pPr>
+              <a:lnSpc>
+                <a:spcPct val="100000"/>
+              </a:lnSpc>
+            </a:pPr>
             <a:r>
               <a:rPr b="0" lang="en-US" sz="1800" spc="-1" strike="noStrike">
                 <a:latin typeface="Arial"/>
@@ -12968,26 +12588,37 @@
       </p:sp>
       <p:sp>
         <p:nvSpPr>
-          <p:cNvPr id="273" name="TextShape 32"/>
-          <p:cNvSpPr txBox="1"/>
+          <p:cNvPr id="273" name="CustomShape 32"/>
+          <p:cNvSpPr/>
           <p:nvPr/>
         </p:nvSpPr>
         <p:spPr>
           <a:xfrm>
             <a:off x="5760720" y="2743200"/>
-            <a:ext cx="786600" cy="346320"/>
-          </a:xfrm>
-          <a:prstGeom prst="rect">
-            <a:avLst/>
-          </a:prstGeom>
-          <a:noFill/>
-          <a:ln>
-            <a:noFill/>
-          </a:ln>
-        </p:spPr>
+            <a:ext cx="786240" cy="345960"/>
+          </a:xfrm>
+          <a:prstGeom prst="rect">
+            <a:avLst/>
+          </a:prstGeom>
+          <a:noFill/>
+          <a:ln>
+            <a:noFill/>
+          </a:ln>
+        </p:spPr>
+        <p:style>
+          <a:lnRef idx="0"/>
+          <a:fillRef idx="0"/>
+          <a:effectRef idx="0"/>
+          <a:fontRef idx="minor"/>
+        </p:style>
         <p:txBody>
           <a:bodyPr lIns="90000" rIns="90000" tIns="45000" bIns="45000"/>
           <a:p>
+            <a:pPr>
+              <a:lnSpc>
+                <a:spcPct val="100000"/>
+              </a:lnSpc>
+            </a:pPr>
             <a:r>
               <a:rPr b="0" lang="en-US" sz="1800" spc="-1" strike="noStrike">
                 <a:latin typeface="Arial"/>
@@ -13002,26 +12633,37 @@
       </p:sp>
       <p:sp>
         <p:nvSpPr>
-          <p:cNvPr id="274" name="TextShape 33"/>
-          <p:cNvSpPr txBox="1"/>
+          <p:cNvPr id="274" name="CustomShape 33"/>
+          <p:cNvSpPr/>
           <p:nvPr/>
         </p:nvSpPr>
         <p:spPr>
           <a:xfrm>
             <a:off x="6675120" y="2834640"/>
-            <a:ext cx="914400" cy="346320"/>
-          </a:xfrm>
-          <a:prstGeom prst="rect">
-            <a:avLst/>
-          </a:prstGeom>
-          <a:noFill/>
-          <a:ln>
-            <a:noFill/>
-          </a:ln>
-        </p:spPr>
+            <a:ext cx="914040" cy="345960"/>
+          </a:xfrm>
+          <a:prstGeom prst="rect">
+            <a:avLst/>
+          </a:prstGeom>
+          <a:noFill/>
+          <a:ln>
+            <a:noFill/>
+          </a:ln>
+        </p:spPr>
+        <p:style>
+          <a:lnRef idx="0"/>
+          <a:fillRef idx="0"/>
+          <a:effectRef idx="0"/>
+          <a:fontRef idx="minor"/>
+        </p:style>
         <p:txBody>
           <a:bodyPr lIns="90000" rIns="90000" tIns="45000" bIns="45000"/>
           <a:p>
+            <a:pPr>
+              <a:lnSpc>
+                <a:spcPct val="100000"/>
+              </a:lnSpc>
+            </a:pPr>
             <a:r>
               <a:rPr b="0" lang="en-US" sz="1800" spc="-1" strike="noStrike">
                 <a:latin typeface="Arial"/>
@@ -13036,26 +12678,37 @@
       </p:sp>
       <p:sp>
         <p:nvSpPr>
-          <p:cNvPr id="275" name="TextShape 34"/>
-          <p:cNvSpPr txBox="1"/>
+          <p:cNvPr id="275" name="CustomShape 34"/>
+          <p:cNvSpPr/>
           <p:nvPr/>
         </p:nvSpPr>
         <p:spPr>
           <a:xfrm>
             <a:off x="7907760" y="2834640"/>
-            <a:ext cx="961920" cy="346320"/>
-          </a:xfrm>
-          <a:prstGeom prst="rect">
-            <a:avLst/>
-          </a:prstGeom>
-          <a:noFill/>
-          <a:ln>
-            <a:noFill/>
-          </a:ln>
-        </p:spPr>
+            <a:ext cx="961560" cy="345960"/>
+          </a:xfrm>
+          <a:prstGeom prst="rect">
+            <a:avLst/>
+          </a:prstGeom>
+          <a:noFill/>
+          <a:ln>
+            <a:noFill/>
+          </a:ln>
+        </p:spPr>
+        <p:style>
+          <a:lnRef idx="0"/>
+          <a:fillRef idx="0"/>
+          <a:effectRef idx="0"/>
+          <a:fontRef idx="minor"/>
+        </p:style>
         <p:txBody>
           <a:bodyPr lIns="90000" rIns="90000" tIns="45000" bIns="45000"/>
           <a:p>
+            <a:pPr>
+              <a:lnSpc>
+                <a:spcPct val="100000"/>
+              </a:lnSpc>
+            </a:pPr>
             <a:r>
               <a:rPr b="0" lang="en-US" sz="1800" spc="-1" strike="noStrike">
                 <a:latin typeface="Arial"/>
@@ -13070,26 +12723,37 @@
       </p:sp>
       <p:sp>
         <p:nvSpPr>
-          <p:cNvPr id="276" name="TextShape 35"/>
-          <p:cNvSpPr txBox="1"/>
+          <p:cNvPr id="276" name="CustomShape 35"/>
+          <p:cNvSpPr/>
           <p:nvPr/>
         </p:nvSpPr>
         <p:spPr>
           <a:xfrm>
             <a:off x="68400" y="3682080"/>
-            <a:ext cx="1851840" cy="858240"/>
-          </a:xfrm>
-          <a:prstGeom prst="rect">
-            <a:avLst/>
-          </a:prstGeom>
-          <a:noFill/>
-          <a:ln>
-            <a:noFill/>
-          </a:ln>
-        </p:spPr>
+            <a:ext cx="1851480" cy="857880"/>
+          </a:xfrm>
+          <a:prstGeom prst="rect">
+            <a:avLst/>
+          </a:prstGeom>
+          <a:noFill/>
+          <a:ln>
+            <a:noFill/>
+          </a:ln>
+        </p:spPr>
+        <p:style>
+          <a:lnRef idx="0"/>
+          <a:fillRef idx="0"/>
+          <a:effectRef idx="0"/>
+          <a:fontRef idx="minor"/>
+        </p:style>
         <p:txBody>
           <a:bodyPr lIns="90000" rIns="90000" tIns="45000" bIns="45000"/>
           <a:p>
+            <a:pPr>
+              <a:lnSpc>
+                <a:spcPct val="100000"/>
+              </a:lnSpc>
+            </a:pPr>
             <a:r>
               <a:rPr b="0" lang="en-US" sz="1800" spc="-1" strike="noStrike">
                 <a:latin typeface="Arial"/>
@@ -13104,26 +12768,37 @@
       </p:sp>
       <p:sp>
         <p:nvSpPr>
-          <p:cNvPr id="277" name="TextShape 36"/>
-          <p:cNvSpPr txBox="1"/>
+          <p:cNvPr id="277" name="CustomShape 36"/>
+          <p:cNvSpPr/>
           <p:nvPr/>
         </p:nvSpPr>
         <p:spPr>
           <a:xfrm>
             <a:off x="2103120" y="3749040"/>
-            <a:ext cx="914400" cy="346320"/>
-          </a:xfrm>
-          <a:prstGeom prst="rect">
-            <a:avLst/>
-          </a:prstGeom>
-          <a:noFill/>
-          <a:ln>
-            <a:noFill/>
-          </a:ln>
-        </p:spPr>
+            <a:ext cx="914040" cy="345960"/>
+          </a:xfrm>
+          <a:prstGeom prst="rect">
+            <a:avLst/>
+          </a:prstGeom>
+          <a:noFill/>
+          <a:ln>
+            <a:noFill/>
+          </a:ln>
+        </p:spPr>
+        <p:style>
+          <a:lnRef idx="0"/>
+          <a:fillRef idx="0"/>
+          <a:effectRef idx="0"/>
+          <a:fontRef idx="minor"/>
+        </p:style>
         <p:txBody>
           <a:bodyPr lIns="90000" rIns="90000" tIns="45000" bIns="45000"/>
           <a:p>
+            <a:pPr>
+              <a:lnSpc>
+                <a:spcPct val="100000"/>
+              </a:lnSpc>
+            </a:pPr>
             <a:r>
               <a:rPr b="0" lang="en-US" sz="1800" spc="-1" strike="noStrike">
                 <a:latin typeface="Arial"/>
@@ -13138,26 +12813,37 @@
       </p:sp>
       <p:sp>
         <p:nvSpPr>
-          <p:cNvPr id="278" name="TextShape 37"/>
-          <p:cNvSpPr txBox="1"/>
+          <p:cNvPr id="278" name="CustomShape 37"/>
+          <p:cNvSpPr/>
           <p:nvPr/>
         </p:nvSpPr>
         <p:spPr>
           <a:xfrm>
             <a:off x="3181680" y="3786840"/>
-            <a:ext cx="1053360" cy="602280"/>
-          </a:xfrm>
-          <a:prstGeom prst="rect">
-            <a:avLst/>
-          </a:prstGeom>
-          <a:noFill/>
-          <a:ln>
-            <a:noFill/>
-          </a:ln>
-        </p:spPr>
+            <a:ext cx="1053000" cy="601920"/>
+          </a:xfrm>
+          <a:prstGeom prst="rect">
+            <a:avLst/>
+          </a:prstGeom>
+          <a:noFill/>
+          <a:ln>
+            <a:noFill/>
+          </a:ln>
+        </p:spPr>
+        <p:style>
+          <a:lnRef idx="0"/>
+          <a:fillRef idx="0"/>
+          <a:effectRef idx="0"/>
+          <a:fontRef idx="minor"/>
+        </p:style>
         <p:txBody>
           <a:bodyPr lIns="90000" rIns="90000" tIns="45000" bIns="45000"/>
           <a:p>
+            <a:pPr>
+              <a:lnSpc>
+                <a:spcPct val="100000"/>
+              </a:lnSpc>
+            </a:pPr>
             <a:r>
               <a:rPr b="0" lang="en-US" sz="1800" spc="-1" strike="noStrike">
                 <a:latin typeface="Arial"/>
@@ -13172,26 +12858,37 @@
       </p:sp>
       <p:sp>
         <p:nvSpPr>
-          <p:cNvPr id="279" name="TextShape 38"/>
-          <p:cNvSpPr txBox="1"/>
+          <p:cNvPr id="279" name="CustomShape 38"/>
+          <p:cNvSpPr/>
           <p:nvPr/>
         </p:nvSpPr>
         <p:spPr>
           <a:xfrm>
             <a:off x="4449960" y="3878280"/>
-            <a:ext cx="914400" cy="346320"/>
-          </a:xfrm>
-          <a:prstGeom prst="rect">
-            <a:avLst/>
-          </a:prstGeom>
-          <a:noFill/>
-          <a:ln>
-            <a:noFill/>
-          </a:ln>
-        </p:spPr>
+            <a:ext cx="914040" cy="345960"/>
+          </a:xfrm>
+          <a:prstGeom prst="rect">
+            <a:avLst/>
+          </a:prstGeom>
+          <a:noFill/>
+          <a:ln>
+            <a:noFill/>
+          </a:ln>
+        </p:spPr>
+        <p:style>
+          <a:lnRef idx="0"/>
+          <a:fillRef idx="0"/>
+          <a:effectRef idx="0"/>
+          <a:fontRef idx="minor"/>
+        </p:style>
         <p:txBody>
           <a:bodyPr lIns="90000" rIns="90000" tIns="45000" bIns="45000"/>
           <a:p>
+            <a:pPr>
+              <a:lnSpc>
+                <a:spcPct val="100000"/>
+              </a:lnSpc>
+            </a:pPr>
             <a:r>
               <a:rPr b="0" lang="en-US" sz="1800" spc="-1" strike="noStrike">
                 <a:latin typeface="Arial"/>
@@ -13206,26 +12903,37 @@
       </p:sp>
       <p:sp>
         <p:nvSpPr>
-          <p:cNvPr id="280" name="TextShape 39"/>
-          <p:cNvSpPr txBox="1"/>
+          <p:cNvPr id="280" name="CustomShape 39"/>
+          <p:cNvSpPr/>
           <p:nvPr/>
         </p:nvSpPr>
         <p:spPr>
           <a:xfrm>
             <a:off x="5730120" y="3786840"/>
-            <a:ext cx="786600" cy="346320"/>
-          </a:xfrm>
-          <a:prstGeom prst="rect">
-            <a:avLst/>
-          </a:prstGeom>
-          <a:noFill/>
-          <a:ln>
-            <a:noFill/>
-          </a:ln>
-        </p:spPr>
+            <a:ext cx="786240" cy="345960"/>
+          </a:xfrm>
+          <a:prstGeom prst="rect">
+            <a:avLst/>
+          </a:prstGeom>
+          <a:noFill/>
+          <a:ln>
+            <a:noFill/>
+          </a:ln>
+        </p:spPr>
+        <p:style>
+          <a:lnRef idx="0"/>
+          <a:fillRef idx="0"/>
+          <a:effectRef idx="0"/>
+          <a:fontRef idx="minor"/>
+        </p:style>
         <p:txBody>
           <a:bodyPr lIns="90000" rIns="90000" tIns="45000" bIns="45000"/>
           <a:p>
+            <a:pPr>
+              <a:lnSpc>
+                <a:spcPct val="100000"/>
+              </a:lnSpc>
+            </a:pPr>
             <a:r>
               <a:rPr b="0" lang="en-US" sz="1800" spc="-1" strike="noStrike">
                 <a:latin typeface="Arial"/>
@@ -13240,26 +12948,37 @@
       </p:sp>
       <p:sp>
         <p:nvSpPr>
-          <p:cNvPr id="281" name="TextShape 40"/>
-          <p:cNvSpPr txBox="1"/>
+          <p:cNvPr id="281" name="CustomShape 40"/>
+          <p:cNvSpPr/>
           <p:nvPr/>
         </p:nvSpPr>
         <p:spPr>
           <a:xfrm>
             <a:off x="6644520" y="3878280"/>
-            <a:ext cx="914400" cy="346320"/>
-          </a:xfrm>
-          <a:prstGeom prst="rect">
-            <a:avLst/>
-          </a:prstGeom>
-          <a:noFill/>
-          <a:ln>
-            <a:noFill/>
-          </a:ln>
-        </p:spPr>
+            <a:ext cx="914040" cy="345960"/>
+          </a:xfrm>
+          <a:prstGeom prst="rect">
+            <a:avLst/>
+          </a:prstGeom>
+          <a:noFill/>
+          <a:ln>
+            <a:noFill/>
+          </a:ln>
+        </p:spPr>
+        <p:style>
+          <a:lnRef idx="0"/>
+          <a:fillRef idx="0"/>
+          <a:effectRef idx="0"/>
+          <a:fontRef idx="minor"/>
+        </p:style>
         <p:txBody>
           <a:bodyPr lIns="90000" rIns="90000" tIns="45000" bIns="45000"/>
           <a:p>
+            <a:pPr>
+              <a:lnSpc>
+                <a:spcPct val="100000"/>
+              </a:lnSpc>
+            </a:pPr>
             <a:r>
               <a:rPr b="0" lang="en-US" sz="1800" spc="-1" strike="noStrike">
                 <a:latin typeface="Arial"/>
@@ -13274,26 +12993,37 @@
       </p:sp>
       <p:sp>
         <p:nvSpPr>
-          <p:cNvPr id="282" name="TextShape 41"/>
-          <p:cNvSpPr txBox="1"/>
+          <p:cNvPr id="282" name="CustomShape 41"/>
+          <p:cNvSpPr/>
           <p:nvPr/>
         </p:nvSpPr>
         <p:spPr>
           <a:xfrm>
             <a:off x="7877160" y="3878280"/>
-            <a:ext cx="961920" cy="346320"/>
-          </a:xfrm>
-          <a:prstGeom prst="rect">
-            <a:avLst/>
-          </a:prstGeom>
-          <a:noFill/>
-          <a:ln>
-            <a:noFill/>
-          </a:ln>
-        </p:spPr>
+            <a:ext cx="961560" cy="345960"/>
+          </a:xfrm>
+          <a:prstGeom prst="rect">
+            <a:avLst/>
+          </a:prstGeom>
+          <a:noFill/>
+          <a:ln>
+            <a:noFill/>
+          </a:ln>
+        </p:spPr>
+        <p:style>
+          <a:lnRef idx="0"/>
+          <a:fillRef idx="0"/>
+          <a:effectRef idx="0"/>
+          <a:fontRef idx="minor"/>
+        </p:style>
         <p:txBody>
           <a:bodyPr lIns="90000" rIns="90000" tIns="45000" bIns="45000"/>
           <a:p>
+            <a:pPr>
+              <a:lnSpc>
+                <a:spcPct val="100000"/>
+              </a:lnSpc>
+            </a:pPr>
             <a:r>
               <a:rPr b="0" lang="en-US" sz="1800" spc="-1" strike="noStrike">
                 <a:latin typeface="Arial"/>
@@ -13308,26 +13038,37 @@
       </p:sp>
       <p:sp>
         <p:nvSpPr>
-          <p:cNvPr id="283" name="TextShape 42"/>
-          <p:cNvSpPr txBox="1"/>
+          <p:cNvPr id="283" name="CustomShape 42"/>
+          <p:cNvSpPr/>
           <p:nvPr/>
         </p:nvSpPr>
         <p:spPr>
           <a:xfrm>
             <a:off x="91440" y="4663440"/>
-            <a:ext cx="1828800" cy="858240"/>
-          </a:xfrm>
-          <a:prstGeom prst="rect">
-            <a:avLst/>
-          </a:prstGeom>
-          <a:noFill/>
-          <a:ln>
-            <a:noFill/>
-          </a:ln>
-        </p:spPr>
+            <a:ext cx="1828440" cy="857880"/>
+          </a:xfrm>
+          <a:prstGeom prst="rect">
+            <a:avLst/>
+          </a:prstGeom>
+          <a:noFill/>
+          <a:ln>
+            <a:noFill/>
+          </a:ln>
+        </p:spPr>
+        <p:style>
+          <a:lnRef idx="0"/>
+          <a:fillRef idx="0"/>
+          <a:effectRef idx="0"/>
+          <a:fontRef idx="minor"/>
+        </p:style>
         <p:txBody>
           <a:bodyPr lIns="90000" rIns="90000" tIns="45000" bIns="45000"/>
           <a:p>
+            <a:pPr>
+              <a:lnSpc>
+                <a:spcPct val="100000"/>
+              </a:lnSpc>
+            </a:pPr>
             <a:r>
               <a:rPr b="0" lang="en-US" sz="1800" spc="-1" strike="noStrike">
                 <a:latin typeface="Arial"/>
@@ -13342,26 +13083,37 @@
       </p:sp>
       <p:sp>
         <p:nvSpPr>
-          <p:cNvPr id="284" name="TextShape 43"/>
-          <p:cNvSpPr txBox="1"/>
+          <p:cNvPr id="284" name="CustomShape 43"/>
+          <p:cNvSpPr/>
           <p:nvPr/>
         </p:nvSpPr>
         <p:spPr>
           <a:xfrm>
             <a:off x="2103120" y="4591440"/>
-            <a:ext cx="914400" cy="346320"/>
-          </a:xfrm>
-          <a:prstGeom prst="rect">
-            <a:avLst/>
-          </a:prstGeom>
-          <a:noFill/>
-          <a:ln>
-            <a:noFill/>
-          </a:ln>
-        </p:spPr>
+            <a:ext cx="914040" cy="345960"/>
+          </a:xfrm>
+          <a:prstGeom prst="rect">
+            <a:avLst/>
+          </a:prstGeom>
+          <a:noFill/>
+          <a:ln>
+            <a:noFill/>
+          </a:ln>
+        </p:spPr>
+        <p:style>
+          <a:lnRef idx="0"/>
+          <a:fillRef idx="0"/>
+          <a:effectRef idx="0"/>
+          <a:fontRef idx="minor"/>
+        </p:style>
         <p:txBody>
           <a:bodyPr lIns="90000" rIns="90000" tIns="45000" bIns="45000"/>
           <a:p>
+            <a:pPr>
+              <a:lnSpc>
+                <a:spcPct val="100000"/>
+              </a:lnSpc>
+            </a:pPr>
             <a:r>
               <a:rPr b="0" lang="en-US" sz="1800" spc="-1" strike="noStrike">
                 <a:latin typeface="Arial"/>
@@ -13376,26 +13128,37 @@
       </p:sp>
       <p:sp>
         <p:nvSpPr>
-          <p:cNvPr id="285" name="TextShape 44"/>
-          <p:cNvSpPr txBox="1"/>
+          <p:cNvPr id="285" name="CustomShape 44"/>
+          <p:cNvSpPr/>
           <p:nvPr/>
         </p:nvSpPr>
         <p:spPr>
           <a:xfrm>
             <a:off x="3181680" y="4663440"/>
-            <a:ext cx="1053360" cy="602280"/>
-          </a:xfrm>
-          <a:prstGeom prst="rect">
-            <a:avLst/>
-          </a:prstGeom>
-          <a:noFill/>
-          <a:ln>
-            <a:noFill/>
-          </a:ln>
-        </p:spPr>
+            <a:ext cx="1053000" cy="601920"/>
+          </a:xfrm>
+          <a:prstGeom prst="rect">
+            <a:avLst/>
+          </a:prstGeom>
+          <a:noFill/>
+          <a:ln>
+            <a:noFill/>
+          </a:ln>
+        </p:spPr>
+        <p:style>
+          <a:lnRef idx="0"/>
+          <a:fillRef idx="0"/>
+          <a:effectRef idx="0"/>
+          <a:fontRef idx="minor"/>
+        </p:style>
         <p:txBody>
           <a:bodyPr lIns="90000" rIns="90000" tIns="45000" bIns="45000"/>
           <a:p>
+            <a:pPr>
+              <a:lnSpc>
+                <a:spcPct val="100000"/>
+              </a:lnSpc>
+            </a:pPr>
             <a:r>
               <a:rPr b="0" lang="en-US" sz="1800" spc="-1" strike="noStrike">
                 <a:latin typeface="Arial"/>
@@ -13410,26 +13173,37 @@
       </p:sp>
       <p:sp>
         <p:nvSpPr>
-          <p:cNvPr id="286" name="TextShape 45"/>
-          <p:cNvSpPr txBox="1"/>
+          <p:cNvPr id="286" name="CustomShape 45"/>
+          <p:cNvSpPr/>
           <p:nvPr/>
         </p:nvSpPr>
         <p:spPr>
           <a:xfrm>
             <a:off x="4449960" y="4754880"/>
-            <a:ext cx="914400" cy="346320"/>
-          </a:xfrm>
-          <a:prstGeom prst="rect">
-            <a:avLst/>
-          </a:prstGeom>
-          <a:noFill/>
-          <a:ln>
-            <a:noFill/>
-          </a:ln>
-        </p:spPr>
+            <a:ext cx="914040" cy="345960"/>
+          </a:xfrm>
+          <a:prstGeom prst="rect">
+            <a:avLst/>
+          </a:prstGeom>
+          <a:noFill/>
+          <a:ln>
+            <a:noFill/>
+          </a:ln>
+        </p:spPr>
+        <p:style>
+          <a:lnRef idx="0"/>
+          <a:fillRef idx="0"/>
+          <a:effectRef idx="0"/>
+          <a:fontRef idx="minor"/>
+        </p:style>
         <p:txBody>
           <a:bodyPr lIns="90000" rIns="90000" tIns="45000" bIns="45000"/>
           <a:p>
+            <a:pPr>
+              <a:lnSpc>
+                <a:spcPct val="100000"/>
+              </a:lnSpc>
+            </a:pPr>
             <a:r>
               <a:rPr b="0" lang="en-US" sz="1800" spc="-1" strike="noStrike">
                 <a:latin typeface="Arial"/>
@@ -13444,26 +13218,37 @@
       </p:sp>
       <p:sp>
         <p:nvSpPr>
-          <p:cNvPr id="287" name="TextShape 46"/>
-          <p:cNvSpPr txBox="1"/>
+          <p:cNvPr id="287" name="CustomShape 46"/>
+          <p:cNvSpPr/>
           <p:nvPr/>
         </p:nvSpPr>
         <p:spPr>
           <a:xfrm>
             <a:off x="5730120" y="4663440"/>
-            <a:ext cx="786600" cy="346320"/>
-          </a:xfrm>
-          <a:prstGeom prst="rect">
-            <a:avLst/>
-          </a:prstGeom>
-          <a:noFill/>
-          <a:ln>
-            <a:noFill/>
-          </a:ln>
-        </p:spPr>
+            <a:ext cx="786240" cy="345960"/>
+          </a:xfrm>
+          <a:prstGeom prst="rect">
+            <a:avLst/>
+          </a:prstGeom>
+          <a:noFill/>
+          <a:ln>
+            <a:noFill/>
+          </a:ln>
+        </p:spPr>
+        <p:style>
+          <a:lnRef idx="0"/>
+          <a:fillRef idx="0"/>
+          <a:effectRef idx="0"/>
+          <a:fontRef idx="minor"/>
+        </p:style>
         <p:txBody>
           <a:bodyPr lIns="90000" rIns="90000" tIns="45000" bIns="45000"/>
           <a:p>
+            <a:pPr>
+              <a:lnSpc>
+                <a:spcPct val="100000"/>
+              </a:lnSpc>
+            </a:pPr>
             <a:r>
               <a:rPr b="0" lang="en-US" sz="1800" spc="-1" strike="noStrike">
                 <a:latin typeface="Arial"/>
@@ -13478,26 +13263,37 @@
       </p:sp>
       <p:sp>
         <p:nvSpPr>
-          <p:cNvPr id="288" name="TextShape 47"/>
-          <p:cNvSpPr txBox="1"/>
+          <p:cNvPr id="288" name="CustomShape 47"/>
+          <p:cNvSpPr/>
           <p:nvPr/>
         </p:nvSpPr>
         <p:spPr>
           <a:xfrm>
             <a:off x="6644520" y="4754880"/>
-            <a:ext cx="914400" cy="346320"/>
-          </a:xfrm>
-          <a:prstGeom prst="rect">
-            <a:avLst/>
-          </a:prstGeom>
-          <a:noFill/>
-          <a:ln>
-            <a:noFill/>
-          </a:ln>
-        </p:spPr>
+            <a:ext cx="914040" cy="345960"/>
+          </a:xfrm>
+          <a:prstGeom prst="rect">
+            <a:avLst/>
+          </a:prstGeom>
+          <a:noFill/>
+          <a:ln>
+            <a:noFill/>
+          </a:ln>
+        </p:spPr>
+        <p:style>
+          <a:lnRef idx="0"/>
+          <a:fillRef idx="0"/>
+          <a:effectRef idx="0"/>
+          <a:fontRef idx="minor"/>
+        </p:style>
         <p:txBody>
           <a:bodyPr lIns="90000" rIns="90000" tIns="45000" bIns="45000"/>
           <a:p>
+            <a:pPr>
+              <a:lnSpc>
+                <a:spcPct val="100000"/>
+              </a:lnSpc>
+            </a:pPr>
             <a:r>
               <a:rPr b="0" lang="en-US" sz="1800" spc="-1" strike="noStrike">
                 <a:latin typeface="Arial"/>
@@ -13512,26 +13308,37 @@
       </p:sp>
       <p:sp>
         <p:nvSpPr>
-          <p:cNvPr id="289" name="TextShape 48"/>
-          <p:cNvSpPr txBox="1"/>
+          <p:cNvPr id="289" name="CustomShape 48"/>
+          <p:cNvSpPr/>
           <p:nvPr/>
         </p:nvSpPr>
         <p:spPr>
           <a:xfrm>
             <a:off x="7877160" y="4754880"/>
-            <a:ext cx="961920" cy="346320"/>
-          </a:xfrm>
-          <a:prstGeom prst="rect">
-            <a:avLst/>
-          </a:prstGeom>
-          <a:noFill/>
-          <a:ln>
-            <a:noFill/>
-          </a:ln>
-        </p:spPr>
+            <a:ext cx="961560" cy="345960"/>
+          </a:xfrm>
+          <a:prstGeom prst="rect">
+            <a:avLst/>
+          </a:prstGeom>
+          <a:noFill/>
+          <a:ln>
+            <a:noFill/>
+          </a:ln>
+        </p:spPr>
+        <p:style>
+          <a:lnRef idx="0"/>
+          <a:fillRef idx="0"/>
+          <a:effectRef idx="0"/>
+          <a:fontRef idx="minor"/>
+        </p:style>
         <p:txBody>
           <a:bodyPr lIns="90000" rIns="90000" tIns="45000" bIns="45000"/>
           <a:p>
+            <a:pPr>
+              <a:lnSpc>
+                <a:spcPct val="100000"/>
+              </a:lnSpc>
+            </a:pPr>
             <a:r>
               <a:rPr b="0" lang="en-US" sz="1800" spc="-1" strike="noStrike">
                 <a:latin typeface="Arial"/>
@@ -13610,7 +13417,7 @@
         <p:spPr>
           <a:xfrm>
             <a:off x="4213440" y="214200"/>
-            <a:ext cx="906120" cy="394920"/>
+            <a:ext cx="905760" cy="394560"/>
           </a:xfrm>
           <a:prstGeom prst="rect">
             <a:avLst/>
@@ -13752,7 +13559,7 @@
         <p:spPr>
           <a:xfrm>
             <a:off x="446760" y="999360"/>
-            <a:ext cx="295200" cy="364320"/>
+            <a:ext cx="294840" cy="363960"/>
           </a:xfrm>
           <a:prstGeom prst="rect">
             <a:avLst/>
@@ -13801,7 +13608,7 @@
         <p:spPr>
           <a:xfrm>
             <a:off x="1657800" y="999360"/>
-            <a:ext cx="601200" cy="364320"/>
+            <a:ext cx="600840" cy="363960"/>
           </a:xfrm>
           <a:prstGeom prst="rect">
             <a:avLst/>
@@ -13850,7 +13657,7 @@
         <p:spPr>
           <a:xfrm>
             <a:off x="5293440" y="999360"/>
-            <a:ext cx="1267200" cy="364320"/>
+            <a:ext cx="1266840" cy="363960"/>
           </a:xfrm>
           <a:prstGeom prst="rect">
             <a:avLst/>
@@ -13899,7 +13706,7 @@
         <p:spPr>
           <a:xfrm>
             <a:off x="430920" y="1459800"/>
-            <a:ext cx="296640" cy="364320"/>
+            <a:ext cx="296280" cy="363960"/>
           </a:xfrm>
           <a:prstGeom prst="rect">
             <a:avLst/>
@@ -13948,7 +13755,7 @@
         <p:spPr>
           <a:xfrm>
             <a:off x="430920" y="1904400"/>
-            <a:ext cx="296640" cy="364320"/>
+            <a:ext cx="296280" cy="363960"/>
           </a:xfrm>
           <a:prstGeom prst="rect">
             <a:avLst/>
@@ -13997,7 +13804,7 @@
         <p:spPr>
           <a:xfrm>
             <a:off x="412920" y="2339640"/>
-            <a:ext cx="269280" cy="364320"/>
+            <a:ext cx="268920" cy="363960"/>
           </a:xfrm>
           <a:prstGeom prst="rect">
             <a:avLst/>
@@ -14046,7 +13853,7 @@
         <p:spPr>
           <a:xfrm>
             <a:off x="415440" y="2757240"/>
-            <a:ext cx="296640" cy="364320"/>
+            <a:ext cx="296280" cy="363960"/>
           </a:xfrm>
           <a:prstGeom prst="rect">
             <a:avLst/>
@@ -14095,7 +13902,7 @@
         <p:spPr>
           <a:xfrm>
             <a:off x="415080" y="3405240"/>
-            <a:ext cx="296640" cy="364320"/>
+            <a:ext cx="296280" cy="363960"/>
           </a:xfrm>
           <a:prstGeom prst="rect">
             <a:avLst/>
@@ -14144,7 +13951,7 @@
         <p:spPr>
           <a:xfrm>
             <a:off x="430920" y="4083480"/>
-            <a:ext cx="296640" cy="364320"/>
+            <a:ext cx="296280" cy="363960"/>
           </a:xfrm>
           <a:prstGeom prst="rect">
             <a:avLst/>
@@ -14193,7 +14000,7 @@
         <p:spPr>
           <a:xfrm>
             <a:off x="430920" y="4664160"/>
-            <a:ext cx="296640" cy="364320"/>
+            <a:ext cx="296280" cy="363960"/>
           </a:xfrm>
           <a:prstGeom prst="rect">
             <a:avLst/>
@@ -14459,7 +14266,7 @@
         <p:spPr>
           <a:xfrm>
             <a:off x="2892240" y="1452600"/>
-            <a:ext cx="6195960" cy="364320"/>
+            <a:ext cx="6195600" cy="363960"/>
           </a:xfrm>
           <a:prstGeom prst="rect">
             <a:avLst/>
@@ -14508,7 +14315,7 @@
         <p:spPr>
           <a:xfrm>
             <a:off x="2897640" y="1927080"/>
-            <a:ext cx="5161320" cy="364320"/>
+            <a:ext cx="5160960" cy="363960"/>
           </a:xfrm>
           <a:prstGeom prst="rect">
             <a:avLst/>
@@ -14557,7 +14364,7 @@
         <p:spPr>
           <a:xfrm>
             <a:off x="2866320" y="2355840"/>
-            <a:ext cx="3366000" cy="364320"/>
+            <a:ext cx="3365640" cy="363960"/>
           </a:xfrm>
           <a:prstGeom prst="rect">
             <a:avLst/>
@@ -14606,7 +14413,7 @@
         <p:spPr>
           <a:xfrm>
             <a:off x="2892240" y="2814480"/>
-            <a:ext cx="4976640" cy="364320"/>
+            <a:ext cx="4976280" cy="363960"/>
           </a:xfrm>
           <a:prstGeom prst="rect">
             <a:avLst/>
@@ -14655,7 +14462,7 @@
         <p:spPr>
           <a:xfrm>
             <a:off x="2872800" y="3227400"/>
-            <a:ext cx="6032880" cy="912960"/>
+            <a:ext cx="6032520" cy="912600"/>
           </a:xfrm>
           <a:prstGeom prst="rect">
             <a:avLst/>
@@ -14734,7 +14541,7 @@
         <p:spPr>
           <a:xfrm>
             <a:off x="2912760" y="4110840"/>
-            <a:ext cx="5185440" cy="364320"/>
+            <a:ext cx="5185080" cy="363960"/>
           </a:xfrm>
           <a:prstGeom prst="rect">
             <a:avLst/>
@@ -14783,7 +14590,7 @@
         <p:spPr>
           <a:xfrm>
             <a:off x="2917080" y="4666320"/>
-            <a:ext cx="6129000" cy="364320"/>
+            <a:ext cx="6128640" cy="363960"/>
           </a:xfrm>
           <a:prstGeom prst="rect">
             <a:avLst/>
@@ -14832,7 +14639,7 @@
         <p:spPr>
           <a:xfrm>
             <a:off x="2931120" y="5126760"/>
-            <a:ext cx="5947560" cy="638640"/>
+            <a:ext cx="5947200" cy="638280"/>
           </a:xfrm>
           <a:prstGeom prst="rect">
             <a:avLst/>
@@ -14901,7 +14708,7 @@
         <p:spPr>
           <a:xfrm>
             <a:off x="1043280" y="1459800"/>
-            <a:ext cx="1809720" cy="364320"/>
+            <a:ext cx="1809360" cy="363960"/>
           </a:xfrm>
           <a:prstGeom prst="rect">
             <a:avLst/>
@@ -14950,7 +14757,7 @@
         <p:spPr>
           <a:xfrm>
             <a:off x="1059120" y="1920240"/>
-            <a:ext cx="1668240" cy="364320"/>
+            <a:ext cx="1667880" cy="363960"/>
           </a:xfrm>
           <a:prstGeom prst="rect">
             <a:avLst/>
@@ -14999,7 +14806,7 @@
         <p:spPr>
           <a:xfrm>
             <a:off x="1055160" y="2348640"/>
-            <a:ext cx="1267200" cy="364320"/>
+            <a:ext cx="1266840" cy="363960"/>
           </a:xfrm>
           <a:prstGeom prst="rect">
             <a:avLst/>
@@ -15048,7 +14855,7 @@
         <p:spPr>
           <a:xfrm>
             <a:off x="1057320" y="2809080"/>
-            <a:ext cx="1334520" cy="364320"/>
+            <a:ext cx="1334160" cy="363960"/>
           </a:xfrm>
           <a:prstGeom prst="rect">
             <a:avLst/>
@@ -15097,7 +14904,7 @@
         <p:spPr>
           <a:xfrm>
             <a:off x="1060200" y="3301200"/>
-            <a:ext cx="1471680" cy="638640"/>
+            <a:ext cx="1471320" cy="638280"/>
           </a:xfrm>
           <a:prstGeom prst="rect">
             <a:avLst/>
@@ -15166,7 +14973,7 @@
         <p:spPr>
           <a:xfrm>
             <a:off x="1062360" y="4142520"/>
-            <a:ext cx="1518840" cy="364320"/>
+            <a:ext cx="1518480" cy="363960"/>
           </a:xfrm>
           <a:prstGeom prst="rect">
             <a:avLst/>
@@ -15215,7 +15022,7 @@
         <p:spPr>
           <a:xfrm>
             <a:off x="1078920" y="4650480"/>
-            <a:ext cx="1878480" cy="364320"/>
+            <a:ext cx="1878120" cy="363960"/>
           </a:xfrm>
           <a:prstGeom prst="rect">
             <a:avLst/>
@@ -15264,7 +15071,7 @@
         <p:spPr>
           <a:xfrm>
             <a:off x="430920" y="5238000"/>
-            <a:ext cx="296640" cy="364320"/>
+            <a:ext cx="296280" cy="363960"/>
           </a:xfrm>
           <a:prstGeom prst="rect">
             <a:avLst/>
@@ -15313,7 +15120,7 @@
         <p:spPr>
           <a:xfrm>
             <a:off x="1065240" y="5222160"/>
-            <a:ext cx="1591920" cy="364320"/>
+            <a:ext cx="1591560" cy="363960"/>
           </a:xfrm>
           <a:prstGeom prst="rect">
             <a:avLst/>
@@ -15362,7 +15169,7 @@
         <p:spPr>
           <a:xfrm>
             <a:off x="3884040" y="474480"/>
-            <a:ext cx="1674360" cy="364320"/>
+            <a:ext cx="1674000" cy="363960"/>
           </a:xfrm>
           <a:prstGeom prst="rect">
             <a:avLst/>
@@ -15411,7 +15218,7 @@
         <p:spPr>
           <a:xfrm>
             <a:off x="8292600" y="91800"/>
-            <a:ext cx="790200" cy="364320"/>
+            <a:ext cx="789840" cy="363960"/>
           </a:xfrm>
           <a:prstGeom prst="rect">
             <a:avLst/>
@@ -15517,7 +15324,7 @@
         <p:spPr>
           <a:xfrm>
             <a:off x="4167360" y="137520"/>
-            <a:ext cx="906120" cy="394920"/>
+            <a:ext cx="905760" cy="394560"/>
           </a:xfrm>
           <a:prstGeom prst="rect">
             <a:avLst/>
@@ -15566,7 +15373,7 @@
         <p:spPr>
           <a:xfrm>
             <a:off x="3593160" y="397800"/>
-            <a:ext cx="1674360" cy="364320"/>
+            <a:ext cx="1674000" cy="363960"/>
           </a:xfrm>
           <a:prstGeom prst="rect">
             <a:avLst/>
@@ -15615,7 +15422,7 @@
         <p:spPr>
           <a:xfrm>
             <a:off x="8246520" y="61200"/>
-            <a:ext cx="790200" cy="364320"/>
+            <a:ext cx="789840" cy="363960"/>
           </a:xfrm>
           <a:prstGeom prst="rect">
             <a:avLst/>

--- a/Tps_Stories.pptx
+++ b/Tps_Stories.pptx
@@ -134,7 +134,7 @@
               <a:rPr b="0" lang="en-US" sz="1400" spc="-1" strike="noStrike">
                 <a:latin typeface="Times New Roman"/>
               </a:rPr>
-              <a:t>&lt;header&gt;</a:t>
+              <a:t> </a:t>
             </a:r>
             <a:endParaRPr b="0" lang="en-US" sz="1400" spc="-1" strike="noStrike">
               <a:latin typeface="Times New Roman"/>
@@ -169,7 +169,7 @@
               <a:rPr b="0" lang="en-US" sz="1400" spc="-1" strike="noStrike">
                 <a:latin typeface="Times New Roman"/>
               </a:rPr>
-              <a:t>&lt;date/time&gt;</a:t>
+              <a:t> </a:t>
             </a:r>
             <a:endParaRPr b="0" lang="en-US" sz="1400" spc="-1" strike="noStrike">
               <a:latin typeface="Times New Roman"/>
@@ -203,7 +203,7 @@
               <a:rPr b="0" lang="en-US" sz="1400" spc="-1" strike="noStrike">
                 <a:latin typeface="Times New Roman"/>
               </a:rPr>
-              <a:t>&lt;footer&gt;</a:t>
+              <a:t> </a:t>
             </a:r>
             <a:endParaRPr b="0" lang="en-US" sz="1400" spc="-1" strike="noStrike">
               <a:latin typeface="Times New Roman"/>
@@ -234,11 +234,11 @@
           <a:bodyPr lIns="0" rIns="0" tIns="0" bIns="0" anchor="b"/>
           <a:p>
             <a:pPr algn="r"/>
-            <a:fld id="{0D8F0E0A-CAC4-450B-9BB4-C29D0953469D}" type="slidenum">
+            <a:fld id="{AA555BC6-51FA-4767-8E56-4AD835B2C2FF}" type="slidenum">
               <a:rPr b="0" lang="en-US" sz="1400" spc="-1" strike="noStrike">
                 <a:latin typeface="Times New Roman"/>
               </a:rPr>
-              <a:t>&lt;number&gt;</a:t>
+              <a:t>1</a:t>
             </a:fld>
             <a:endParaRPr b="0" lang="en-US" sz="1400" spc="-1" strike="noStrike">
               <a:latin typeface="Times New Roman"/>
@@ -350,7 +350,7 @@
                 <a:spcPct val="100000"/>
               </a:lnSpc>
             </a:pPr>
-            <a:fld id="{E252593F-AC60-4967-BB03-FCEE5A7BFB95}" type="slidenum">
+            <a:fld id="{D534B645-3C70-4EDC-A8A2-F9806A731380}" type="slidenum">
               <a:rPr b="0" lang="en-US" sz="1200" spc="-1" strike="noStrike">
                 <a:solidFill>
                   <a:srgbClr val="000000"/>
@@ -5218,6 +5218,26 @@
                 <a:ea typeface="DejaVu Sans"/>
               </a:rPr>
               <a:t>Stephen Fedele</a:t>
+            </a:r>
+            <a:endParaRPr b="0" lang="en-US" sz="1800" spc="-1" strike="noStrike">
+              <a:latin typeface="Arial"/>
+            </a:endParaRPr>
+          </a:p>
+          <a:p>
+            <a:pPr algn="ctr">
+              <a:lnSpc>
+                <a:spcPct val="100000"/>
+              </a:lnSpc>
+            </a:pPr>
+            <a:r>
+              <a:rPr b="0" lang="en-US" sz="1800" spc="-1" strike="noStrike">
+                <a:solidFill>
+                  <a:srgbClr val="000000"/>
+                </a:solidFill>
+                <a:latin typeface="Arial"/>
+                <a:ea typeface="DejaVu Sans"/>
+              </a:rPr>
+              <a:t>Tim Curry</a:t>
             </a:r>
             <a:endParaRPr b="0" lang="en-US" sz="1800" spc="-1" strike="noStrike">
               <a:latin typeface="Arial"/>
